--- a/Recitations/Abu Shoeb/2- Abu Shoeb.pptx
+++ b/Recitations/Abu Shoeb/2- Abu Shoeb.pptx
@@ -1,30 +1,416 @@
 
 <file path=ppt/presentation.xml><?xml version="1.0" encoding="utf-8"?>
-<p:presentation xmlns:a="http://schemas.openxmlformats.org/drawingml/2006/main" xmlns:p="http://schemas.openxmlformats.org/presentationml/2006/main" xmlns:r="http://schemas.openxmlformats.org/officeDocument/2006/relationships">
+<p:presentation xmlns:a="http://schemas.openxmlformats.org/drawingml/2006/main" xmlns:r="http://schemas.openxmlformats.org/officeDocument/2006/relationships" xmlns:p="http://schemas.openxmlformats.org/presentationml/2006/main">
   <p:sldMasterIdLst>
-    <p:sldMasterId id="2147483648" r:id="rId2"/>
-    <p:sldMasterId id="2147483661" r:id="rId3"/>
+    <p:sldMasterId id="2147483648" r:id="rId1"/>
+    <p:sldMasterId id="2147483661" r:id="rId2"/>
   </p:sldMasterIdLst>
   <p:notesMasterIdLst>
-    <p:notesMasterId r:id="rId4"/>
+    <p:notesMasterId r:id="rId11"/>
   </p:notesMasterIdLst>
   <p:sldIdLst>
-    <p:sldId id="256" r:id="rId5"/>
-    <p:sldId id="257" r:id="rId6"/>
-    <p:sldId id="258" r:id="rId7"/>
-    <p:sldId id="259" r:id="rId8"/>
-    <p:sldId id="260" r:id="rId9"/>
-    <p:sldId id="261" r:id="rId10"/>
-    <p:sldId id="262" r:id="rId11"/>
-    <p:sldId id="263" r:id="rId12"/>
+    <p:sldId id="256" r:id="rId3"/>
+    <p:sldId id="257" r:id="rId4"/>
+    <p:sldId id="258" r:id="rId5"/>
+    <p:sldId id="259" r:id="rId6"/>
+    <p:sldId id="260" r:id="rId7"/>
+    <p:sldId id="261" r:id="rId8"/>
+    <p:sldId id="262" r:id="rId9"/>
+    <p:sldId id="263" r:id="rId10"/>
   </p:sldIdLst>
-  <p:sldSz cx="9144000" cy="6858000"/>
+  <p:sldSz cx="9144000" cy="6858000" type="screen4x3"/>
   <p:notesSz cx="7315200" cy="9601200"/>
+  <p:defaultTextStyle>
+    <a:defPPr>
+      <a:defRPr lang="en-US"/>
+    </a:defPPr>
+    <a:lvl1pPr marL="0" algn="l" defTabSz="914400" rtl="0" eaLnBrk="1" latinLnBrk="0" hangingPunct="1">
+      <a:defRPr sz="1800" kern="1200">
+        <a:solidFill>
+          <a:schemeClr val="tx1"/>
+        </a:solidFill>
+        <a:latin typeface="+mn-lt"/>
+        <a:ea typeface="+mn-ea"/>
+        <a:cs typeface="+mn-cs"/>
+      </a:defRPr>
+    </a:lvl1pPr>
+    <a:lvl2pPr marL="457200" algn="l" defTabSz="914400" rtl="0" eaLnBrk="1" latinLnBrk="0" hangingPunct="1">
+      <a:defRPr sz="1800" kern="1200">
+        <a:solidFill>
+          <a:schemeClr val="tx1"/>
+        </a:solidFill>
+        <a:latin typeface="+mn-lt"/>
+        <a:ea typeface="+mn-ea"/>
+        <a:cs typeface="+mn-cs"/>
+      </a:defRPr>
+    </a:lvl2pPr>
+    <a:lvl3pPr marL="914400" algn="l" defTabSz="914400" rtl="0" eaLnBrk="1" latinLnBrk="0" hangingPunct="1">
+      <a:defRPr sz="1800" kern="1200">
+        <a:solidFill>
+          <a:schemeClr val="tx1"/>
+        </a:solidFill>
+        <a:latin typeface="+mn-lt"/>
+        <a:ea typeface="+mn-ea"/>
+        <a:cs typeface="+mn-cs"/>
+      </a:defRPr>
+    </a:lvl3pPr>
+    <a:lvl4pPr marL="1371600" algn="l" defTabSz="914400" rtl="0" eaLnBrk="1" latinLnBrk="0" hangingPunct="1">
+      <a:defRPr sz="1800" kern="1200">
+        <a:solidFill>
+          <a:schemeClr val="tx1"/>
+        </a:solidFill>
+        <a:latin typeface="+mn-lt"/>
+        <a:ea typeface="+mn-ea"/>
+        <a:cs typeface="+mn-cs"/>
+      </a:defRPr>
+    </a:lvl4pPr>
+    <a:lvl5pPr marL="1828800" algn="l" defTabSz="914400" rtl="0" eaLnBrk="1" latinLnBrk="0" hangingPunct="1">
+      <a:defRPr sz="1800" kern="1200">
+        <a:solidFill>
+          <a:schemeClr val="tx1"/>
+        </a:solidFill>
+        <a:latin typeface="+mn-lt"/>
+        <a:ea typeface="+mn-ea"/>
+        <a:cs typeface="+mn-cs"/>
+      </a:defRPr>
+    </a:lvl5pPr>
+    <a:lvl6pPr marL="2286000" algn="l" defTabSz="914400" rtl="0" eaLnBrk="1" latinLnBrk="0" hangingPunct="1">
+      <a:defRPr sz="1800" kern="1200">
+        <a:solidFill>
+          <a:schemeClr val="tx1"/>
+        </a:solidFill>
+        <a:latin typeface="+mn-lt"/>
+        <a:ea typeface="+mn-ea"/>
+        <a:cs typeface="+mn-cs"/>
+      </a:defRPr>
+    </a:lvl6pPr>
+    <a:lvl7pPr marL="2743200" algn="l" defTabSz="914400" rtl="0" eaLnBrk="1" latinLnBrk="0" hangingPunct="1">
+      <a:defRPr sz="1800" kern="1200">
+        <a:solidFill>
+          <a:schemeClr val="tx1"/>
+        </a:solidFill>
+        <a:latin typeface="+mn-lt"/>
+        <a:ea typeface="+mn-ea"/>
+        <a:cs typeface="+mn-cs"/>
+      </a:defRPr>
+    </a:lvl7pPr>
+    <a:lvl8pPr marL="3200400" algn="l" defTabSz="914400" rtl="0" eaLnBrk="1" latinLnBrk="0" hangingPunct="1">
+      <a:defRPr sz="1800" kern="1200">
+        <a:solidFill>
+          <a:schemeClr val="tx1"/>
+        </a:solidFill>
+        <a:latin typeface="+mn-lt"/>
+        <a:ea typeface="+mn-ea"/>
+        <a:cs typeface="+mn-cs"/>
+      </a:defRPr>
+    </a:lvl8pPr>
+    <a:lvl9pPr marL="3657600" algn="l" defTabSz="914400" rtl="0" eaLnBrk="1" latinLnBrk="0" hangingPunct="1">
+      <a:defRPr sz="1800" kern="1200">
+        <a:solidFill>
+          <a:schemeClr val="tx1"/>
+        </a:solidFill>
+        <a:latin typeface="+mn-lt"/>
+        <a:ea typeface="+mn-ea"/>
+        <a:cs typeface="+mn-cs"/>
+      </a:defRPr>
+    </a:lvl9pPr>
+  </p:defaultTextStyle>
 </p:presentation>
 </file>
 
+<file path=ppt/revisionInfo.xml><?xml version="1.0" encoding="utf-8"?>
+<p1510:revInfo xmlns:a="http://schemas.openxmlformats.org/drawingml/2006/main" xmlns:r="http://schemas.openxmlformats.org/officeDocument/2006/relationships" xmlns:p1510="http://schemas.microsoft.com/office/powerpoint/2015/10/main"/>
+</file>
+
 <file path=ppt/notesMasters/notesMaster1.xml><?xml version="1.0" encoding="utf-8"?>
-<p:notesMaster xmlns:a="http://schemas.openxmlformats.org/drawingml/2006/main" xmlns:p="http://schemas.openxmlformats.org/presentationml/2006/main" xmlns:r="http://schemas.openxmlformats.org/officeDocument/2006/relationships">
+<p:notesMaster xmlns:a="http://schemas.openxmlformats.org/drawingml/2006/main" xmlns:r="http://schemas.openxmlformats.org/officeDocument/2006/relationships" xmlns:p="http://schemas.openxmlformats.org/presentationml/2006/main">
+  <p:cSld>
+    <p:bg>
+      <p:bgRef idx="1001">
+        <a:schemeClr val="bg1"/>
+      </p:bgRef>
+    </p:bg>
+    <p:spTree>
+      <p:nvGrpSpPr>
+        <p:cNvPr id="1" name=""/>
+        <p:cNvGrpSpPr/>
+        <p:nvPr/>
+      </p:nvGrpSpPr>
+      <p:grpSpPr>
+        <a:xfrm>
+          <a:off x="0" y="0"/>
+          <a:ext cx="0" cy="0"/>
+          <a:chOff x="0" y="0"/>
+          <a:chExt cx="0" cy="0"/>
+        </a:xfrm>
+      </p:grpSpPr>
+      <p:sp>
+        <p:nvSpPr>
+          <p:cNvPr id="72" name="PlaceHolder 1"/>
+          <p:cNvSpPr>
+            <a:spLocks noGrp="1"/>
+          </p:cNvSpPr>
+          <p:nvPr>
+            <p:ph type="body"/>
+          </p:nvPr>
+        </p:nvSpPr>
+        <p:spPr>
+          <a:xfrm>
+            <a:off x="777240" y="4777560"/>
+            <a:ext cx="6217560" cy="4525920"/>
+          </a:xfrm>
+          <a:prstGeom prst="rect">
+            <a:avLst/>
+          </a:prstGeom>
+        </p:spPr>
+        <p:txBody>
+          <a:bodyPr lIns="0" tIns="0" rIns="0" bIns="0"/>
+          <a:lstStyle/>
+          <a:p>
+            <a:r>
+              <a:rPr lang="en-US" sz="2000">
+                <a:latin typeface="Arial"/>
+              </a:rPr>
+              <a:t>Click to edit the notes format</a:t>
+            </a:r>
+            <a:endParaRPr/>
+          </a:p>
+        </p:txBody>
+      </p:sp>
+      <p:sp>
+        <p:nvSpPr>
+          <p:cNvPr id="73" name="PlaceHolder 2"/>
+          <p:cNvSpPr>
+            <a:spLocks noGrp="1"/>
+          </p:cNvSpPr>
+          <p:nvPr>
+            <p:ph type="hdr"/>
+          </p:nvPr>
+        </p:nvSpPr>
+        <p:spPr>
+          <a:xfrm>
+            <a:off x="0" y="0"/>
+            <a:ext cx="3372840" cy="502560"/>
+          </a:xfrm>
+          <a:prstGeom prst="rect">
+            <a:avLst/>
+          </a:prstGeom>
+        </p:spPr>
+        <p:txBody>
+          <a:bodyPr lIns="0" tIns="0" rIns="0" bIns="0"/>
+          <a:lstStyle/>
+          <a:p>
+            <a:r>
+              <a:rPr lang="en-US" sz="1400">
+                <a:latin typeface="Times New Roman"/>
+              </a:rPr>
+              <a:t>&lt;header&gt;</a:t>
+            </a:r>
+            <a:endParaRPr/>
+          </a:p>
+        </p:txBody>
+      </p:sp>
+      <p:sp>
+        <p:nvSpPr>
+          <p:cNvPr id="74" name="PlaceHolder 3"/>
+          <p:cNvSpPr>
+            <a:spLocks noGrp="1"/>
+          </p:cNvSpPr>
+          <p:nvPr>
+            <p:ph type="dt"/>
+          </p:nvPr>
+        </p:nvSpPr>
+        <p:spPr>
+          <a:xfrm>
+            <a:off x="4399200" y="0"/>
+            <a:ext cx="3372840" cy="502560"/>
+          </a:xfrm>
+          <a:prstGeom prst="rect">
+            <a:avLst/>
+          </a:prstGeom>
+        </p:spPr>
+        <p:txBody>
+          <a:bodyPr lIns="0" tIns="0" rIns="0" bIns="0"/>
+          <a:lstStyle/>
+          <a:p>
+            <a:pPr algn="r"/>
+            <a:r>
+              <a:rPr lang="en-US" sz="1400">
+                <a:latin typeface="Times New Roman"/>
+              </a:rPr>
+              <a:t>&lt;date/time&gt;</a:t>
+            </a:r>
+            <a:endParaRPr/>
+          </a:p>
+        </p:txBody>
+      </p:sp>
+      <p:sp>
+        <p:nvSpPr>
+          <p:cNvPr id="75" name="PlaceHolder 4"/>
+          <p:cNvSpPr>
+            <a:spLocks noGrp="1"/>
+          </p:cNvSpPr>
+          <p:nvPr>
+            <p:ph type="ftr"/>
+          </p:nvPr>
+        </p:nvSpPr>
+        <p:spPr>
+          <a:xfrm>
+            <a:off x="0" y="9555480"/>
+            <a:ext cx="3372840" cy="502560"/>
+          </a:xfrm>
+          <a:prstGeom prst="rect">
+            <a:avLst/>
+          </a:prstGeom>
+        </p:spPr>
+        <p:txBody>
+          <a:bodyPr lIns="0" tIns="0" rIns="0" bIns="0" anchor="b"/>
+          <a:lstStyle/>
+          <a:p>
+            <a:r>
+              <a:rPr lang="en-US" sz="1400">
+                <a:latin typeface="Times New Roman"/>
+              </a:rPr>
+              <a:t>&lt;footer&gt;</a:t>
+            </a:r>
+            <a:endParaRPr/>
+          </a:p>
+        </p:txBody>
+      </p:sp>
+      <p:sp>
+        <p:nvSpPr>
+          <p:cNvPr id="76" name="PlaceHolder 5"/>
+          <p:cNvSpPr>
+            <a:spLocks noGrp="1"/>
+          </p:cNvSpPr>
+          <p:nvPr>
+            <p:ph type="sldNum"/>
+          </p:nvPr>
+        </p:nvSpPr>
+        <p:spPr>
+          <a:xfrm>
+            <a:off x="4399200" y="9555480"/>
+            <a:ext cx="3372840" cy="502560"/>
+          </a:xfrm>
+          <a:prstGeom prst="rect">
+            <a:avLst/>
+          </a:prstGeom>
+        </p:spPr>
+        <p:txBody>
+          <a:bodyPr lIns="0" tIns="0" rIns="0" bIns="0" anchor="b"/>
+          <a:lstStyle/>
+          <a:p>
+            <a:pPr algn="r"/>
+            <a:fld id="{4F44EA6B-F726-4A46-BE4C-9116087F8B86}" type="slidenum">
+              <a:rPr lang="en-US" sz="1400">
+                <a:latin typeface="Times New Roman"/>
+              </a:rPr>
+              <a:t>‹#›</a:t>
+            </a:fld>
+            <a:endParaRPr/>
+          </a:p>
+        </p:txBody>
+      </p:sp>
+    </p:spTree>
+  </p:cSld>
+  <p:clrMap bg1="lt1" tx1="dk1" bg2="lt2" tx2="dk2" accent1="accent1" accent2="accent2" accent3="accent3" accent4="accent4" accent5="accent5" accent6="accent6" hlink="hlink" folHlink="folHlink"/>
+  <p:notesStyle>
+    <a:lvl1pPr marL="0" algn="l" defTabSz="914400" rtl="0" eaLnBrk="1" latinLnBrk="0" hangingPunct="1">
+      <a:defRPr sz="1200" kern="1200">
+        <a:solidFill>
+          <a:schemeClr val="tx1"/>
+        </a:solidFill>
+        <a:latin typeface="+mn-lt"/>
+        <a:ea typeface="+mn-ea"/>
+        <a:cs typeface="+mn-cs"/>
+      </a:defRPr>
+    </a:lvl1pPr>
+    <a:lvl2pPr marL="457200" algn="l" defTabSz="914400" rtl="0" eaLnBrk="1" latinLnBrk="0" hangingPunct="1">
+      <a:defRPr sz="1200" kern="1200">
+        <a:solidFill>
+          <a:schemeClr val="tx1"/>
+        </a:solidFill>
+        <a:latin typeface="+mn-lt"/>
+        <a:ea typeface="+mn-ea"/>
+        <a:cs typeface="+mn-cs"/>
+      </a:defRPr>
+    </a:lvl2pPr>
+    <a:lvl3pPr marL="914400" algn="l" defTabSz="914400" rtl="0" eaLnBrk="1" latinLnBrk="0" hangingPunct="1">
+      <a:defRPr sz="1200" kern="1200">
+        <a:solidFill>
+          <a:schemeClr val="tx1"/>
+        </a:solidFill>
+        <a:latin typeface="+mn-lt"/>
+        <a:ea typeface="+mn-ea"/>
+        <a:cs typeface="+mn-cs"/>
+      </a:defRPr>
+    </a:lvl3pPr>
+    <a:lvl4pPr marL="1371600" algn="l" defTabSz="914400" rtl="0" eaLnBrk="1" latinLnBrk="0" hangingPunct="1">
+      <a:defRPr sz="1200" kern="1200">
+        <a:solidFill>
+          <a:schemeClr val="tx1"/>
+        </a:solidFill>
+        <a:latin typeface="+mn-lt"/>
+        <a:ea typeface="+mn-ea"/>
+        <a:cs typeface="+mn-cs"/>
+      </a:defRPr>
+    </a:lvl4pPr>
+    <a:lvl5pPr marL="1828800" algn="l" defTabSz="914400" rtl="0" eaLnBrk="1" latinLnBrk="0" hangingPunct="1">
+      <a:defRPr sz="1200" kern="1200">
+        <a:solidFill>
+          <a:schemeClr val="tx1"/>
+        </a:solidFill>
+        <a:latin typeface="+mn-lt"/>
+        <a:ea typeface="+mn-ea"/>
+        <a:cs typeface="+mn-cs"/>
+      </a:defRPr>
+    </a:lvl5pPr>
+    <a:lvl6pPr marL="2286000" algn="l" defTabSz="914400" rtl="0" eaLnBrk="1" latinLnBrk="0" hangingPunct="1">
+      <a:defRPr sz="1200" kern="1200">
+        <a:solidFill>
+          <a:schemeClr val="tx1"/>
+        </a:solidFill>
+        <a:latin typeface="+mn-lt"/>
+        <a:ea typeface="+mn-ea"/>
+        <a:cs typeface="+mn-cs"/>
+      </a:defRPr>
+    </a:lvl6pPr>
+    <a:lvl7pPr marL="2743200" algn="l" defTabSz="914400" rtl="0" eaLnBrk="1" latinLnBrk="0" hangingPunct="1">
+      <a:defRPr sz="1200" kern="1200">
+        <a:solidFill>
+          <a:schemeClr val="tx1"/>
+        </a:solidFill>
+        <a:latin typeface="+mn-lt"/>
+        <a:ea typeface="+mn-ea"/>
+        <a:cs typeface="+mn-cs"/>
+      </a:defRPr>
+    </a:lvl7pPr>
+    <a:lvl8pPr marL="3200400" algn="l" defTabSz="914400" rtl="0" eaLnBrk="1" latinLnBrk="0" hangingPunct="1">
+      <a:defRPr sz="1200" kern="1200">
+        <a:solidFill>
+          <a:schemeClr val="tx1"/>
+        </a:solidFill>
+        <a:latin typeface="+mn-lt"/>
+        <a:ea typeface="+mn-ea"/>
+        <a:cs typeface="+mn-cs"/>
+      </a:defRPr>
+    </a:lvl8pPr>
+    <a:lvl9pPr marL="3657600" algn="l" defTabSz="914400" rtl="0" eaLnBrk="1" latinLnBrk="0" hangingPunct="1">
+      <a:defRPr sz="1200" kern="1200">
+        <a:solidFill>
+          <a:schemeClr val="tx1"/>
+        </a:solidFill>
+        <a:latin typeface="+mn-lt"/>
+        <a:ea typeface="+mn-ea"/>
+        <a:cs typeface="+mn-cs"/>
+      </a:defRPr>
+    </a:lvl9pPr>
+  </p:notesStyle>
+</p:notesMaster>
+</file>
+
+<file path=ppt/notesSlides/notesSlide1.xml><?xml version="1.0" encoding="utf-8"?>
+<p:notes xmlns:a="http://schemas.openxmlformats.org/drawingml/2006/main" xmlns:r="http://schemas.openxmlformats.org/officeDocument/2006/relationships" xmlns:p="http://schemas.openxmlformats.org/presentationml/2006/main">
   <p:cSld>
     <p:spTree>
       <p:nvGrpSpPr>
@@ -42,7 +428,7 @@
       </p:grpSpPr>
       <p:sp>
         <p:nvSpPr>
-          <p:cNvPr id="72" name="PlaceHolder 1"/>
+          <p:cNvPr id="95" name="PlaceHolder 1"/>
           <p:cNvSpPr>
             <a:spLocks noGrp="1"/>
           </p:cNvSpPr>
@@ -52,151 +438,70 @@
         </p:nvSpPr>
         <p:spPr>
           <a:xfrm>
-            <a:off x="777240" y="4777560"/>
-            <a:ext cx="6217560" cy="4525920"/>
-          </a:xfrm>
-          <a:prstGeom prst="rect">
-            <a:avLst/>
-          </a:prstGeom>
-        </p:spPr>
-        <p:txBody>
-          <a:bodyPr lIns="0" rIns="0" tIns="0" bIns="0"/>
-          <a:p>
-            <a:r>
-              <a:rPr lang="en-US" sz="2000">
-                <a:latin typeface="Arial"/>
-              </a:rPr>
-              <a:t>Click to edit the notes format</a:t>
-            </a:r>
-            <a:endParaRPr/>
-          </a:p>
-        </p:txBody>
-      </p:sp>
-      <p:sp>
-        <p:nvSpPr>
-          <p:cNvPr id="73" name="PlaceHolder 2"/>
-          <p:cNvSpPr>
-            <a:spLocks noGrp="1"/>
-          </p:cNvSpPr>
-          <p:nvPr>
-            <p:ph type="hdr"/>
-          </p:nvPr>
-        </p:nvSpPr>
-        <p:spPr>
-          <a:xfrm>
-            <a:off x="0" y="0"/>
-            <a:ext cx="3372840" cy="502560"/>
-          </a:xfrm>
-          <a:prstGeom prst="rect">
-            <a:avLst/>
-          </a:prstGeom>
-        </p:spPr>
-        <p:txBody>
-          <a:bodyPr lIns="0" rIns="0" tIns="0" bIns="0"/>
-          <a:p>
-            <a:r>
-              <a:rPr lang="en-US" sz="1400">
-                <a:latin typeface="Times New Roman"/>
-              </a:rPr>
-              <a:t>&lt;header&gt;</a:t>
-            </a:r>
-            <a:endParaRPr/>
-          </a:p>
-        </p:txBody>
-      </p:sp>
-      <p:sp>
-        <p:nvSpPr>
-          <p:cNvPr id="74" name="PlaceHolder 3"/>
-          <p:cNvSpPr>
-            <a:spLocks noGrp="1"/>
-          </p:cNvSpPr>
-          <p:nvPr>
-            <p:ph type="dt"/>
-          </p:nvPr>
-        </p:nvSpPr>
-        <p:spPr>
-          <a:xfrm>
-            <a:off x="4399200" y="0"/>
-            <a:ext cx="3372840" cy="502560"/>
-          </a:xfrm>
-          <a:prstGeom prst="rect">
-            <a:avLst/>
-          </a:prstGeom>
-        </p:spPr>
-        <p:txBody>
-          <a:bodyPr lIns="0" rIns="0" tIns="0" bIns="0"/>
-          <a:p>
-            <a:pPr algn="r"/>
-            <a:r>
-              <a:rPr lang="en-US" sz="1400">
-                <a:latin typeface="Times New Roman"/>
-              </a:rPr>
-              <a:t>&lt;date/time&gt;</a:t>
-            </a:r>
-            <a:endParaRPr/>
-          </a:p>
-        </p:txBody>
-      </p:sp>
-      <p:sp>
-        <p:nvSpPr>
-          <p:cNvPr id="75" name="PlaceHolder 4"/>
-          <p:cNvSpPr>
-            <a:spLocks noGrp="1"/>
-          </p:cNvSpPr>
-          <p:nvPr>
-            <p:ph type="ftr"/>
-          </p:nvPr>
-        </p:nvSpPr>
-        <p:spPr>
-          <a:xfrm>
-            <a:off x="0" y="9555480"/>
-            <a:ext cx="3372840" cy="502560"/>
-          </a:xfrm>
-          <a:prstGeom prst="rect">
-            <a:avLst/>
-          </a:prstGeom>
-        </p:spPr>
-        <p:txBody>
-          <a:bodyPr lIns="0" rIns="0" tIns="0" bIns="0" anchor="b"/>
-          <a:p>
-            <a:r>
-              <a:rPr lang="en-US" sz="1400">
-                <a:latin typeface="Times New Roman"/>
-              </a:rPr>
-              <a:t>&lt;footer&gt;</a:t>
-            </a:r>
-            <a:endParaRPr/>
-          </a:p>
-        </p:txBody>
-      </p:sp>
-      <p:sp>
-        <p:nvSpPr>
-          <p:cNvPr id="76" name="PlaceHolder 5"/>
-          <p:cNvSpPr>
-            <a:spLocks noGrp="1"/>
-          </p:cNvSpPr>
-          <p:nvPr>
-            <p:ph type="sldNum"/>
-          </p:nvPr>
-        </p:nvSpPr>
-        <p:spPr>
-          <a:xfrm>
-            <a:off x="4399200" y="9555480"/>
-            <a:ext cx="3372840" cy="502560"/>
-          </a:xfrm>
-          <a:prstGeom prst="rect">
-            <a:avLst/>
-          </a:prstGeom>
-        </p:spPr>
-        <p:txBody>
-          <a:bodyPr lIns="0" rIns="0" tIns="0" bIns="0" anchor="b"/>
-          <a:p>
-            <a:pPr algn="r"/>
-            <a:fld id="{4F44EA6B-F726-4A46-BE4C-9116087F8B86}" type="slidenum">
-              <a:rPr lang="en-US" sz="1400">
-                <a:latin typeface="Times New Roman"/>
-              </a:rPr>
-              <a:t>&lt;number&gt;</a:t>
+            <a:off x="731520" y="4620600"/>
+            <a:ext cx="5850720" cy="3778920"/>
+          </a:xfrm>
+          <a:prstGeom prst="rect">
+            <a:avLst/>
+          </a:prstGeom>
+        </p:spPr>
+        <p:txBody>
+          <a:bodyPr lIns="0" tIns="0" rIns="0" bIns="0"/>
+          <a:lstStyle/>
+          <a:p>
+            <a:endParaRPr/>
+          </a:p>
+        </p:txBody>
+      </p:sp>
+      <p:sp>
+        <p:nvSpPr>
+          <p:cNvPr id="96" name="CustomShape 2"/>
+          <p:cNvSpPr/>
+          <p:nvPr/>
+        </p:nvSpPr>
+        <p:spPr>
+          <a:xfrm>
+            <a:off x="4143600" y="9119520"/>
+            <a:ext cx="3168360" cy="480240"/>
+          </a:xfrm>
+          <a:prstGeom prst="rect">
+            <a:avLst/>
+          </a:prstGeom>
+          <a:noFill/>
+          <a:ln>
+            <a:noFill/>
+          </a:ln>
+        </p:spPr>
+        <p:style>
+          <a:lnRef idx="0">
+            <a:scrgbClr r="0" g="0" b="0"/>
+          </a:lnRef>
+          <a:fillRef idx="0">
+            <a:scrgbClr r="0" g="0" b="0"/>
+          </a:fillRef>
+          <a:effectRef idx="0">
+            <a:scrgbClr r="0" g="0" b="0"/>
+          </a:effectRef>
+          <a:fontRef idx="minor"/>
+        </p:style>
+        <p:txBody>
+          <a:bodyPr lIns="95040" tIns="47520" rIns="95040" bIns="47520" anchor="b"/>
+          <a:lstStyle/>
+          <a:p>
+            <a:pPr algn="r">
+              <a:lnSpc>
+                <a:spcPct val="100000"/>
+              </a:lnSpc>
+            </a:pPr>
+            <a:fld id="{14A22515-B3D7-47D9-8FF2-369CEC734247}" type="slidenum">
+              <a:rPr lang="en-US" sz="1300" strike="noStrike">
+                <a:solidFill>
+                  <a:srgbClr val="000000"/>
+                </a:solidFill>
+                <a:latin typeface="+mn-lt"/>
+                <a:ea typeface="+mn-ea"/>
+              </a:rPr>
+              <a:t>3</a:t>
             </a:fld>
             <a:endParaRPr/>
           </a:p>
@@ -204,12 +509,14 @@
       </p:sp>
     </p:spTree>
   </p:cSld>
-  <p:clrMap bg1="lt1" bg2="lt2" tx1="dk1" tx2="dk2" accent1="accent1" accent2="accent2" accent3="accent3" accent4="accent4" accent5="accent5" accent6="accent6" hlink="hlink" folHlink="folHlink"/>
-</p:notesMaster>
+  <p:clrMapOvr>
+    <a:masterClrMapping/>
+  </p:clrMapOvr>
+</p:notes>
 </file>
 
-<file path=ppt/notesSlides/notesSlide3.xml><?xml version="1.0" encoding="utf-8"?>
-<p:notes xmlns:a="http://schemas.openxmlformats.org/drawingml/2006/main" xmlns:p="http://schemas.openxmlformats.org/presentationml/2006/main" xmlns:r="http://schemas.openxmlformats.org/officeDocument/2006/relationships">
+<file path=ppt/notesSlides/notesSlide2.xml><?xml version="1.0" encoding="utf-8"?>
+<p:notes xmlns:a="http://schemas.openxmlformats.org/drawingml/2006/main" xmlns:r="http://schemas.openxmlformats.org/officeDocument/2006/relationships" xmlns:p="http://schemas.openxmlformats.org/presentationml/2006/main">
   <p:cSld>
     <p:spTree>
       <p:nvGrpSpPr>
@@ -227,7 +534,7 @@
       </p:grpSpPr>
       <p:sp>
         <p:nvSpPr>
-          <p:cNvPr id="95" name="PlaceHolder 1"/>
+          <p:cNvPr id="97" name="PlaceHolder 1"/>
           <p:cNvSpPr>
             <a:spLocks noGrp="1"/>
           </p:cNvSpPr>
@@ -245,15 +552,16 @@
           </a:prstGeom>
         </p:spPr>
         <p:txBody>
-          <a:bodyPr lIns="0" rIns="0" tIns="0" bIns="0"/>
-          <a:p>
-            <a:endParaRPr/>
-          </a:p>
-        </p:txBody>
-      </p:sp>
-      <p:sp>
-        <p:nvSpPr>
-          <p:cNvPr id="96" name="CustomShape 2"/>
+          <a:bodyPr lIns="0" tIns="0" rIns="0" bIns="0"/>
+          <a:lstStyle/>
+          <a:p>
+            <a:endParaRPr/>
+          </a:p>
+        </p:txBody>
+      </p:sp>
+      <p:sp>
+        <p:nvSpPr>
+          <p:cNvPr id="98" name="CustomShape 2"/>
           <p:cNvSpPr/>
           <p:nvPr/>
         </p:nvSpPr>
@@ -271,20 +579,27 @@
           </a:ln>
         </p:spPr>
         <p:style>
-          <a:lnRef idx="0"/>
-          <a:fillRef idx="0"/>
-          <a:effectRef idx="0"/>
+          <a:lnRef idx="0">
+            <a:scrgbClr r="0" g="0" b="0"/>
+          </a:lnRef>
+          <a:fillRef idx="0">
+            <a:scrgbClr r="0" g="0" b="0"/>
+          </a:fillRef>
+          <a:effectRef idx="0">
+            <a:scrgbClr r="0" g="0" b="0"/>
+          </a:effectRef>
           <a:fontRef idx="minor"/>
         </p:style>
         <p:txBody>
-          <a:bodyPr lIns="95040" rIns="95040" tIns="47520" bIns="47520" anchor="b"/>
+          <a:bodyPr lIns="95040" tIns="47520" rIns="95040" bIns="47520" anchor="b"/>
+          <a:lstStyle/>
           <a:p>
             <a:pPr algn="r">
               <a:lnSpc>
                 <a:spcPct val="100000"/>
               </a:lnSpc>
             </a:pPr>
-            <a:fld id="{14A22515-B3D7-47D9-8FF2-369CEC734247}" type="slidenum">
+            <a:fld id="{FDCAC17A-3085-45E3-9087-8D246B24AD20}" type="slidenum">
               <a:rPr lang="en-US" sz="1300" strike="noStrike">
                 <a:solidFill>
                   <a:srgbClr val="000000"/>
@@ -292,7 +607,7 @@
                 <a:latin typeface="+mn-lt"/>
                 <a:ea typeface="+mn-ea"/>
               </a:rPr>
-              <a:t>&lt;number&gt;</a:t>
+              <a:t>4</a:t>
             </a:fld>
             <a:endParaRPr/>
           </a:p>
@@ -300,11 +615,14 @@
       </p:sp>
     </p:spTree>
   </p:cSld>
+  <p:clrMapOvr>
+    <a:masterClrMapping/>
+  </p:clrMapOvr>
 </p:notes>
 </file>
 
-<file path=ppt/notesSlides/notesSlide4.xml><?xml version="1.0" encoding="utf-8"?>
-<p:notes xmlns:a="http://schemas.openxmlformats.org/drawingml/2006/main" xmlns:p="http://schemas.openxmlformats.org/presentationml/2006/main" xmlns:r="http://schemas.openxmlformats.org/officeDocument/2006/relationships">
+<file path=ppt/notesSlides/notesSlide3.xml><?xml version="1.0" encoding="utf-8"?>
+<p:notes xmlns:a="http://schemas.openxmlformats.org/drawingml/2006/main" xmlns:r="http://schemas.openxmlformats.org/officeDocument/2006/relationships" xmlns:p="http://schemas.openxmlformats.org/presentationml/2006/main">
   <p:cSld>
     <p:spTree>
       <p:nvGrpSpPr>
@@ -322,7 +640,7 @@
       </p:grpSpPr>
       <p:sp>
         <p:nvSpPr>
-          <p:cNvPr id="97" name="PlaceHolder 1"/>
+          <p:cNvPr id="99" name="PlaceHolder 1"/>
           <p:cNvSpPr>
             <a:spLocks noGrp="1"/>
           </p:cNvSpPr>
@@ -340,15 +658,16 @@
           </a:prstGeom>
         </p:spPr>
         <p:txBody>
-          <a:bodyPr lIns="0" rIns="0" tIns="0" bIns="0"/>
-          <a:p>
-            <a:endParaRPr/>
-          </a:p>
-        </p:txBody>
-      </p:sp>
-      <p:sp>
-        <p:nvSpPr>
-          <p:cNvPr id="98" name="CustomShape 2"/>
+          <a:bodyPr lIns="0" tIns="0" rIns="0" bIns="0"/>
+          <a:lstStyle/>
+          <a:p>
+            <a:endParaRPr/>
+          </a:p>
+        </p:txBody>
+      </p:sp>
+      <p:sp>
+        <p:nvSpPr>
+          <p:cNvPr id="100" name="CustomShape 2"/>
           <p:cNvSpPr/>
           <p:nvPr/>
         </p:nvSpPr>
@@ -366,20 +685,27 @@
           </a:ln>
         </p:spPr>
         <p:style>
-          <a:lnRef idx="0"/>
-          <a:fillRef idx="0"/>
-          <a:effectRef idx="0"/>
+          <a:lnRef idx="0">
+            <a:scrgbClr r="0" g="0" b="0"/>
+          </a:lnRef>
+          <a:fillRef idx="0">
+            <a:scrgbClr r="0" g="0" b="0"/>
+          </a:fillRef>
+          <a:effectRef idx="0">
+            <a:scrgbClr r="0" g="0" b="0"/>
+          </a:effectRef>
           <a:fontRef idx="minor"/>
         </p:style>
         <p:txBody>
-          <a:bodyPr lIns="95040" rIns="95040" tIns="47520" bIns="47520" anchor="b"/>
+          <a:bodyPr lIns="95040" tIns="47520" rIns="95040" bIns="47520" anchor="b"/>
+          <a:lstStyle/>
           <a:p>
             <a:pPr algn="r">
               <a:lnSpc>
                 <a:spcPct val="100000"/>
               </a:lnSpc>
             </a:pPr>
-            <a:fld id="{FDCAC17A-3085-45E3-9087-8D246B24AD20}" type="slidenum">
+            <a:fld id="{B8C2D74A-F0EB-48DF-AABB-824948305B7E}" type="slidenum">
               <a:rPr lang="en-US" sz="1300" strike="noStrike">
                 <a:solidFill>
                   <a:srgbClr val="000000"/>
@@ -387,7 +713,7 @@
                 <a:latin typeface="+mn-lt"/>
                 <a:ea typeface="+mn-ea"/>
               </a:rPr>
-              <a:t>&lt;number&gt;</a:t>
+              <a:t>5</a:t>
             </a:fld>
             <a:endParaRPr/>
           </a:p>
@@ -395,11 +721,14 @@
       </p:sp>
     </p:spTree>
   </p:cSld>
+  <p:clrMapOvr>
+    <a:masterClrMapping/>
+  </p:clrMapOvr>
 </p:notes>
 </file>
 
-<file path=ppt/notesSlides/notesSlide5.xml><?xml version="1.0" encoding="utf-8"?>
-<p:notes xmlns:a="http://schemas.openxmlformats.org/drawingml/2006/main" xmlns:p="http://schemas.openxmlformats.org/presentationml/2006/main" xmlns:r="http://schemas.openxmlformats.org/officeDocument/2006/relationships">
+<file path=ppt/notesSlides/notesSlide4.xml><?xml version="1.0" encoding="utf-8"?>
+<p:notes xmlns:a="http://schemas.openxmlformats.org/drawingml/2006/main" xmlns:r="http://schemas.openxmlformats.org/officeDocument/2006/relationships" xmlns:p="http://schemas.openxmlformats.org/presentationml/2006/main">
   <p:cSld>
     <p:spTree>
       <p:nvGrpSpPr>
@@ -417,7 +746,7 @@
       </p:grpSpPr>
       <p:sp>
         <p:nvSpPr>
-          <p:cNvPr id="99" name="PlaceHolder 1"/>
+          <p:cNvPr id="101" name="PlaceHolder 1"/>
           <p:cNvSpPr>
             <a:spLocks noGrp="1"/>
           </p:cNvSpPr>
@@ -435,15 +764,16 @@
           </a:prstGeom>
         </p:spPr>
         <p:txBody>
-          <a:bodyPr lIns="0" rIns="0" tIns="0" bIns="0"/>
-          <a:p>
-            <a:endParaRPr/>
-          </a:p>
-        </p:txBody>
-      </p:sp>
-      <p:sp>
-        <p:nvSpPr>
-          <p:cNvPr id="100" name="CustomShape 2"/>
+          <a:bodyPr lIns="0" tIns="0" rIns="0" bIns="0"/>
+          <a:lstStyle/>
+          <a:p>
+            <a:endParaRPr/>
+          </a:p>
+        </p:txBody>
+      </p:sp>
+      <p:sp>
+        <p:nvSpPr>
+          <p:cNvPr id="102" name="CustomShape 2"/>
           <p:cNvSpPr/>
           <p:nvPr/>
         </p:nvSpPr>
@@ -461,20 +791,27 @@
           </a:ln>
         </p:spPr>
         <p:style>
-          <a:lnRef idx="0"/>
-          <a:fillRef idx="0"/>
-          <a:effectRef idx="0"/>
+          <a:lnRef idx="0">
+            <a:scrgbClr r="0" g="0" b="0"/>
+          </a:lnRef>
+          <a:fillRef idx="0">
+            <a:scrgbClr r="0" g="0" b="0"/>
+          </a:fillRef>
+          <a:effectRef idx="0">
+            <a:scrgbClr r="0" g="0" b="0"/>
+          </a:effectRef>
           <a:fontRef idx="minor"/>
         </p:style>
         <p:txBody>
-          <a:bodyPr lIns="95040" rIns="95040" tIns="47520" bIns="47520" anchor="b"/>
+          <a:bodyPr lIns="95040" tIns="47520" rIns="95040" bIns="47520" anchor="b"/>
+          <a:lstStyle/>
           <a:p>
             <a:pPr algn="r">
               <a:lnSpc>
                 <a:spcPct val="100000"/>
               </a:lnSpc>
             </a:pPr>
-            <a:fld id="{B8C2D74A-F0EB-48DF-AABB-824948305B7E}" type="slidenum">
+            <a:fld id="{ACA0B509-0A7F-457B-A232-BE17D8B55C7B}" type="slidenum">
               <a:rPr lang="en-US" sz="1300" strike="noStrike">
                 <a:solidFill>
                   <a:srgbClr val="000000"/>
@@ -482,7 +819,7 @@
                 <a:latin typeface="+mn-lt"/>
                 <a:ea typeface="+mn-ea"/>
               </a:rPr>
-              <a:t>&lt;number&gt;</a:t>
+              <a:t>6</a:t>
             </a:fld>
             <a:endParaRPr/>
           </a:p>
@@ -490,11 +827,14 @@
       </p:sp>
     </p:spTree>
   </p:cSld>
+  <p:clrMapOvr>
+    <a:masterClrMapping/>
+  </p:clrMapOvr>
 </p:notes>
 </file>
 
-<file path=ppt/notesSlides/notesSlide6.xml><?xml version="1.0" encoding="utf-8"?>
-<p:notes xmlns:a="http://schemas.openxmlformats.org/drawingml/2006/main" xmlns:p="http://schemas.openxmlformats.org/presentationml/2006/main" xmlns:r="http://schemas.openxmlformats.org/officeDocument/2006/relationships">
+<file path=ppt/notesSlides/notesSlide5.xml><?xml version="1.0" encoding="utf-8"?>
+<p:notes xmlns:a="http://schemas.openxmlformats.org/drawingml/2006/main" xmlns:r="http://schemas.openxmlformats.org/officeDocument/2006/relationships" xmlns:p="http://schemas.openxmlformats.org/presentationml/2006/main">
   <p:cSld>
     <p:spTree>
       <p:nvGrpSpPr>
@@ -512,7 +852,7 @@
       </p:grpSpPr>
       <p:sp>
         <p:nvSpPr>
-          <p:cNvPr id="101" name="PlaceHolder 1"/>
+          <p:cNvPr id="103" name="PlaceHolder 1"/>
           <p:cNvSpPr>
             <a:spLocks noGrp="1"/>
           </p:cNvSpPr>
@@ -530,15 +870,16 @@
           </a:prstGeom>
         </p:spPr>
         <p:txBody>
-          <a:bodyPr lIns="0" rIns="0" tIns="0" bIns="0"/>
-          <a:p>
-            <a:endParaRPr/>
-          </a:p>
-        </p:txBody>
-      </p:sp>
-      <p:sp>
-        <p:nvSpPr>
-          <p:cNvPr id="102" name="CustomShape 2"/>
+          <a:bodyPr lIns="0" tIns="0" rIns="0" bIns="0"/>
+          <a:lstStyle/>
+          <a:p>
+            <a:endParaRPr/>
+          </a:p>
+        </p:txBody>
+      </p:sp>
+      <p:sp>
+        <p:nvSpPr>
+          <p:cNvPr id="104" name="CustomShape 2"/>
           <p:cNvSpPr/>
           <p:nvPr/>
         </p:nvSpPr>
@@ -556,20 +897,27 @@
           </a:ln>
         </p:spPr>
         <p:style>
-          <a:lnRef idx="0"/>
-          <a:fillRef idx="0"/>
-          <a:effectRef idx="0"/>
+          <a:lnRef idx="0">
+            <a:scrgbClr r="0" g="0" b="0"/>
+          </a:lnRef>
+          <a:fillRef idx="0">
+            <a:scrgbClr r="0" g="0" b="0"/>
+          </a:fillRef>
+          <a:effectRef idx="0">
+            <a:scrgbClr r="0" g="0" b="0"/>
+          </a:effectRef>
           <a:fontRef idx="minor"/>
         </p:style>
         <p:txBody>
-          <a:bodyPr lIns="95040" rIns="95040" tIns="47520" bIns="47520" anchor="b"/>
+          <a:bodyPr lIns="95040" tIns="47520" rIns="95040" bIns="47520" anchor="b"/>
+          <a:lstStyle/>
           <a:p>
             <a:pPr algn="r">
               <a:lnSpc>
                 <a:spcPct val="100000"/>
               </a:lnSpc>
             </a:pPr>
-            <a:fld id="{ACA0B509-0A7F-457B-A232-BE17D8B55C7B}" type="slidenum">
+            <a:fld id="{5364B0DD-FE62-48D0-8B76-AFA0DB4CFAB5}" type="slidenum">
               <a:rPr lang="en-US" sz="1300" strike="noStrike">
                 <a:solidFill>
                   <a:srgbClr val="000000"/>
@@ -577,7 +925,7 @@
                 <a:latin typeface="+mn-lt"/>
                 <a:ea typeface="+mn-ea"/>
               </a:rPr>
-              <a:t>&lt;number&gt;</a:t>
+              <a:t>7</a:t>
             </a:fld>
             <a:endParaRPr/>
           </a:p>
@@ -585,11 +933,14 @@
       </p:sp>
     </p:spTree>
   </p:cSld>
+  <p:clrMapOvr>
+    <a:masterClrMapping/>
+  </p:clrMapOvr>
 </p:notes>
 </file>
 
-<file path=ppt/notesSlides/notesSlide7.xml><?xml version="1.0" encoding="utf-8"?>
-<p:notes xmlns:a="http://schemas.openxmlformats.org/drawingml/2006/main" xmlns:p="http://schemas.openxmlformats.org/presentationml/2006/main" xmlns:r="http://schemas.openxmlformats.org/officeDocument/2006/relationships">
+<file path=ppt/notesSlides/notesSlide6.xml><?xml version="1.0" encoding="utf-8"?>
+<p:notes xmlns:a="http://schemas.openxmlformats.org/drawingml/2006/main" xmlns:r="http://schemas.openxmlformats.org/officeDocument/2006/relationships" xmlns:p="http://schemas.openxmlformats.org/presentationml/2006/main">
   <p:cSld>
     <p:spTree>
       <p:nvGrpSpPr>
@@ -607,101 +958,6 @@
       </p:grpSpPr>
       <p:sp>
         <p:nvSpPr>
-          <p:cNvPr id="103" name="PlaceHolder 1"/>
-          <p:cNvSpPr>
-            <a:spLocks noGrp="1"/>
-          </p:cNvSpPr>
-          <p:nvPr>
-            <p:ph type="body"/>
-          </p:nvPr>
-        </p:nvSpPr>
-        <p:spPr>
-          <a:xfrm>
-            <a:off x="731520" y="4620600"/>
-            <a:ext cx="5850720" cy="3778920"/>
-          </a:xfrm>
-          <a:prstGeom prst="rect">
-            <a:avLst/>
-          </a:prstGeom>
-        </p:spPr>
-        <p:txBody>
-          <a:bodyPr lIns="0" rIns="0" tIns="0" bIns="0"/>
-          <a:p>
-            <a:endParaRPr/>
-          </a:p>
-        </p:txBody>
-      </p:sp>
-      <p:sp>
-        <p:nvSpPr>
-          <p:cNvPr id="104" name="CustomShape 2"/>
-          <p:cNvSpPr/>
-          <p:nvPr/>
-        </p:nvSpPr>
-        <p:spPr>
-          <a:xfrm>
-            <a:off x="4143600" y="9119520"/>
-            <a:ext cx="3168360" cy="480240"/>
-          </a:xfrm>
-          <a:prstGeom prst="rect">
-            <a:avLst/>
-          </a:prstGeom>
-          <a:noFill/>
-          <a:ln>
-            <a:noFill/>
-          </a:ln>
-        </p:spPr>
-        <p:style>
-          <a:lnRef idx="0"/>
-          <a:fillRef idx="0"/>
-          <a:effectRef idx="0"/>
-          <a:fontRef idx="minor"/>
-        </p:style>
-        <p:txBody>
-          <a:bodyPr lIns="95040" rIns="95040" tIns="47520" bIns="47520" anchor="b"/>
-          <a:p>
-            <a:pPr algn="r">
-              <a:lnSpc>
-                <a:spcPct val="100000"/>
-              </a:lnSpc>
-            </a:pPr>
-            <a:fld id="{5364B0DD-FE62-48D0-8B76-AFA0DB4CFAB5}" type="slidenum">
-              <a:rPr lang="en-US" sz="1300" strike="noStrike">
-                <a:solidFill>
-                  <a:srgbClr val="000000"/>
-                </a:solidFill>
-                <a:latin typeface="+mn-lt"/>
-                <a:ea typeface="+mn-ea"/>
-              </a:rPr>
-              <a:t>&lt;number&gt;</a:t>
-            </a:fld>
-            <a:endParaRPr/>
-          </a:p>
-        </p:txBody>
-      </p:sp>
-    </p:spTree>
-  </p:cSld>
-</p:notes>
-</file>
-
-<file path=ppt/notesSlides/notesSlide8.xml><?xml version="1.0" encoding="utf-8"?>
-<p:notes xmlns:a="http://schemas.openxmlformats.org/drawingml/2006/main" xmlns:p="http://schemas.openxmlformats.org/presentationml/2006/main" xmlns:r="http://schemas.openxmlformats.org/officeDocument/2006/relationships">
-  <p:cSld>
-    <p:spTree>
-      <p:nvGrpSpPr>
-        <p:cNvPr id="1" name=""/>
-        <p:cNvGrpSpPr/>
-        <p:nvPr/>
-      </p:nvGrpSpPr>
-      <p:grpSpPr>
-        <a:xfrm>
-          <a:off x="0" y="0"/>
-          <a:ext cx="0" cy="0"/>
-          <a:chOff x="0" y="0"/>
-          <a:chExt cx="0" cy="0"/>
-        </a:xfrm>
-      </p:grpSpPr>
-      <p:sp>
-        <p:nvSpPr>
           <p:cNvPr id="105" name="PlaceHolder 1"/>
           <p:cNvSpPr>
             <a:spLocks noGrp="1"/>
@@ -720,7 +976,8 @@
           </a:prstGeom>
         </p:spPr>
         <p:txBody>
-          <a:bodyPr lIns="0" rIns="0" tIns="0" bIns="0"/>
+          <a:bodyPr lIns="0" tIns="0" rIns="0" bIns="0"/>
+          <a:lstStyle/>
           <a:p>
             <a:endParaRPr/>
           </a:p>
@@ -746,13 +1003,20 @@
           </a:ln>
         </p:spPr>
         <p:style>
-          <a:lnRef idx="0"/>
-          <a:fillRef idx="0"/>
-          <a:effectRef idx="0"/>
+          <a:lnRef idx="0">
+            <a:scrgbClr r="0" g="0" b="0"/>
+          </a:lnRef>
+          <a:fillRef idx="0">
+            <a:scrgbClr r="0" g="0" b="0"/>
+          </a:fillRef>
+          <a:effectRef idx="0">
+            <a:scrgbClr r="0" g="0" b="0"/>
+          </a:effectRef>
           <a:fontRef idx="minor"/>
         </p:style>
         <p:txBody>
-          <a:bodyPr lIns="95040" rIns="95040" tIns="47520" bIns="47520" anchor="b"/>
+          <a:bodyPr lIns="95040" tIns="47520" rIns="95040" bIns="47520" anchor="b"/>
+          <a:lstStyle/>
           <a:p>
             <a:pPr algn="r">
               <a:lnSpc>
@@ -767,7 +1031,7 @@
                 <a:latin typeface="+mn-lt"/>
                 <a:ea typeface="+mn-ea"/>
               </a:rPr>
-              <a:t>&lt;number&gt;</a:t>
+              <a:t>8</a:t>
             </a:fld>
             <a:endParaRPr/>
           </a:p>
@@ -775,11 +1039,14 @@
       </p:sp>
     </p:spTree>
   </p:cSld>
+  <p:clrMapOvr>
+    <a:masterClrMapping/>
+  </p:clrMapOvr>
 </p:notes>
 </file>
 
 <file path=ppt/slideLayouts/slideLayout1.xml><?xml version="1.0" encoding="utf-8"?>
-<p:sldLayout xmlns:a="http://schemas.openxmlformats.org/drawingml/2006/main" xmlns:p="http://schemas.openxmlformats.org/presentationml/2006/main" xmlns:r="http://schemas.openxmlformats.org/officeDocument/2006/relationships" type="blank" preserve="1">
+<p:sldLayout xmlns:a="http://schemas.openxmlformats.org/drawingml/2006/main" xmlns:r="http://schemas.openxmlformats.org/officeDocument/2006/relationships" xmlns:p="http://schemas.openxmlformats.org/presentationml/2006/main" type="blank" preserve="1">
   <p:cSld name="Blank Slide">
     <p:spTree>
       <p:nvGrpSpPr>
@@ -797,11 +1064,14 @@
       </p:grpSpPr>
     </p:spTree>
   </p:cSld>
+  <p:clrMapOvr>
+    <a:masterClrMapping/>
+  </p:clrMapOvr>
 </p:sldLayout>
 </file>
 
 <file path=ppt/slideLayouts/slideLayout10.xml><?xml version="1.0" encoding="utf-8"?>
-<p:sldLayout xmlns:a="http://schemas.openxmlformats.org/drawingml/2006/main" xmlns:p="http://schemas.openxmlformats.org/presentationml/2006/main" xmlns:r="http://schemas.openxmlformats.org/officeDocument/2006/relationships" type="objOverTx" preserve="1">
+<p:sldLayout xmlns:a="http://schemas.openxmlformats.org/drawingml/2006/main" xmlns:r="http://schemas.openxmlformats.org/officeDocument/2006/relationships" xmlns:p="http://schemas.openxmlformats.org/presentationml/2006/main" type="objOverTx" preserve="1">
   <p:cSld name="Title, Content over Content">
     <p:spTree>
       <p:nvGrpSpPr>
@@ -837,7 +1107,8 @@
           </a:prstGeom>
         </p:spPr>
         <p:txBody>
-          <a:bodyPr lIns="0" rIns="0" tIns="0" bIns="0" anchor="ctr"/>
+          <a:bodyPr lIns="0" tIns="0" rIns="0" bIns="0" anchor="ctr"/>
+          <a:lstStyle/>
           <a:p>
             <a:pPr algn="ctr"/>
             <a:endParaRPr/>
@@ -864,7 +1135,8 @@
           </a:prstGeom>
         </p:spPr>
         <p:txBody>
-          <a:bodyPr lIns="0" rIns="0" tIns="0" bIns="0"/>
+          <a:bodyPr lIns="0" tIns="0" rIns="0" bIns="0"/>
+          <a:lstStyle/>
           <a:p>
             <a:endParaRPr/>
           </a:p>
@@ -890,7 +1162,8 @@
           </a:prstGeom>
         </p:spPr>
         <p:txBody>
-          <a:bodyPr lIns="0" rIns="0" tIns="0" bIns="0"/>
+          <a:bodyPr lIns="0" tIns="0" rIns="0" bIns="0"/>
+          <a:lstStyle/>
           <a:p>
             <a:endParaRPr/>
           </a:p>
@@ -898,11 +1171,14 @@
       </p:sp>
     </p:spTree>
   </p:cSld>
+  <p:clrMapOvr>
+    <a:masterClrMapping/>
+  </p:clrMapOvr>
 </p:sldLayout>
 </file>
 
 <file path=ppt/slideLayouts/slideLayout11.xml><?xml version="1.0" encoding="utf-8"?>
-<p:sldLayout xmlns:a="http://schemas.openxmlformats.org/drawingml/2006/main" xmlns:p="http://schemas.openxmlformats.org/presentationml/2006/main" xmlns:r="http://schemas.openxmlformats.org/officeDocument/2006/relationships" type="fourObj" preserve="1">
+<p:sldLayout xmlns:a="http://schemas.openxmlformats.org/drawingml/2006/main" xmlns:r="http://schemas.openxmlformats.org/officeDocument/2006/relationships" xmlns:p="http://schemas.openxmlformats.org/presentationml/2006/main" type="fourObj" preserve="1">
   <p:cSld name="Title, 4 Content">
     <p:spTree>
       <p:nvGrpSpPr>
@@ -938,7 +1214,8 @@
           </a:prstGeom>
         </p:spPr>
         <p:txBody>
-          <a:bodyPr lIns="0" rIns="0" tIns="0" bIns="0" anchor="ctr"/>
+          <a:bodyPr lIns="0" tIns="0" rIns="0" bIns="0" anchor="ctr"/>
+          <a:lstStyle/>
           <a:p>
             <a:pPr algn="ctr"/>
             <a:endParaRPr/>
@@ -965,7 +1242,8 @@
           </a:prstGeom>
         </p:spPr>
         <p:txBody>
-          <a:bodyPr lIns="0" rIns="0" tIns="0" bIns="0"/>
+          <a:bodyPr lIns="0" tIns="0" rIns="0" bIns="0"/>
+          <a:lstStyle/>
           <a:p>
             <a:endParaRPr/>
           </a:p>
@@ -991,7 +1269,8 @@
           </a:prstGeom>
         </p:spPr>
         <p:txBody>
-          <a:bodyPr lIns="0" rIns="0" tIns="0" bIns="0"/>
+          <a:bodyPr lIns="0" tIns="0" rIns="0" bIns="0"/>
+          <a:lstStyle/>
           <a:p>
             <a:endParaRPr/>
           </a:p>
@@ -1017,7 +1296,8 @@
           </a:prstGeom>
         </p:spPr>
         <p:txBody>
-          <a:bodyPr lIns="0" rIns="0" tIns="0" bIns="0"/>
+          <a:bodyPr lIns="0" tIns="0" rIns="0" bIns="0"/>
+          <a:lstStyle/>
           <a:p>
             <a:endParaRPr/>
           </a:p>
@@ -1043,7 +1323,8 @@
           </a:prstGeom>
         </p:spPr>
         <p:txBody>
-          <a:bodyPr lIns="0" rIns="0" tIns="0" bIns="0"/>
+          <a:bodyPr lIns="0" tIns="0" rIns="0" bIns="0"/>
+          <a:lstStyle/>
           <a:p>
             <a:endParaRPr/>
           </a:p>
@@ -1051,11 +1332,14 @@
       </p:sp>
     </p:spTree>
   </p:cSld>
+  <p:clrMapOvr>
+    <a:masterClrMapping/>
+  </p:clrMapOvr>
 </p:sldLayout>
 </file>
 
 <file path=ppt/slideLayouts/slideLayout12.xml><?xml version="1.0" encoding="utf-8"?>
-<p:sldLayout xmlns:a="http://schemas.openxmlformats.org/drawingml/2006/main" xmlns:p="http://schemas.openxmlformats.org/presentationml/2006/main" xmlns:r="http://schemas.openxmlformats.org/officeDocument/2006/relationships" type="blank" preserve="1">
+<p:sldLayout xmlns:a="http://schemas.openxmlformats.org/drawingml/2006/main" xmlns:r="http://schemas.openxmlformats.org/officeDocument/2006/relationships" xmlns:p="http://schemas.openxmlformats.org/presentationml/2006/main" type="blank" preserve="1">
   <p:cSld name="Title, 6 Content">
     <p:spTree>
       <p:nvGrpSpPr>
@@ -1091,7 +1375,8 @@
           </a:prstGeom>
         </p:spPr>
         <p:txBody>
-          <a:bodyPr lIns="0" rIns="0" tIns="0" bIns="0" anchor="ctr"/>
+          <a:bodyPr lIns="0" tIns="0" rIns="0" bIns="0" anchor="ctr"/>
+          <a:lstStyle/>
           <a:p>
             <a:pPr algn="ctr"/>
             <a:endParaRPr/>
@@ -1118,7 +1403,8 @@
           </a:prstGeom>
         </p:spPr>
         <p:txBody>
-          <a:bodyPr lIns="0" rIns="0" tIns="0" bIns="0"/>
+          <a:bodyPr lIns="0" tIns="0" rIns="0" bIns="0"/>
+          <a:lstStyle/>
           <a:p>
             <a:endParaRPr/>
           </a:p>
@@ -1144,7 +1430,8 @@
           </a:prstGeom>
         </p:spPr>
         <p:txBody>
-          <a:bodyPr lIns="0" rIns="0" tIns="0" bIns="0"/>
+          <a:bodyPr lIns="0" tIns="0" rIns="0" bIns="0"/>
+          <a:lstStyle/>
           <a:p>
             <a:endParaRPr/>
           </a:p>
@@ -1152,7 +1439,7 @@
       </p:sp>
       <p:pic>
         <p:nvPicPr>
-          <p:cNvPr id="34" name="" descr=""/>
+          <p:cNvPr id="34" name="Picture 33"/>
           <p:cNvPicPr/>
           <p:nvPr/>
         </p:nvPicPr>
@@ -1175,12 +1462,12 @@
       </p:pic>
       <p:pic>
         <p:nvPicPr>
-          <p:cNvPr id="35" name="" descr=""/>
+          <p:cNvPr id="35" name="Picture 34"/>
           <p:cNvPicPr/>
           <p:nvPr/>
         </p:nvPicPr>
         <p:blipFill>
-          <a:blip r:embed="rId3"/>
+          <a:blip r:embed="rId2"/>
           <a:stretch/>
         </p:blipFill>
         <p:spPr>
@@ -1198,11 +1485,14 @@
       </p:pic>
     </p:spTree>
   </p:cSld>
+  <p:clrMapOvr>
+    <a:masterClrMapping/>
+  </p:clrMapOvr>
 </p:sldLayout>
 </file>
 
 <file path=ppt/slideLayouts/slideLayout13.xml><?xml version="1.0" encoding="utf-8"?>
-<p:sldLayout xmlns:a="http://schemas.openxmlformats.org/drawingml/2006/main" xmlns:p="http://schemas.openxmlformats.org/presentationml/2006/main" xmlns:r="http://schemas.openxmlformats.org/officeDocument/2006/relationships" type="blank" preserve="1">
+<p:sldLayout xmlns:a="http://schemas.openxmlformats.org/drawingml/2006/main" xmlns:r="http://schemas.openxmlformats.org/officeDocument/2006/relationships" xmlns:p="http://schemas.openxmlformats.org/presentationml/2006/main" type="blank" preserve="1">
   <p:cSld name="Blank Slide">
     <p:spTree>
       <p:nvGrpSpPr>
@@ -1220,11 +1510,14 @@
       </p:grpSpPr>
     </p:spTree>
   </p:cSld>
+  <p:clrMapOvr>
+    <a:masterClrMapping/>
+  </p:clrMapOvr>
 </p:sldLayout>
 </file>
 
 <file path=ppt/slideLayouts/slideLayout14.xml><?xml version="1.0" encoding="utf-8"?>
-<p:sldLayout xmlns:a="http://schemas.openxmlformats.org/drawingml/2006/main" xmlns:p="http://schemas.openxmlformats.org/presentationml/2006/main" xmlns:r="http://schemas.openxmlformats.org/officeDocument/2006/relationships" type="tx" preserve="1">
+<p:sldLayout xmlns:a="http://schemas.openxmlformats.org/drawingml/2006/main" xmlns:r="http://schemas.openxmlformats.org/officeDocument/2006/relationships" xmlns:p="http://schemas.openxmlformats.org/presentationml/2006/main" type="tx" preserve="1">
   <p:cSld name="Title Slide">
     <p:spTree>
       <p:nvGrpSpPr>
@@ -1260,7 +1553,8 @@
           </a:prstGeom>
         </p:spPr>
         <p:txBody>
-          <a:bodyPr lIns="0" rIns="0" tIns="0" bIns="0" anchor="ctr"/>
+          <a:bodyPr lIns="0" tIns="0" rIns="0" bIns="0" anchor="ctr"/>
+          <a:lstStyle/>
           <a:p>
             <a:pPr algn="ctr"/>
             <a:endParaRPr/>
@@ -1287,7 +1581,8 @@
           </a:prstGeom>
         </p:spPr>
         <p:txBody>
-          <a:bodyPr lIns="0" rIns="0" tIns="0" bIns="0" anchor="ctr"/>
+          <a:bodyPr lIns="0" tIns="0" rIns="0" bIns="0" anchor="ctr"/>
+          <a:lstStyle/>
           <a:p>
             <a:pPr algn="ctr"/>
             <a:endParaRPr/>
@@ -1296,11 +1591,14 @@
       </p:sp>
     </p:spTree>
   </p:cSld>
+  <p:clrMapOvr>
+    <a:masterClrMapping/>
+  </p:clrMapOvr>
 </p:sldLayout>
 </file>
 
 <file path=ppt/slideLayouts/slideLayout15.xml><?xml version="1.0" encoding="utf-8"?>
-<p:sldLayout xmlns:a="http://schemas.openxmlformats.org/drawingml/2006/main" xmlns:p="http://schemas.openxmlformats.org/presentationml/2006/main" xmlns:r="http://schemas.openxmlformats.org/officeDocument/2006/relationships" type="obj" preserve="1">
+<p:sldLayout xmlns:a="http://schemas.openxmlformats.org/drawingml/2006/main" xmlns:r="http://schemas.openxmlformats.org/officeDocument/2006/relationships" xmlns:p="http://schemas.openxmlformats.org/presentationml/2006/main" type="obj" preserve="1">
   <p:cSld name="Title, Content">
     <p:spTree>
       <p:nvGrpSpPr>
@@ -1336,7 +1634,8 @@
           </a:prstGeom>
         </p:spPr>
         <p:txBody>
-          <a:bodyPr lIns="0" rIns="0" tIns="0" bIns="0" anchor="ctr"/>
+          <a:bodyPr lIns="0" tIns="0" rIns="0" bIns="0" anchor="ctr"/>
+          <a:lstStyle/>
           <a:p>
             <a:pPr algn="ctr"/>
             <a:endParaRPr/>
@@ -1363,7 +1662,8 @@
           </a:prstGeom>
         </p:spPr>
         <p:txBody>
-          <a:bodyPr lIns="0" rIns="0" tIns="0" bIns="0"/>
+          <a:bodyPr lIns="0" tIns="0" rIns="0" bIns="0"/>
+          <a:lstStyle/>
           <a:p>
             <a:endParaRPr/>
           </a:p>
@@ -1371,11 +1671,14 @@
       </p:sp>
     </p:spTree>
   </p:cSld>
+  <p:clrMapOvr>
+    <a:masterClrMapping/>
+  </p:clrMapOvr>
 </p:sldLayout>
 </file>
 
 <file path=ppt/slideLayouts/slideLayout16.xml><?xml version="1.0" encoding="utf-8"?>
-<p:sldLayout xmlns:a="http://schemas.openxmlformats.org/drawingml/2006/main" xmlns:p="http://schemas.openxmlformats.org/presentationml/2006/main" xmlns:r="http://schemas.openxmlformats.org/officeDocument/2006/relationships" type="twoObj" preserve="1">
+<p:sldLayout xmlns:a="http://schemas.openxmlformats.org/drawingml/2006/main" xmlns:r="http://schemas.openxmlformats.org/officeDocument/2006/relationships" xmlns:p="http://schemas.openxmlformats.org/presentationml/2006/main" type="twoObj" preserve="1">
   <p:cSld name="Title, 2 Content">
     <p:spTree>
       <p:nvGrpSpPr>
@@ -1411,7 +1714,8 @@
           </a:prstGeom>
         </p:spPr>
         <p:txBody>
-          <a:bodyPr lIns="0" rIns="0" tIns="0" bIns="0" anchor="ctr"/>
+          <a:bodyPr lIns="0" tIns="0" rIns="0" bIns="0" anchor="ctr"/>
+          <a:lstStyle/>
           <a:p>
             <a:pPr algn="ctr"/>
             <a:endParaRPr/>
@@ -1438,7 +1742,8 @@
           </a:prstGeom>
         </p:spPr>
         <p:txBody>
-          <a:bodyPr lIns="0" rIns="0" tIns="0" bIns="0"/>
+          <a:bodyPr lIns="0" tIns="0" rIns="0" bIns="0"/>
+          <a:lstStyle/>
           <a:p>
             <a:endParaRPr/>
           </a:p>
@@ -1464,7 +1769,8 @@
           </a:prstGeom>
         </p:spPr>
         <p:txBody>
-          <a:bodyPr lIns="0" rIns="0" tIns="0" bIns="0"/>
+          <a:bodyPr lIns="0" tIns="0" rIns="0" bIns="0"/>
+          <a:lstStyle/>
           <a:p>
             <a:endParaRPr/>
           </a:p>
@@ -1472,11 +1778,14 @@
       </p:sp>
     </p:spTree>
   </p:cSld>
+  <p:clrMapOvr>
+    <a:masterClrMapping/>
+  </p:clrMapOvr>
 </p:sldLayout>
 </file>
 
 <file path=ppt/slideLayouts/slideLayout17.xml><?xml version="1.0" encoding="utf-8"?>
-<p:sldLayout xmlns:a="http://schemas.openxmlformats.org/drawingml/2006/main" xmlns:p="http://schemas.openxmlformats.org/presentationml/2006/main" xmlns:r="http://schemas.openxmlformats.org/officeDocument/2006/relationships" type="titleOnly" preserve="1">
+<p:sldLayout xmlns:a="http://schemas.openxmlformats.org/drawingml/2006/main" xmlns:r="http://schemas.openxmlformats.org/officeDocument/2006/relationships" xmlns:p="http://schemas.openxmlformats.org/presentationml/2006/main" type="titleOnly" preserve="1">
   <p:cSld name="Title Only">
     <p:spTree>
       <p:nvGrpSpPr>
@@ -1512,7 +1821,8 @@
           </a:prstGeom>
         </p:spPr>
         <p:txBody>
-          <a:bodyPr lIns="0" rIns="0" tIns="0" bIns="0" anchor="ctr"/>
+          <a:bodyPr lIns="0" tIns="0" rIns="0" bIns="0" anchor="ctr"/>
+          <a:lstStyle/>
           <a:p>
             <a:pPr algn="ctr"/>
             <a:endParaRPr/>
@@ -1521,11 +1831,14 @@
       </p:sp>
     </p:spTree>
   </p:cSld>
+  <p:clrMapOvr>
+    <a:masterClrMapping/>
+  </p:clrMapOvr>
 </p:sldLayout>
 </file>
 
 <file path=ppt/slideLayouts/slideLayout18.xml><?xml version="1.0" encoding="utf-8"?>
-<p:sldLayout xmlns:a="http://schemas.openxmlformats.org/drawingml/2006/main" xmlns:p="http://schemas.openxmlformats.org/presentationml/2006/main" xmlns:r="http://schemas.openxmlformats.org/officeDocument/2006/relationships" type="objOnly" preserve="1">
+<p:sldLayout xmlns:a="http://schemas.openxmlformats.org/drawingml/2006/main" xmlns:r="http://schemas.openxmlformats.org/officeDocument/2006/relationships" xmlns:p="http://schemas.openxmlformats.org/presentationml/2006/main" type="objOnly" preserve="1">
   <p:cSld name="Centered Text">
     <p:spTree>
       <p:nvGrpSpPr>
@@ -1561,7 +1874,8 @@
           </a:prstGeom>
         </p:spPr>
         <p:txBody>
-          <a:bodyPr lIns="0" rIns="0" tIns="0" bIns="0" anchor="ctr"/>
+          <a:bodyPr lIns="0" tIns="0" rIns="0" bIns="0" anchor="ctr"/>
+          <a:lstStyle/>
           <a:p>
             <a:pPr algn="ctr"/>
             <a:endParaRPr/>
@@ -1570,11 +1884,14 @@
       </p:sp>
     </p:spTree>
   </p:cSld>
+  <p:clrMapOvr>
+    <a:masterClrMapping/>
+  </p:clrMapOvr>
 </p:sldLayout>
 </file>
 
 <file path=ppt/slideLayouts/slideLayout19.xml><?xml version="1.0" encoding="utf-8"?>
-<p:sldLayout xmlns:a="http://schemas.openxmlformats.org/drawingml/2006/main" xmlns:p="http://schemas.openxmlformats.org/presentationml/2006/main" xmlns:r="http://schemas.openxmlformats.org/officeDocument/2006/relationships" type="twoObjAndObj" preserve="1">
+<p:sldLayout xmlns:a="http://schemas.openxmlformats.org/drawingml/2006/main" xmlns:r="http://schemas.openxmlformats.org/officeDocument/2006/relationships" xmlns:p="http://schemas.openxmlformats.org/presentationml/2006/main" type="twoObjAndObj" preserve="1">
   <p:cSld name="Title, 2 Content and Content">
     <p:spTree>
       <p:nvGrpSpPr>
@@ -1610,7 +1927,8 @@
           </a:prstGeom>
         </p:spPr>
         <p:txBody>
-          <a:bodyPr lIns="0" rIns="0" tIns="0" bIns="0" anchor="ctr"/>
+          <a:bodyPr lIns="0" tIns="0" rIns="0" bIns="0" anchor="ctr"/>
+          <a:lstStyle/>
           <a:p>
             <a:pPr algn="ctr"/>
             <a:endParaRPr/>
@@ -1637,7 +1955,8 @@
           </a:prstGeom>
         </p:spPr>
         <p:txBody>
-          <a:bodyPr lIns="0" rIns="0" tIns="0" bIns="0"/>
+          <a:bodyPr lIns="0" tIns="0" rIns="0" bIns="0"/>
+          <a:lstStyle/>
           <a:p>
             <a:endParaRPr/>
           </a:p>
@@ -1663,7 +1982,8 @@
           </a:prstGeom>
         </p:spPr>
         <p:txBody>
-          <a:bodyPr lIns="0" rIns="0" tIns="0" bIns="0"/>
+          <a:bodyPr lIns="0" tIns="0" rIns="0" bIns="0"/>
+          <a:lstStyle/>
           <a:p>
             <a:endParaRPr/>
           </a:p>
@@ -1689,7 +2009,8 @@
           </a:prstGeom>
         </p:spPr>
         <p:txBody>
-          <a:bodyPr lIns="0" rIns="0" tIns="0" bIns="0"/>
+          <a:bodyPr lIns="0" tIns="0" rIns="0" bIns="0"/>
+          <a:lstStyle/>
           <a:p>
             <a:endParaRPr/>
           </a:p>
@@ -1697,11 +2018,14 @@
       </p:sp>
     </p:spTree>
   </p:cSld>
+  <p:clrMapOvr>
+    <a:masterClrMapping/>
+  </p:clrMapOvr>
 </p:sldLayout>
 </file>
 
 <file path=ppt/slideLayouts/slideLayout2.xml><?xml version="1.0" encoding="utf-8"?>
-<p:sldLayout xmlns:a="http://schemas.openxmlformats.org/drawingml/2006/main" xmlns:p="http://schemas.openxmlformats.org/presentationml/2006/main" xmlns:r="http://schemas.openxmlformats.org/officeDocument/2006/relationships" type="tx" preserve="1">
+<p:sldLayout xmlns:a="http://schemas.openxmlformats.org/drawingml/2006/main" xmlns:r="http://schemas.openxmlformats.org/officeDocument/2006/relationships" xmlns:p="http://schemas.openxmlformats.org/presentationml/2006/main" type="tx" preserve="1">
   <p:cSld name="Title Slide">
     <p:spTree>
       <p:nvGrpSpPr>
@@ -1737,7 +2061,8 @@
           </a:prstGeom>
         </p:spPr>
         <p:txBody>
-          <a:bodyPr lIns="0" rIns="0" tIns="0" bIns="0" anchor="ctr"/>
+          <a:bodyPr lIns="0" tIns="0" rIns="0" bIns="0" anchor="ctr"/>
+          <a:lstStyle/>
           <a:p>
             <a:pPr algn="ctr"/>
             <a:endParaRPr/>
@@ -1764,7 +2089,8 @@
           </a:prstGeom>
         </p:spPr>
         <p:txBody>
-          <a:bodyPr lIns="0" rIns="0" tIns="0" bIns="0" anchor="ctr"/>
+          <a:bodyPr lIns="0" tIns="0" rIns="0" bIns="0" anchor="ctr"/>
+          <a:lstStyle/>
           <a:p>
             <a:pPr algn="ctr"/>
             <a:endParaRPr/>
@@ -1773,11 +2099,14 @@
       </p:sp>
     </p:spTree>
   </p:cSld>
+  <p:clrMapOvr>
+    <a:masterClrMapping/>
+  </p:clrMapOvr>
 </p:sldLayout>
 </file>
 
 <file path=ppt/slideLayouts/slideLayout20.xml><?xml version="1.0" encoding="utf-8"?>
-<p:sldLayout xmlns:a="http://schemas.openxmlformats.org/drawingml/2006/main" xmlns:p="http://schemas.openxmlformats.org/presentationml/2006/main" xmlns:r="http://schemas.openxmlformats.org/officeDocument/2006/relationships" type="objAndTwoObj" preserve="1">
+<p:sldLayout xmlns:a="http://schemas.openxmlformats.org/drawingml/2006/main" xmlns:r="http://schemas.openxmlformats.org/officeDocument/2006/relationships" xmlns:p="http://schemas.openxmlformats.org/presentationml/2006/main" type="objAndTwoObj" preserve="1">
   <p:cSld name="Title Content and 2 Content">
     <p:spTree>
       <p:nvGrpSpPr>
@@ -1813,7 +2142,8 @@
           </a:prstGeom>
         </p:spPr>
         <p:txBody>
-          <a:bodyPr lIns="0" rIns="0" tIns="0" bIns="0" anchor="ctr"/>
+          <a:bodyPr lIns="0" tIns="0" rIns="0" bIns="0" anchor="ctr"/>
+          <a:lstStyle/>
           <a:p>
             <a:pPr algn="ctr"/>
             <a:endParaRPr/>
@@ -1840,7 +2170,8 @@
           </a:prstGeom>
         </p:spPr>
         <p:txBody>
-          <a:bodyPr lIns="0" rIns="0" tIns="0" bIns="0"/>
+          <a:bodyPr lIns="0" tIns="0" rIns="0" bIns="0"/>
+          <a:lstStyle/>
           <a:p>
             <a:endParaRPr/>
           </a:p>
@@ -1866,7 +2197,8 @@
           </a:prstGeom>
         </p:spPr>
         <p:txBody>
-          <a:bodyPr lIns="0" rIns="0" tIns="0" bIns="0"/>
+          <a:bodyPr lIns="0" tIns="0" rIns="0" bIns="0"/>
+          <a:lstStyle/>
           <a:p>
             <a:endParaRPr/>
           </a:p>
@@ -1892,7 +2224,8 @@
           </a:prstGeom>
         </p:spPr>
         <p:txBody>
-          <a:bodyPr lIns="0" rIns="0" tIns="0" bIns="0"/>
+          <a:bodyPr lIns="0" tIns="0" rIns="0" bIns="0"/>
+          <a:lstStyle/>
           <a:p>
             <a:endParaRPr/>
           </a:p>
@@ -1900,11 +2233,14 @@
       </p:sp>
     </p:spTree>
   </p:cSld>
+  <p:clrMapOvr>
+    <a:masterClrMapping/>
+  </p:clrMapOvr>
 </p:sldLayout>
 </file>
 
 <file path=ppt/slideLayouts/slideLayout21.xml><?xml version="1.0" encoding="utf-8"?>
-<p:sldLayout xmlns:a="http://schemas.openxmlformats.org/drawingml/2006/main" xmlns:p="http://schemas.openxmlformats.org/presentationml/2006/main" xmlns:r="http://schemas.openxmlformats.org/officeDocument/2006/relationships" type="twoObjOverTx" preserve="1">
+<p:sldLayout xmlns:a="http://schemas.openxmlformats.org/drawingml/2006/main" xmlns:r="http://schemas.openxmlformats.org/officeDocument/2006/relationships" xmlns:p="http://schemas.openxmlformats.org/presentationml/2006/main" type="twoObjOverTx" preserve="1">
   <p:cSld name="Title, 2 Content over Content">
     <p:spTree>
       <p:nvGrpSpPr>
@@ -1940,7 +2276,8 @@
           </a:prstGeom>
         </p:spPr>
         <p:txBody>
-          <a:bodyPr lIns="0" rIns="0" tIns="0" bIns="0" anchor="ctr"/>
+          <a:bodyPr lIns="0" tIns="0" rIns="0" bIns="0" anchor="ctr"/>
+          <a:lstStyle/>
           <a:p>
             <a:pPr algn="ctr"/>
             <a:endParaRPr/>
@@ -1967,7 +2304,8 @@
           </a:prstGeom>
         </p:spPr>
         <p:txBody>
-          <a:bodyPr lIns="0" rIns="0" tIns="0" bIns="0"/>
+          <a:bodyPr lIns="0" tIns="0" rIns="0" bIns="0"/>
+          <a:lstStyle/>
           <a:p>
             <a:endParaRPr/>
           </a:p>
@@ -1993,7 +2331,8 @@
           </a:prstGeom>
         </p:spPr>
         <p:txBody>
-          <a:bodyPr lIns="0" rIns="0" tIns="0" bIns="0"/>
+          <a:bodyPr lIns="0" tIns="0" rIns="0" bIns="0"/>
+          <a:lstStyle/>
           <a:p>
             <a:endParaRPr/>
           </a:p>
@@ -2019,7 +2358,8 @@
           </a:prstGeom>
         </p:spPr>
         <p:txBody>
-          <a:bodyPr lIns="0" rIns="0" tIns="0" bIns="0"/>
+          <a:bodyPr lIns="0" tIns="0" rIns="0" bIns="0"/>
+          <a:lstStyle/>
           <a:p>
             <a:endParaRPr/>
           </a:p>
@@ -2027,11 +2367,14 @@
       </p:sp>
     </p:spTree>
   </p:cSld>
+  <p:clrMapOvr>
+    <a:masterClrMapping/>
+  </p:clrMapOvr>
 </p:sldLayout>
 </file>
 
 <file path=ppt/slideLayouts/slideLayout22.xml><?xml version="1.0" encoding="utf-8"?>
-<p:sldLayout xmlns:a="http://schemas.openxmlformats.org/drawingml/2006/main" xmlns:p="http://schemas.openxmlformats.org/presentationml/2006/main" xmlns:r="http://schemas.openxmlformats.org/officeDocument/2006/relationships" type="objOverTx" preserve="1">
+<p:sldLayout xmlns:a="http://schemas.openxmlformats.org/drawingml/2006/main" xmlns:r="http://schemas.openxmlformats.org/officeDocument/2006/relationships" xmlns:p="http://schemas.openxmlformats.org/presentationml/2006/main" type="objOverTx" preserve="1">
   <p:cSld name="Title, Content over Content">
     <p:spTree>
       <p:nvGrpSpPr>
@@ -2067,7 +2410,8 @@
           </a:prstGeom>
         </p:spPr>
         <p:txBody>
-          <a:bodyPr lIns="0" rIns="0" tIns="0" bIns="0" anchor="ctr"/>
+          <a:bodyPr lIns="0" tIns="0" rIns="0" bIns="0" anchor="ctr"/>
+          <a:lstStyle/>
           <a:p>
             <a:pPr algn="ctr"/>
             <a:endParaRPr/>
@@ -2094,7 +2438,8 @@
           </a:prstGeom>
         </p:spPr>
         <p:txBody>
-          <a:bodyPr lIns="0" rIns="0" tIns="0" bIns="0"/>
+          <a:bodyPr lIns="0" tIns="0" rIns="0" bIns="0"/>
+          <a:lstStyle/>
           <a:p>
             <a:endParaRPr/>
           </a:p>
@@ -2120,7 +2465,8 @@
           </a:prstGeom>
         </p:spPr>
         <p:txBody>
-          <a:bodyPr lIns="0" rIns="0" tIns="0" bIns="0"/>
+          <a:bodyPr lIns="0" tIns="0" rIns="0" bIns="0"/>
+          <a:lstStyle/>
           <a:p>
             <a:endParaRPr/>
           </a:p>
@@ -2128,11 +2474,14 @@
       </p:sp>
     </p:spTree>
   </p:cSld>
+  <p:clrMapOvr>
+    <a:masterClrMapping/>
+  </p:clrMapOvr>
 </p:sldLayout>
 </file>
 
 <file path=ppt/slideLayouts/slideLayout23.xml><?xml version="1.0" encoding="utf-8"?>
-<p:sldLayout xmlns:a="http://schemas.openxmlformats.org/drawingml/2006/main" xmlns:p="http://schemas.openxmlformats.org/presentationml/2006/main" xmlns:r="http://schemas.openxmlformats.org/officeDocument/2006/relationships" type="fourObj" preserve="1">
+<p:sldLayout xmlns:a="http://schemas.openxmlformats.org/drawingml/2006/main" xmlns:r="http://schemas.openxmlformats.org/officeDocument/2006/relationships" xmlns:p="http://schemas.openxmlformats.org/presentationml/2006/main" type="fourObj" preserve="1">
   <p:cSld name="Title, 4 Content">
     <p:spTree>
       <p:nvGrpSpPr>
@@ -2168,7 +2517,8 @@
           </a:prstGeom>
         </p:spPr>
         <p:txBody>
-          <a:bodyPr lIns="0" rIns="0" tIns="0" bIns="0" anchor="ctr"/>
+          <a:bodyPr lIns="0" tIns="0" rIns="0" bIns="0" anchor="ctr"/>
+          <a:lstStyle/>
           <a:p>
             <a:pPr algn="ctr"/>
             <a:endParaRPr/>
@@ -2195,7 +2545,8 @@
           </a:prstGeom>
         </p:spPr>
         <p:txBody>
-          <a:bodyPr lIns="0" rIns="0" tIns="0" bIns="0"/>
+          <a:bodyPr lIns="0" tIns="0" rIns="0" bIns="0"/>
+          <a:lstStyle/>
           <a:p>
             <a:endParaRPr/>
           </a:p>
@@ -2221,7 +2572,8 @@
           </a:prstGeom>
         </p:spPr>
         <p:txBody>
-          <a:bodyPr lIns="0" rIns="0" tIns="0" bIns="0"/>
+          <a:bodyPr lIns="0" tIns="0" rIns="0" bIns="0"/>
+          <a:lstStyle/>
           <a:p>
             <a:endParaRPr/>
           </a:p>
@@ -2247,7 +2599,8 @@
           </a:prstGeom>
         </p:spPr>
         <p:txBody>
-          <a:bodyPr lIns="0" rIns="0" tIns="0" bIns="0"/>
+          <a:bodyPr lIns="0" tIns="0" rIns="0" bIns="0"/>
+          <a:lstStyle/>
           <a:p>
             <a:endParaRPr/>
           </a:p>
@@ -2273,7 +2626,8 @@
           </a:prstGeom>
         </p:spPr>
         <p:txBody>
-          <a:bodyPr lIns="0" rIns="0" tIns="0" bIns="0"/>
+          <a:bodyPr lIns="0" tIns="0" rIns="0" bIns="0"/>
+          <a:lstStyle/>
           <a:p>
             <a:endParaRPr/>
           </a:p>
@@ -2281,11 +2635,14 @@
       </p:sp>
     </p:spTree>
   </p:cSld>
+  <p:clrMapOvr>
+    <a:masterClrMapping/>
+  </p:clrMapOvr>
 </p:sldLayout>
 </file>
 
 <file path=ppt/slideLayouts/slideLayout24.xml><?xml version="1.0" encoding="utf-8"?>
-<p:sldLayout xmlns:a="http://schemas.openxmlformats.org/drawingml/2006/main" xmlns:p="http://schemas.openxmlformats.org/presentationml/2006/main" xmlns:r="http://schemas.openxmlformats.org/officeDocument/2006/relationships" type="blank" preserve="1">
+<p:sldLayout xmlns:a="http://schemas.openxmlformats.org/drawingml/2006/main" xmlns:r="http://schemas.openxmlformats.org/officeDocument/2006/relationships" xmlns:p="http://schemas.openxmlformats.org/presentationml/2006/main" type="blank" preserve="1">
   <p:cSld name="Title, 6 Content">
     <p:spTree>
       <p:nvGrpSpPr>
@@ -2321,7 +2678,8 @@
           </a:prstGeom>
         </p:spPr>
         <p:txBody>
-          <a:bodyPr lIns="0" rIns="0" tIns="0" bIns="0" anchor="ctr"/>
+          <a:bodyPr lIns="0" tIns="0" rIns="0" bIns="0" anchor="ctr"/>
+          <a:lstStyle/>
           <a:p>
             <a:pPr algn="ctr"/>
             <a:endParaRPr/>
@@ -2348,7 +2706,8 @@
           </a:prstGeom>
         </p:spPr>
         <p:txBody>
-          <a:bodyPr lIns="0" rIns="0" tIns="0" bIns="0"/>
+          <a:bodyPr lIns="0" tIns="0" rIns="0" bIns="0"/>
+          <a:lstStyle/>
           <a:p>
             <a:endParaRPr/>
           </a:p>
@@ -2374,7 +2733,8 @@
           </a:prstGeom>
         </p:spPr>
         <p:txBody>
-          <a:bodyPr lIns="0" rIns="0" tIns="0" bIns="0"/>
+          <a:bodyPr lIns="0" tIns="0" rIns="0" bIns="0"/>
+          <a:lstStyle/>
           <a:p>
             <a:endParaRPr/>
           </a:p>
@@ -2382,7 +2742,7 @@
       </p:sp>
       <p:pic>
         <p:nvPicPr>
-          <p:cNvPr id="70" name="" descr=""/>
+          <p:cNvPr id="70" name="Picture 69"/>
           <p:cNvPicPr/>
           <p:nvPr/>
         </p:nvPicPr>
@@ -2405,12 +2765,12 @@
       </p:pic>
       <p:pic>
         <p:nvPicPr>
-          <p:cNvPr id="71" name="" descr=""/>
+          <p:cNvPr id="71" name="Picture 70"/>
           <p:cNvPicPr/>
           <p:nvPr/>
         </p:nvPicPr>
         <p:blipFill>
-          <a:blip r:embed="rId3"/>
+          <a:blip r:embed="rId2"/>
           <a:stretch/>
         </p:blipFill>
         <p:spPr>
@@ -2428,11 +2788,14 @@
       </p:pic>
     </p:spTree>
   </p:cSld>
+  <p:clrMapOvr>
+    <a:masterClrMapping/>
+  </p:clrMapOvr>
 </p:sldLayout>
 </file>
 
 <file path=ppt/slideLayouts/slideLayout3.xml><?xml version="1.0" encoding="utf-8"?>
-<p:sldLayout xmlns:a="http://schemas.openxmlformats.org/drawingml/2006/main" xmlns:p="http://schemas.openxmlformats.org/presentationml/2006/main" xmlns:r="http://schemas.openxmlformats.org/officeDocument/2006/relationships" type="obj" preserve="1">
+<p:sldLayout xmlns:a="http://schemas.openxmlformats.org/drawingml/2006/main" xmlns:r="http://schemas.openxmlformats.org/officeDocument/2006/relationships" xmlns:p="http://schemas.openxmlformats.org/presentationml/2006/main" type="obj" preserve="1">
   <p:cSld name="Title, Content">
     <p:spTree>
       <p:nvGrpSpPr>
@@ -2468,7 +2831,8 @@
           </a:prstGeom>
         </p:spPr>
         <p:txBody>
-          <a:bodyPr lIns="0" rIns="0" tIns="0" bIns="0" anchor="ctr"/>
+          <a:bodyPr lIns="0" tIns="0" rIns="0" bIns="0" anchor="ctr"/>
+          <a:lstStyle/>
           <a:p>
             <a:pPr algn="ctr"/>
             <a:endParaRPr/>
@@ -2495,7 +2859,8 @@
           </a:prstGeom>
         </p:spPr>
         <p:txBody>
-          <a:bodyPr lIns="0" rIns="0" tIns="0" bIns="0"/>
+          <a:bodyPr lIns="0" tIns="0" rIns="0" bIns="0"/>
+          <a:lstStyle/>
           <a:p>
             <a:endParaRPr/>
           </a:p>
@@ -2503,11 +2868,14 @@
       </p:sp>
     </p:spTree>
   </p:cSld>
+  <p:clrMapOvr>
+    <a:masterClrMapping/>
+  </p:clrMapOvr>
 </p:sldLayout>
 </file>
 
 <file path=ppt/slideLayouts/slideLayout4.xml><?xml version="1.0" encoding="utf-8"?>
-<p:sldLayout xmlns:a="http://schemas.openxmlformats.org/drawingml/2006/main" xmlns:p="http://schemas.openxmlformats.org/presentationml/2006/main" xmlns:r="http://schemas.openxmlformats.org/officeDocument/2006/relationships" type="twoObj" preserve="1">
+<p:sldLayout xmlns:a="http://schemas.openxmlformats.org/drawingml/2006/main" xmlns:r="http://schemas.openxmlformats.org/officeDocument/2006/relationships" xmlns:p="http://schemas.openxmlformats.org/presentationml/2006/main" type="twoObj" preserve="1">
   <p:cSld name="Title, 2 Content">
     <p:spTree>
       <p:nvGrpSpPr>
@@ -2543,7 +2911,8 @@
           </a:prstGeom>
         </p:spPr>
         <p:txBody>
-          <a:bodyPr lIns="0" rIns="0" tIns="0" bIns="0" anchor="ctr"/>
+          <a:bodyPr lIns="0" tIns="0" rIns="0" bIns="0" anchor="ctr"/>
+          <a:lstStyle/>
           <a:p>
             <a:pPr algn="ctr"/>
             <a:endParaRPr/>
@@ -2570,7 +2939,8 @@
           </a:prstGeom>
         </p:spPr>
         <p:txBody>
-          <a:bodyPr lIns="0" rIns="0" tIns="0" bIns="0"/>
+          <a:bodyPr lIns="0" tIns="0" rIns="0" bIns="0"/>
+          <a:lstStyle/>
           <a:p>
             <a:endParaRPr/>
           </a:p>
@@ -2596,7 +2966,8 @@
           </a:prstGeom>
         </p:spPr>
         <p:txBody>
-          <a:bodyPr lIns="0" rIns="0" tIns="0" bIns="0"/>
+          <a:bodyPr lIns="0" tIns="0" rIns="0" bIns="0"/>
+          <a:lstStyle/>
           <a:p>
             <a:endParaRPr/>
           </a:p>
@@ -2604,11 +2975,14 @@
       </p:sp>
     </p:spTree>
   </p:cSld>
+  <p:clrMapOvr>
+    <a:masterClrMapping/>
+  </p:clrMapOvr>
 </p:sldLayout>
 </file>
 
 <file path=ppt/slideLayouts/slideLayout5.xml><?xml version="1.0" encoding="utf-8"?>
-<p:sldLayout xmlns:a="http://schemas.openxmlformats.org/drawingml/2006/main" xmlns:p="http://schemas.openxmlformats.org/presentationml/2006/main" xmlns:r="http://schemas.openxmlformats.org/officeDocument/2006/relationships" type="titleOnly" preserve="1">
+<p:sldLayout xmlns:a="http://schemas.openxmlformats.org/drawingml/2006/main" xmlns:r="http://schemas.openxmlformats.org/officeDocument/2006/relationships" xmlns:p="http://schemas.openxmlformats.org/presentationml/2006/main" type="titleOnly" preserve="1">
   <p:cSld name="Title Only">
     <p:spTree>
       <p:nvGrpSpPr>
@@ -2644,7 +3018,8 @@
           </a:prstGeom>
         </p:spPr>
         <p:txBody>
-          <a:bodyPr lIns="0" rIns="0" tIns="0" bIns="0" anchor="ctr"/>
+          <a:bodyPr lIns="0" tIns="0" rIns="0" bIns="0" anchor="ctr"/>
+          <a:lstStyle/>
           <a:p>
             <a:pPr algn="ctr"/>
             <a:endParaRPr/>
@@ -2653,11 +3028,14 @@
       </p:sp>
     </p:spTree>
   </p:cSld>
+  <p:clrMapOvr>
+    <a:masterClrMapping/>
+  </p:clrMapOvr>
 </p:sldLayout>
 </file>
 
 <file path=ppt/slideLayouts/slideLayout6.xml><?xml version="1.0" encoding="utf-8"?>
-<p:sldLayout xmlns:a="http://schemas.openxmlformats.org/drawingml/2006/main" xmlns:p="http://schemas.openxmlformats.org/presentationml/2006/main" xmlns:r="http://schemas.openxmlformats.org/officeDocument/2006/relationships" type="objOnly" preserve="1">
+<p:sldLayout xmlns:a="http://schemas.openxmlformats.org/drawingml/2006/main" xmlns:r="http://schemas.openxmlformats.org/officeDocument/2006/relationships" xmlns:p="http://schemas.openxmlformats.org/presentationml/2006/main" type="objOnly" preserve="1">
   <p:cSld name="Centered Text">
     <p:spTree>
       <p:nvGrpSpPr>
@@ -2693,7 +3071,8 @@
           </a:prstGeom>
         </p:spPr>
         <p:txBody>
-          <a:bodyPr lIns="0" rIns="0" tIns="0" bIns="0" anchor="ctr"/>
+          <a:bodyPr lIns="0" tIns="0" rIns="0" bIns="0" anchor="ctr"/>
+          <a:lstStyle/>
           <a:p>
             <a:pPr algn="ctr"/>
             <a:endParaRPr/>
@@ -2702,11 +3081,14 @@
       </p:sp>
     </p:spTree>
   </p:cSld>
+  <p:clrMapOvr>
+    <a:masterClrMapping/>
+  </p:clrMapOvr>
 </p:sldLayout>
 </file>
 
 <file path=ppt/slideLayouts/slideLayout7.xml><?xml version="1.0" encoding="utf-8"?>
-<p:sldLayout xmlns:a="http://schemas.openxmlformats.org/drawingml/2006/main" xmlns:p="http://schemas.openxmlformats.org/presentationml/2006/main" xmlns:r="http://schemas.openxmlformats.org/officeDocument/2006/relationships" type="twoObjAndObj" preserve="1">
+<p:sldLayout xmlns:a="http://schemas.openxmlformats.org/drawingml/2006/main" xmlns:r="http://schemas.openxmlformats.org/officeDocument/2006/relationships" xmlns:p="http://schemas.openxmlformats.org/presentationml/2006/main" type="twoObjAndObj" preserve="1">
   <p:cSld name="Title, 2 Content and Content">
     <p:spTree>
       <p:nvGrpSpPr>
@@ -2742,7 +3124,8 @@
           </a:prstGeom>
         </p:spPr>
         <p:txBody>
-          <a:bodyPr lIns="0" rIns="0" tIns="0" bIns="0" anchor="ctr"/>
+          <a:bodyPr lIns="0" tIns="0" rIns="0" bIns="0" anchor="ctr"/>
+          <a:lstStyle/>
           <a:p>
             <a:pPr algn="ctr"/>
             <a:endParaRPr/>
@@ -2769,7 +3152,8 @@
           </a:prstGeom>
         </p:spPr>
         <p:txBody>
-          <a:bodyPr lIns="0" rIns="0" tIns="0" bIns="0"/>
+          <a:bodyPr lIns="0" tIns="0" rIns="0" bIns="0"/>
+          <a:lstStyle/>
           <a:p>
             <a:endParaRPr/>
           </a:p>
@@ -2795,7 +3179,8 @@
           </a:prstGeom>
         </p:spPr>
         <p:txBody>
-          <a:bodyPr lIns="0" rIns="0" tIns="0" bIns="0"/>
+          <a:bodyPr lIns="0" tIns="0" rIns="0" bIns="0"/>
+          <a:lstStyle/>
           <a:p>
             <a:endParaRPr/>
           </a:p>
@@ -2821,7 +3206,8 @@
           </a:prstGeom>
         </p:spPr>
         <p:txBody>
-          <a:bodyPr lIns="0" rIns="0" tIns="0" bIns="0"/>
+          <a:bodyPr lIns="0" tIns="0" rIns="0" bIns="0"/>
+          <a:lstStyle/>
           <a:p>
             <a:endParaRPr/>
           </a:p>
@@ -2829,11 +3215,14 @@
       </p:sp>
     </p:spTree>
   </p:cSld>
+  <p:clrMapOvr>
+    <a:masterClrMapping/>
+  </p:clrMapOvr>
 </p:sldLayout>
 </file>
 
 <file path=ppt/slideLayouts/slideLayout8.xml><?xml version="1.0" encoding="utf-8"?>
-<p:sldLayout xmlns:a="http://schemas.openxmlformats.org/drawingml/2006/main" xmlns:p="http://schemas.openxmlformats.org/presentationml/2006/main" xmlns:r="http://schemas.openxmlformats.org/officeDocument/2006/relationships" type="objAndTwoObj" preserve="1">
+<p:sldLayout xmlns:a="http://schemas.openxmlformats.org/drawingml/2006/main" xmlns:r="http://schemas.openxmlformats.org/officeDocument/2006/relationships" xmlns:p="http://schemas.openxmlformats.org/presentationml/2006/main" type="objAndTwoObj" preserve="1">
   <p:cSld name="Title Content and 2 Content">
     <p:spTree>
       <p:nvGrpSpPr>
@@ -2869,7 +3258,8 @@
           </a:prstGeom>
         </p:spPr>
         <p:txBody>
-          <a:bodyPr lIns="0" rIns="0" tIns="0" bIns="0" anchor="ctr"/>
+          <a:bodyPr lIns="0" tIns="0" rIns="0" bIns="0" anchor="ctr"/>
+          <a:lstStyle/>
           <a:p>
             <a:pPr algn="ctr"/>
             <a:endParaRPr/>
@@ -2896,7 +3286,8 @@
           </a:prstGeom>
         </p:spPr>
         <p:txBody>
-          <a:bodyPr lIns="0" rIns="0" tIns="0" bIns="0"/>
+          <a:bodyPr lIns="0" tIns="0" rIns="0" bIns="0"/>
+          <a:lstStyle/>
           <a:p>
             <a:endParaRPr/>
           </a:p>
@@ -2922,7 +3313,8 @@
           </a:prstGeom>
         </p:spPr>
         <p:txBody>
-          <a:bodyPr lIns="0" rIns="0" tIns="0" bIns="0"/>
+          <a:bodyPr lIns="0" tIns="0" rIns="0" bIns="0"/>
+          <a:lstStyle/>
           <a:p>
             <a:endParaRPr/>
           </a:p>
@@ -2948,7 +3340,8 @@
           </a:prstGeom>
         </p:spPr>
         <p:txBody>
-          <a:bodyPr lIns="0" rIns="0" tIns="0" bIns="0"/>
+          <a:bodyPr lIns="0" tIns="0" rIns="0" bIns="0"/>
+          <a:lstStyle/>
           <a:p>
             <a:endParaRPr/>
           </a:p>
@@ -2956,11 +3349,14 @@
       </p:sp>
     </p:spTree>
   </p:cSld>
+  <p:clrMapOvr>
+    <a:masterClrMapping/>
+  </p:clrMapOvr>
 </p:sldLayout>
 </file>
 
 <file path=ppt/slideLayouts/slideLayout9.xml><?xml version="1.0" encoding="utf-8"?>
-<p:sldLayout xmlns:a="http://schemas.openxmlformats.org/drawingml/2006/main" xmlns:p="http://schemas.openxmlformats.org/presentationml/2006/main" xmlns:r="http://schemas.openxmlformats.org/officeDocument/2006/relationships" type="twoObjOverTx" preserve="1">
+<p:sldLayout xmlns:a="http://schemas.openxmlformats.org/drawingml/2006/main" xmlns:r="http://schemas.openxmlformats.org/officeDocument/2006/relationships" xmlns:p="http://schemas.openxmlformats.org/presentationml/2006/main" type="twoObjOverTx" preserve="1">
   <p:cSld name="Title, 2 Content over Content">
     <p:spTree>
       <p:nvGrpSpPr>
@@ -2996,7 +3392,8 @@
           </a:prstGeom>
         </p:spPr>
         <p:txBody>
-          <a:bodyPr lIns="0" rIns="0" tIns="0" bIns="0" anchor="ctr"/>
+          <a:bodyPr lIns="0" tIns="0" rIns="0" bIns="0" anchor="ctr"/>
+          <a:lstStyle/>
           <a:p>
             <a:pPr algn="ctr"/>
             <a:endParaRPr/>
@@ -3023,7 +3420,8 @@
           </a:prstGeom>
         </p:spPr>
         <p:txBody>
-          <a:bodyPr lIns="0" rIns="0" tIns="0" bIns="0"/>
+          <a:bodyPr lIns="0" tIns="0" rIns="0" bIns="0"/>
+          <a:lstStyle/>
           <a:p>
             <a:endParaRPr/>
           </a:p>
@@ -3049,7 +3447,8 @@
           </a:prstGeom>
         </p:spPr>
         <p:txBody>
-          <a:bodyPr lIns="0" rIns="0" tIns="0" bIns="0"/>
+          <a:bodyPr lIns="0" tIns="0" rIns="0" bIns="0"/>
+          <a:lstStyle/>
           <a:p>
             <a:endParaRPr/>
           </a:p>
@@ -3075,7 +3474,8 @@
           </a:prstGeom>
         </p:spPr>
         <p:txBody>
-          <a:bodyPr lIns="0" rIns="0" tIns="0" bIns="0"/>
+          <a:bodyPr lIns="0" tIns="0" rIns="0" bIns="0"/>
+          <a:lstStyle/>
           <a:p>
             <a:endParaRPr/>
           </a:p>
@@ -3083,17 +3483,21 @@
       </p:sp>
     </p:spTree>
   </p:cSld>
+  <p:clrMapOvr>
+    <a:masterClrMapping/>
+  </p:clrMapOvr>
 </p:sldLayout>
 </file>
 
 <file path=ppt/slideMasters/slideMaster1.xml><?xml version="1.0" encoding="utf-8"?>
-<p:sldMaster xmlns:a="http://schemas.openxmlformats.org/drawingml/2006/main" xmlns:p="http://schemas.openxmlformats.org/presentationml/2006/main" xmlns:r="http://schemas.openxmlformats.org/officeDocument/2006/relationships">
+<p:sldMaster xmlns:a="http://schemas.openxmlformats.org/drawingml/2006/main" xmlns:r="http://schemas.openxmlformats.org/officeDocument/2006/relationships" xmlns:p="http://schemas.openxmlformats.org/presentationml/2006/main">
   <p:cSld>
     <p:bg>
       <p:bgPr>
         <a:solidFill>
-          <a:srgbClr val="ffffff"/>
+          <a:srgbClr val="FFFFFF"/>
         </a:solidFill>
+        <a:effectLst/>
       </p:bgPr>
     </p:bg>
     <p:spTree>
@@ -3112,7 +3516,7 @@
       </p:grpSpPr>
       <p:sp>
         <p:nvSpPr>
-          <p:cNvPr id="0" name="PlaceHolder 1"/>
+          <p:cNvPr id="2" name="PlaceHolder 1"/>
           <p:cNvSpPr>
             <a:spLocks noGrp="1"/>
           </p:cNvSpPr>
@@ -3130,7 +3534,8 @@
           </a:prstGeom>
         </p:spPr>
         <p:txBody>
-          <a:bodyPr lIns="0" rIns="0" tIns="0" bIns="0" anchor="ctr"/>
+          <a:bodyPr lIns="0" tIns="0" rIns="0" bIns="0" anchor="ctr"/>
+          <a:lstStyle/>
           <a:p>
             <a:pPr algn="ctr"/>
             <a:r>
@@ -3145,7 +3550,7 @@
       </p:sp>
       <p:sp>
         <p:nvSpPr>
-          <p:cNvPr id="1" name="PlaceHolder 2"/>
+          <p:cNvPr id="3" name="PlaceHolder 2"/>
           <p:cNvSpPr>
             <a:spLocks noGrp="1"/>
           </p:cNvSpPr>
@@ -3163,7 +3568,8 @@
           </a:prstGeom>
         </p:spPr>
         <p:txBody>
-          <a:bodyPr lIns="0" rIns="0" tIns="0" bIns="0"/>
+          <a:bodyPr lIns="0" tIns="0" rIns="0" bIns="0"/>
+          <a:lstStyle/>
           <a:p>
             <a:pPr>
               <a:buSzPct val="45000"/>
@@ -3266,32 +3672,313 @@
       </p:sp>
     </p:spTree>
   </p:cSld>
-  <p:clrMap bg1="lt1" bg2="lt2" tx1="dk1" tx2="dk2" accent1="accent1" accent2="accent2" accent3="accent3" accent4="accent4" accent5="accent5" accent6="accent6" hlink="hlink" folHlink="folHlink"/>
+  <p:clrMap bg1="lt1" tx1="dk1" bg2="lt2" tx2="dk2" accent1="accent1" accent2="accent2" accent3="accent3" accent4="accent4" accent5="accent5" accent6="accent6" hlink="hlink" folHlink="folHlink"/>
   <p:sldLayoutIdLst>
-    <p:sldLayoutId id="2147483649" r:id="rId2"/>
-    <p:sldLayoutId id="2147483650" r:id="rId3"/>
-    <p:sldLayoutId id="2147483651" r:id="rId4"/>
-    <p:sldLayoutId id="2147483652" r:id="rId5"/>
-    <p:sldLayoutId id="2147483653" r:id="rId6"/>
-    <p:sldLayoutId id="2147483654" r:id="rId7"/>
-    <p:sldLayoutId id="2147483655" r:id="rId8"/>
-    <p:sldLayoutId id="2147483656" r:id="rId9"/>
-    <p:sldLayoutId id="2147483657" r:id="rId10"/>
-    <p:sldLayoutId id="2147483658" r:id="rId11"/>
-    <p:sldLayoutId id="2147483659" r:id="rId12"/>
-    <p:sldLayoutId id="2147483660" r:id="rId13"/>
+    <p:sldLayoutId id="2147483649" r:id="rId1"/>
+    <p:sldLayoutId id="2147483650" r:id="rId2"/>
+    <p:sldLayoutId id="2147483651" r:id="rId3"/>
+    <p:sldLayoutId id="2147483652" r:id="rId4"/>
+    <p:sldLayoutId id="2147483653" r:id="rId5"/>
+    <p:sldLayoutId id="2147483654" r:id="rId6"/>
+    <p:sldLayoutId id="2147483655" r:id="rId7"/>
+    <p:sldLayoutId id="2147483656" r:id="rId8"/>
+    <p:sldLayoutId id="2147483657" r:id="rId9"/>
+    <p:sldLayoutId id="2147483658" r:id="rId10"/>
+    <p:sldLayoutId id="2147483659" r:id="rId11"/>
+    <p:sldLayoutId id="2147483660" r:id="rId12"/>
   </p:sldLayoutIdLst>
+  <p:txStyles>
+    <p:titleStyle>
+      <a:lvl1pPr algn="l" defTabSz="914400" rtl="0" eaLnBrk="1" latinLnBrk="0" hangingPunct="1">
+        <a:lnSpc>
+          <a:spcPct val="90000"/>
+        </a:lnSpc>
+        <a:spcBef>
+          <a:spcPct val="0"/>
+        </a:spcBef>
+        <a:buNone/>
+        <a:defRPr sz="4400" kern="1200">
+          <a:solidFill>
+            <a:schemeClr val="tx1"/>
+          </a:solidFill>
+          <a:latin typeface="+mj-lt"/>
+          <a:ea typeface="+mj-ea"/>
+          <a:cs typeface="+mj-cs"/>
+        </a:defRPr>
+      </a:lvl1pPr>
+    </p:titleStyle>
+    <p:bodyStyle>
+      <a:lvl1pPr marL="228600" indent="-228600" algn="l" defTabSz="914400" rtl="0" eaLnBrk="1" latinLnBrk="0" hangingPunct="1">
+        <a:lnSpc>
+          <a:spcPct val="90000"/>
+        </a:lnSpc>
+        <a:spcBef>
+          <a:spcPts val="1000"/>
+        </a:spcBef>
+        <a:buFont typeface="Arial" panose="020B0604020202020204" pitchFamily="34" charset="0"/>
+        <a:buChar char="•"/>
+        <a:defRPr sz="2800" kern="1200">
+          <a:solidFill>
+            <a:schemeClr val="tx1"/>
+          </a:solidFill>
+          <a:latin typeface="+mn-lt"/>
+          <a:ea typeface="+mn-ea"/>
+          <a:cs typeface="+mn-cs"/>
+        </a:defRPr>
+      </a:lvl1pPr>
+      <a:lvl2pPr marL="685800" indent="-228600" algn="l" defTabSz="914400" rtl="0" eaLnBrk="1" latinLnBrk="0" hangingPunct="1">
+        <a:lnSpc>
+          <a:spcPct val="90000"/>
+        </a:lnSpc>
+        <a:spcBef>
+          <a:spcPts val="500"/>
+        </a:spcBef>
+        <a:buFont typeface="Arial" panose="020B0604020202020204" pitchFamily="34" charset="0"/>
+        <a:buChar char="•"/>
+        <a:defRPr sz="2400" kern="1200">
+          <a:solidFill>
+            <a:schemeClr val="tx1"/>
+          </a:solidFill>
+          <a:latin typeface="+mn-lt"/>
+          <a:ea typeface="+mn-ea"/>
+          <a:cs typeface="+mn-cs"/>
+        </a:defRPr>
+      </a:lvl2pPr>
+      <a:lvl3pPr marL="1143000" indent="-228600" algn="l" defTabSz="914400" rtl="0" eaLnBrk="1" latinLnBrk="0" hangingPunct="1">
+        <a:lnSpc>
+          <a:spcPct val="90000"/>
+        </a:lnSpc>
+        <a:spcBef>
+          <a:spcPts val="500"/>
+        </a:spcBef>
+        <a:buFont typeface="Arial" panose="020B0604020202020204" pitchFamily="34" charset="0"/>
+        <a:buChar char="•"/>
+        <a:defRPr sz="2000" kern="1200">
+          <a:solidFill>
+            <a:schemeClr val="tx1"/>
+          </a:solidFill>
+          <a:latin typeface="+mn-lt"/>
+          <a:ea typeface="+mn-ea"/>
+          <a:cs typeface="+mn-cs"/>
+        </a:defRPr>
+      </a:lvl3pPr>
+      <a:lvl4pPr marL="1600200" indent="-228600" algn="l" defTabSz="914400" rtl="0" eaLnBrk="1" latinLnBrk="0" hangingPunct="1">
+        <a:lnSpc>
+          <a:spcPct val="90000"/>
+        </a:lnSpc>
+        <a:spcBef>
+          <a:spcPts val="500"/>
+        </a:spcBef>
+        <a:buFont typeface="Arial" panose="020B0604020202020204" pitchFamily="34" charset="0"/>
+        <a:buChar char="•"/>
+        <a:defRPr sz="1800" kern="1200">
+          <a:solidFill>
+            <a:schemeClr val="tx1"/>
+          </a:solidFill>
+          <a:latin typeface="+mn-lt"/>
+          <a:ea typeface="+mn-ea"/>
+          <a:cs typeface="+mn-cs"/>
+        </a:defRPr>
+      </a:lvl4pPr>
+      <a:lvl5pPr marL="2057400" indent="-228600" algn="l" defTabSz="914400" rtl="0" eaLnBrk="1" latinLnBrk="0" hangingPunct="1">
+        <a:lnSpc>
+          <a:spcPct val="90000"/>
+        </a:lnSpc>
+        <a:spcBef>
+          <a:spcPts val="500"/>
+        </a:spcBef>
+        <a:buFont typeface="Arial" panose="020B0604020202020204" pitchFamily="34" charset="0"/>
+        <a:buChar char="•"/>
+        <a:defRPr sz="1800" kern="1200">
+          <a:solidFill>
+            <a:schemeClr val="tx1"/>
+          </a:solidFill>
+          <a:latin typeface="+mn-lt"/>
+          <a:ea typeface="+mn-ea"/>
+          <a:cs typeface="+mn-cs"/>
+        </a:defRPr>
+      </a:lvl5pPr>
+      <a:lvl6pPr marL="2514600" indent="-228600" algn="l" defTabSz="914400" rtl="0" eaLnBrk="1" latinLnBrk="0" hangingPunct="1">
+        <a:lnSpc>
+          <a:spcPct val="90000"/>
+        </a:lnSpc>
+        <a:spcBef>
+          <a:spcPts val="500"/>
+        </a:spcBef>
+        <a:buFont typeface="Arial" panose="020B0604020202020204" pitchFamily="34" charset="0"/>
+        <a:buChar char="•"/>
+        <a:defRPr sz="1800" kern="1200">
+          <a:solidFill>
+            <a:schemeClr val="tx1"/>
+          </a:solidFill>
+          <a:latin typeface="+mn-lt"/>
+          <a:ea typeface="+mn-ea"/>
+          <a:cs typeface="+mn-cs"/>
+        </a:defRPr>
+      </a:lvl6pPr>
+      <a:lvl7pPr marL="2971800" indent="-228600" algn="l" defTabSz="914400" rtl="0" eaLnBrk="1" latinLnBrk="0" hangingPunct="1">
+        <a:lnSpc>
+          <a:spcPct val="90000"/>
+        </a:lnSpc>
+        <a:spcBef>
+          <a:spcPts val="500"/>
+        </a:spcBef>
+        <a:buFont typeface="Arial" panose="020B0604020202020204" pitchFamily="34" charset="0"/>
+        <a:buChar char="•"/>
+        <a:defRPr sz="1800" kern="1200">
+          <a:solidFill>
+            <a:schemeClr val="tx1"/>
+          </a:solidFill>
+          <a:latin typeface="+mn-lt"/>
+          <a:ea typeface="+mn-ea"/>
+          <a:cs typeface="+mn-cs"/>
+        </a:defRPr>
+      </a:lvl7pPr>
+      <a:lvl8pPr marL="3429000" indent="-228600" algn="l" defTabSz="914400" rtl="0" eaLnBrk="1" latinLnBrk="0" hangingPunct="1">
+        <a:lnSpc>
+          <a:spcPct val="90000"/>
+        </a:lnSpc>
+        <a:spcBef>
+          <a:spcPts val="500"/>
+        </a:spcBef>
+        <a:buFont typeface="Arial" panose="020B0604020202020204" pitchFamily="34" charset="0"/>
+        <a:buChar char="•"/>
+        <a:defRPr sz="1800" kern="1200">
+          <a:solidFill>
+            <a:schemeClr val="tx1"/>
+          </a:solidFill>
+          <a:latin typeface="+mn-lt"/>
+          <a:ea typeface="+mn-ea"/>
+          <a:cs typeface="+mn-cs"/>
+        </a:defRPr>
+      </a:lvl8pPr>
+      <a:lvl9pPr marL="3886200" indent="-228600" algn="l" defTabSz="914400" rtl="0" eaLnBrk="1" latinLnBrk="0" hangingPunct="1">
+        <a:lnSpc>
+          <a:spcPct val="90000"/>
+        </a:lnSpc>
+        <a:spcBef>
+          <a:spcPts val="500"/>
+        </a:spcBef>
+        <a:buFont typeface="Arial" panose="020B0604020202020204" pitchFamily="34" charset="0"/>
+        <a:buChar char="•"/>
+        <a:defRPr sz="1800" kern="1200">
+          <a:solidFill>
+            <a:schemeClr val="tx1"/>
+          </a:solidFill>
+          <a:latin typeface="+mn-lt"/>
+          <a:ea typeface="+mn-ea"/>
+          <a:cs typeface="+mn-cs"/>
+        </a:defRPr>
+      </a:lvl9pPr>
+    </p:bodyStyle>
+    <p:otherStyle>
+      <a:defPPr>
+        <a:defRPr lang="en-US"/>
+      </a:defPPr>
+      <a:lvl1pPr marL="0" algn="l" defTabSz="914400" rtl="0" eaLnBrk="1" latinLnBrk="0" hangingPunct="1">
+        <a:defRPr sz="1800" kern="1200">
+          <a:solidFill>
+            <a:schemeClr val="tx1"/>
+          </a:solidFill>
+          <a:latin typeface="+mn-lt"/>
+          <a:ea typeface="+mn-ea"/>
+          <a:cs typeface="+mn-cs"/>
+        </a:defRPr>
+      </a:lvl1pPr>
+      <a:lvl2pPr marL="457200" algn="l" defTabSz="914400" rtl="0" eaLnBrk="1" latinLnBrk="0" hangingPunct="1">
+        <a:defRPr sz="1800" kern="1200">
+          <a:solidFill>
+            <a:schemeClr val="tx1"/>
+          </a:solidFill>
+          <a:latin typeface="+mn-lt"/>
+          <a:ea typeface="+mn-ea"/>
+          <a:cs typeface="+mn-cs"/>
+        </a:defRPr>
+      </a:lvl2pPr>
+      <a:lvl3pPr marL="914400" algn="l" defTabSz="914400" rtl="0" eaLnBrk="1" latinLnBrk="0" hangingPunct="1">
+        <a:defRPr sz="1800" kern="1200">
+          <a:solidFill>
+            <a:schemeClr val="tx1"/>
+          </a:solidFill>
+          <a:latin typeface="+mn-lt"/>
+          <a:ea typeface="+mn-ea"/>
+          <a:cs typeface="+mn-cs"/>
+        </a:defRPr>
+      </a:lvl3pPr>
+      <a:lvl4pPr marL="1371600" algn="l" defTabSz="914400" rtl="0" eaLnBrk="1" latinLnBrk="0" hangingPunct="1">
+        <a:defRPr sz="1800" kern="1200">
+          <a:solidFill>
+            <a:schemeClr val="tx1"/>
+          </a:solidFill>
+          <a:latin typeface="+mn-lt"/>
+          <a:ea typeface="+mn-ea"/>
+          <a:cs typeface="+mn-cs"/>
+        </a:defRPr>
+      </a:lvl4pPr>
+      <a:lvl5pPr marL="1828800" algn="l" defTabSz="914400" rtl="0" eaLnBrk="1" latinLnBrk="0" hangingPunct="1">
+        <a:defRPr sz="1800" kern="1200">
+          <a:solidFill>
+            <a:schemeClr val="tx1"/>
+          </a:solidFill>
+          <a:latin typeface="+mn-lt"/>
+          <a:ea typeface="+mn-ea"/>
+          <a:cs typeface="+mn-cs"/>
+        </a:defRPr>
+      </a:lvl5pPr>
+      <a:lvl6pPr marL="2286000" algn="l" defTabSz="914400" rtl="0" eaLnBrk="1" latinLnBrk="0" hangingPunct="1">
+        <a:defRPr sz="1800" kern="1200">
+          <a:solidFill>
+            <a:schemeClr val="tx1"/>
+          </a:solidFill>
+          <a:latin typeface="+mn-lt"/>
+          <a:ea typeface="+mn-ea"/>
+          <a:cs typeface="+mn-cs"/>
+        </a:defRPr>
+      </a:lvl6pPr>
+      <a:lvl7pPr marL="2743200" algn="l" defTabSz="914400" rtl="0" eaLnBrk="1" latinLnBrk="0" hangingPunct="1">
+        <a:defRPr sz="1800" kern="1200">
+          <a:solidFill>
+            <a:schemeClr val="tx1"/>
+          </a:solidFill>
+          <a:latin typeface="+mn-lt"/>
+          <a:ea typeface="+mn-ea"/>
+          <a:cs typeface="+mn-cs"/>
+        </a:defRPr>
+      </a:lvl7pPr>
+      <a:lvl8pPr marL="3200400" algn="l" defTabSz="914400" rtl="0" eaLnBrk="1" latinLnBrk="0" hangingPunct="1">
+        <a:defRPr sz="1800" kern="1200">
+          <a:solidFill>
+            <a:schemeClr val="tx1"/>
+          </a:solidFill>
+          <a:latin typeface="+mn-lt"/>
+          <a:ea typeface="+mn-ea"/>
+          <a:cs typeface="+mn-cs"/>
+        </a:defRPr>
+      </a:lvl8pPr>
+      <a:lvl9pPr marL="3657600" algn="l" defTabSz="914400" rtl="0" eaLnBrk="1" latinLnBrk="0" hangingPunct="1">
+        <a:defRPr sz="1800" kern="1200">
+          <a:solidFill>
+            <a:schemeClr val="tx1"/>
+          </a:solidFill>
+          <a:latin typeface="+mn-lt"/>
+          <a:ea typeface="+mn-ea"/>
+          <a:cs typeface="+mn-cs"/>
+        </a:defRPr>
+      </a:lvl9pPr>
+    </p:otherStyle>
+  </p:txStyles>
 </p:sldMaster>
 </file>
 
 <file path=ppt/slideMasters/slideMaster2.xml><?xml version="1.0" encoding="utf-8"?>
-<p:sldMaster xmlns:a="http://schemas.openxmlformats.org/drawingml/2006/main" xmlns:p="http://schemas.openxmlformats.org/presentationml/2006/main" xmlns:r="http://schemas.openxmlformats.org/officeDocument/2006/relationships">
+<p:sldMaster xmlns:a="http://schemas.openxmlformats.org/drawingml/2006/main" xmlns:r="http://schemas.openxmlformats.org/officeDocument/2006/relationships" xmlns:p="http://schemas.openxmlformats.org/presentationml/2006/main">
   <p:cSld>
     <p:bg>
       <p:bgPr>
         <a:solidFill>
-          <a:srgbClr val="ffffff"/>
+          <a:srgbClr val="FFFFFF"/>
         </a:solidFill>
+        <a:effectLst/>
       </p:bgPr>
     </p:bg>
     <p:spTree>
@@ -3328,7 +4015,8 @@
           </a:prstGeom>
         </p:spPr>
         <p:txBody>
-          <a:bodyPr lIns="0" rIns="0" tIns="0" bIns="0" anchor="ctr"/>
+          <a:bodyPr lIns="0" tIns="0" rIns="0" bIns="0" anchor="ctr"/>
+          <a:lstStyle/>
           <a:p>
             <a:pPr algn="ctr"/>
             <a:r>
@@ -3361,7 +4049,8 @@
           </a:prstGeom>
         </p:spPr>
         <p:txBody>
-          <a:bodyPr lIns="0" rIns="0" tIns="0" bIns="0"/>
+          <a:bodyPr lIns="0" tIns="0" rIns="0" bIns="0"/>
+          <a:lstStyle/>
           <a:p>
             <a:pPr>
               <a:buSzPct val="45000"/>
@@ -3464,26 +4153,306 @@
       </p:sp>
     </p:spTree>
   </p:cSld>
-  <p:clrMap bg1="lt1" bg2="lt2" tx1="dk1" tx2="dk2" accent1="accent1" accent2="accent2" accent3="accent3" accent4="accent4" accent5="accent5" accent6="accent6" hlink="hlink" folHlink="folHlink"/>
+  <p:clrMap bg1="lt1" tx1="dk1" bg2="lt2" tx2="dk2" accent1="accent1" accent2="accent2" accent3="accent3" accent4="accent4" accent5="accent5" accent6="accent6" hlink="hlink" folHlink="folHlink"/>
   <p:sldLayoutIdLst>
-    <p:sldLayoutId id="2147483662" r:id="rId2"/>
-    <p:sldLayoutId id="2147483663" r:id="rId3"/>
-    <p:sldLayoutId id="2147483664" r:id="rId4"/>
-    <p:sldLayoutId id="2147483665" r:id="rId5"/>
-    <p:sldLayoutId id="2147483666" r:id="rId6"/>
-    <p:sldLayoutId id="2147483667" r:id="rId7"/>
-    <p:sldLayoutId id="2147483668" r:id="rId8"/>
-    <p:sldLayoutId id="2147483669" r:id="rId9"/>
-    <p:sldLayoutId id="2147483670" r:id="rId10"/>
-    <p:sldLayoutId id="2147483671" r:id="rId11"/>
-    <p:sldLayoutId id="2147483672" r:id="rId12"/>
-    <p:sldLayoutId id="2147483673" r:id="rId13"/>
+    <p:sldLayoutId id="2147483662" r:id="rId1"/>
+    <p:sldLayoutId id="2147483663" r:id="rId2"/>
+    <p:sldLayoutId id="2147483664" r:id="rId3"/>
+    <p:sldLayoutId id="2147483665" r:id="rId4"/>
+    <p:sldLayoutId id="2147483666" r:id="rId5"/>
+    <p:sldLayoutId id="2147483667" r:id="rId6"/>
+    <p:sldLayoutId id="2147483668" r:id="rId7"/>
+    <p:sldLayoutId id="2147483669" r:id="rId8"/>
+    <p:sldLayoutId id="2147483670" r:id="rId9"/>
+    <p:sldLayoutId id="2147483671" r:id="rId10"/>
+    <p:sldLayoutId id="2147483672" r:id="rId11"/>
+    <p:sldLayoutId id="2147483673" r:id="rId12"/>
   </p:sldLayoutIdLst>
+  <p:txStyles>
+    <p:titleStyle>
+      <a:lvl1pPr algn="l" defTabSz="914400" rtl="0" eaLnBrk="1" latinLnBrk="0" hangingPunct="1">
+        <a:lnSpc>
+          <a:spcPct val="90000"/>
+        </a:lnSpc>
+        <a:spcBef>
+          <a:spcPct val="0"/>
+        </a:spcBef>
+        <a:buNone/>
+        <a:defRPr sz="4400" kern="1200">
+          <a:solidFill>
+            <a:schemeClr val="tx1"/>
+          </a:solidFill>
+          <a:latin typeface="+mj-lt"/>
+          <a:ea typeface="+mj-ea"/>
+          <a:cs typeface="+mj-cs"/>
+        </a:defRPr>
+      </a:lvl1pPr>
+    </p:titleStyle>
+    <p:bodyStyle>
+      <a:lvl1pPr marL="228600" indent="-228600" algn="l" defTabSz="914400" rtl="0" eaLnBrk="1" latinLnBrk="0" hangingPunct="1">
+        <a:lnSpc>
+          <a:spcPct val="90000"/>
+        </a:lnSpc>
+        <a:spcBef>
+          <a:spcPts val="1000"/>
+        </a:spcBef>
+        <a:buFont typeface="Arial" panose="020B0604020202020204" pitchFamily="34" charset="0"/>
+        <a:buChar char="•"/>
+        <a:defRPr sz="2800" kern="1200">
+          <a:solidFill>
+            <a:schemeClr val="tx1"/>
+          </a:solidFill>
+          <a:latin typeface="+mn-lt"/>
+          <a:ea typeface="+mn-ea"/>
+          <a:cs typeface="+mn-cs"/>
+        </a:defRPr>
+      </a:lvl1pPr>
+      <a:lvl2pPr marL="685800" indent="-228600" algn="l" defTabSz="914400" rtl="0" eaLnBrk="1" latinLnBrk="0" hangingPunct="1">
+        <a:lnSpc>
+          <a:spcPct val="90000"/>
+        </a:lnSpc>
+        <a:spcBef>
+          <a:spcPts val="500"/>
+        </a:spcBef>
+        <a:buFont typeface="Arial" panose="020B0604020202020204" pitchFamily="34" charset="0"/>
+        <a:buChar char="•"/>
+        <a:defRPr sz="2400" kern="1200">
+          <a:solidFill>
+            <a:schemeClr val="tx1"/>
+          </a:solidFill>
+          <a:latin typeface="+mn-lt"/>
+          <a:ea typeface="+mn-ea"/>
+          <a:cs typeface="+mn-cs"/>
+        </a:defRPr>
+      </a:lvl2pPr>
+      <a:lvl3pPr marL="1143000" indent="-228600" algn="l" defTabSz="914400" rtl="0" eaLnBrk="1" latinLnBrk="0" hangingPunct="1">
+        <a:lnSpc>
+          <a:spcPct val="90000"/>
+        </a:lnSpc>
+        <a:spcBef>
+          <a:spcPts val="500"/>
+        </a:spcBef>
+        <a:buFont typeface="Arial" panose="020B0604020202020204" pitchFamily="34" charset="0"/>
+        <a:buChar char="•"/>
+        <a:defRPr sz="2000" kern="1200">
+          <a:solidFill>
+            <a:schemeClr val="tx1"/>
+          </a:solidFill>
+          <a:latin typeface="+mn-lt"/>
+          <a:ea typeface="+mn-ea"/>
+          <a:cs typeface="+mn-cs"/>
+        </a:defRPr>
+      </a:lvl3pPr>
+      <a:lvl4pPr marL="1600200" indent="-228600" algn="l" defTabSz="914400" rtl="0" eaLnBrk="1" latinLnBrk="0" hangingPunct="1">
+        <a:lnSpc>
+          <a:spcPct val="90000"/>
+        </a:lnSpc>
+        <a:spcBef>
+          <a:spcPts val="500"/>
+        </a:spcBef>
+        <a:buFont typeface="Arial" panose="020B0604020202020204" pitchFamily="34" charset="0"/>
+        <a:buChar char="•"/>
+        <a:defRPr sz="1800" kern="1200">
+          <a:solidFill>
+            <a:schemeClr val="tx1"/>
+          </a:solidFill>
+          <a:latin typeface="+mn-lt"/>
+          <a:ea typeface="+mn-ea"/>
+          <a:cs typeface="+mn-cs"/>
+        </a:defRPr>
+      </a:lvl4pPr>
+      <a:lvl5pPr marL="2057400" indent="-228600" algn="l" defTabSz="914400" rtl="0" eaLnBrk="1" latinLnBrk="0" hangingPunct="1">
+        <a:lnSpc>
+          <a:spcPct val="90000"/>
+        </a:lnSpc>
+        <a:spcBef>
+          <a:spcPts val="500"/>
+        </a:spcBef>
+        <a:buFont typeface="Arial" panose="020B0604020202020204" pitchFamily="34" charset="0"/>
+        <a:buChar char="•"/>
+        <a:defRPr sz="1800" kern="1200">
+          <a:solidFill>
+            <a:schemeClr val="tx1"/>
+          </a:solidFill>
+          <a:latin typeface="+mn-lt"/>
+          <a:ea typeface="+mn-ea"/>
+          <a:cs typeface="+mn-cs"/>
+        </a:defRPr>
+      </a:lvl5pPr>
+      <a:lvl6pPr marL="2514600" indent="-228600" algn="l" defTabSz="914400" rtl="0" eaLnBrk="1" latinLnBrk="0" hangingPunct="1">
+        <a:lnSpc>
+          <a:spcPct val="90000"/>
+        </a:lnSpc>
+        <a:spcBef>
+          <a:spcPts val="500"/>
+        </a:spcBef>
+        <a:buFont typeface="Arial" panose="020B0604020202020204" pitchFamily="34" charset="0"/>
+        <a:buChar char="•"/>
+        <a:defRPr sz="1800" kern="1200">
+          <a:solidFill>
+            <a:schemeClr val="tx1"/>
+          </a:solidFill>
+          <a:latin typeface="+mn-lt"/>
+          <a:ea typeface="+mn-ea"/>
+          <a:cs typeface="+mn-cs"/>
+        </a:defRPr>
+      </a:lvl6pPr>
+      <a:lvl7pPr marL="2971800" indent="-228600" algn="l" defTabSz="914400" rtl="0" eaLnBrk="1" latinLnBrk="0" hangingPunct="1">
+        <a:lnSpc>
+          <a:spcPct val="90000"/>
+        </a:lnSpc>
+        <a:spcBef>
+          <a:spcPts val="500"/>
+        </a:spcBef>
+        <a:buFont typeface="Arial" panose="020B0604020202020204" pitchFamily="34" charset="0"/>
+        <a:buChar char="•"/>
+        <a:defRPr sz="1800" kern="1200">
+          <a:solidFill>
+            <a:schemeClr val="tx1"/>
+          </a:solidFill>
+          <a:latin typeface="+mn-lt"/>
+          <a:ea typeface="+mn-ea"/>
+          <a:cs typeface="+mn-cs"/>
+        </a:defRPr>
+      </a:lvl7pPr>
+      <a:lvl8pPr marL="3429000" indent="-228600" algn="l" defTabSz="914400" rtl="0" eaLnBrk="1" latinLnBrk="0" hangingPunct="1">
+        <a:lnSpc>
+          <a:spcPct val="90000"/>
+        </a:lnSpc>
+        <a:spcBef>
+          <a:spcPts val="500"/>
+        </a:spcBef>
+        <a:buFont typeface="Arial" panose="020B0604020202020204" pitchFamily="34" charset="0"/>
+        <a:buChar char="•"/>
+        <a:defRPr sz="1800" kern="1200">
+          <a:solidFill>
+            <a:schemeClr val="tx1"/>
+          </a:solidFill>
+          <a:latin typeface="+mn-lt"/>
+          <a:ea typeface="+mn-ea"/>
+          <a:cs typeface="+mn-cs"/>
+        </a:defRPr>
+      </a:lvl8pPr>
+      <a:lvl9pPr marL="3886200" indent="-228600" algn="l" defTabSz="914400" rtl="0" eaLnBrk="1" latinLnBrk="0" hangingPunct="1">
+        <a:lnSpc>
+          <a:spcPct val="90000"/>
+        </a:lnSpc>
+        <a:spcBef>
+          <a:spcPts val="500"/>
+        </a:spcBef>
+        <a:buFont typeface="Arial" panose="020B0604020202020204" pitchFamily="34" charset="0"/>
+        <a:buChar char="•"/>
+        <a:defRPr sz="1800" kern="1200">
+          <a:solidFill>
+            <a:schemeClr val="tx1"/>
+          </a:solidFill>
+          <a:latin typeface="+mn-lt"/>
+          <a:ea typeface="+mn-ea"/>
+          <a:cs typeface="+mn-cs"/>
+        </a:defRPr>
+      </a:lvl9pPr>
+    </p:bodyStyle>
+    <p:otherStyle>
+      <a:defPPr>
+        <a:defRPr lang="en-US"/>
+      </a:defPPr>
+      <a:lvl1pPr marL="0" algn="l" defTabSz="914400" rtl="0" eaLnBrk="1" latinLnBrk="0" hangingPunct="1">
+        <a:defRPr sz="1800" kern="1200">
+          <a:solidFill>
+            <a:schemeClr val="tx1"/>
+          </a:solidFill>
+          <a:latin typeface="+mn-lt"/>
+          <a:ea typeface="+mn-ea"/>
+          <a:cs typeface="+mn-cs"/>
+        </a:defRPr>
+      </a:lvl1pPr>
+      <a:lvl2pPr marL="457200" algn="l" defTabSz="914400" rtl="0" eaLnBrk="1" latinLnBrk="0" hangingPunct="1">
+        <a:defRPr sz="1800" kern="1200">
+          <a:solidFill>
+            <a:schemeClr val="tx1"/>
+          </a:solidFill>
+          <a:latin typeface="+mn-lt"/>
+          <a:ea typeface="+mn-ea"/>
+          <a:cs typeface="+mn-cs"/>
+        </a:defRPr>
+      </a:lvl2pPr>
+      <a:lvl3pPr marL="914400" algn="l" defTabSz="914400" rtl="0" eaLnBrk="1" latinLnBrk="0" hangingPunct="1">
+        <a:defRPr sz="1800" kern="1200">
+          <a:solidFill>
+            <a:schemeClr val="tx1"/>
+          </a:solidFill>
+          <a:latin typeface="+mn-lt"/>
+          <a:ea typeface="+mn-ea"/>
+          <a:cs typeface="+mn-cs"/>
+        </a:defRPr>
+      </a:lvl3pPr>
+      <a:lvl4pPr marL="1371600" algn="l" defTabSz="914400" rtl="0" eaLnBrk="1" latinLnBrk="0" hangingPunct="1">
+        <a:defRPr sz="1800" kern="1200">
+          <a:solidFill>
+            <a:schemeClr val="tx1"/>
+          </a:solidFill>
+          <a:latin typeface="+mn-lt"/>
+          <a:ea typeface="+mn-ea"/>
+          <a:cs typeface="+mn-cs"/>
+        </a:defRPr>
+      </a:lvl4pPr>
+      <a:lvl5pPr marL="1828800" algn="l" defTabSz="914400" rtl="0" eaLnBrk="1" latinLnBrk="0" hangingPunct="1">
+        <a:defRPr sz="1800" kern="1200">
+          <a:solidFill>
+            <a:schemeClr val="tx1"/>
+          </a:solidFill>
+          <a:latin typeface="+mn-lt"/>
+          <a:ea typeface="+mn-ea"/>
+          <a:cs typeface="+mn-cs"/>
+        </a:defRPr>
+      </a:lvl5pPr>
+      <a:lvl6pPr marL="2286000" algn="l" defTabSz="914400" rtl="0" eaLnBrk="1" latinLnBrk="0" hangingPunct="1">
+        <a:defRPr sz="1800" kern="1200">
+          <a:solidFill>
+            <a:schemeClr val="tx1"/>
+          </a:solidFill>
+          <a:latin typeface="+mn-lt"/>
+          <a:ea typeface="+mn-ea"/>
+          <a:cs typeface="+mn-cs"/>
+        </a:defRPr>
+      </a:lvl6pPr>
+      <a:lvl7pPr marL="2743200" algn="l" defTabSz="914400" rtl="0" eaLnBrk="1" latinLnBrk="0" hangingPunct="1">
+        <a:defRPr sz="1800" kern="1200">
+          <a:solidFill>
+            <a:schemeClr val="tx1"/>
+          </a:solidFill>
+          <a:latin typeface="+mn-lt"/>
+          <a:ea typeface="+mn-ea"/>
+          <a:cs typeface="+mn-cs"/>
+        </a:defRPr>
+      </a:lvl7pPr>
+      <a:lvl8pPr marL="3200400" algn="l" defTabSz="914400" rtl="0" eaLnBrk="1" latinLnBrk="0" hangingPunct="1">
+        <a:defRPr sz="1800" kern="1200">
+          <a:solidFill>
+            <a:schemeClr val="tx1"/>
+          </a:solidFill>
+          <a:latin typeface="+mn-lt"/>
+          <a:ea typeface="+mn-ea"/>
+          <a:cs typeface="+mn-cs"/>
+        </a:defRPr>
+      </a:lvl8pPr>
+      <a:lvl9pPr marL="3657600" algn="l" defTabSz="914400" rtl="0" eaLnBrk="1" latinLnBrk="0" hangingPunct="1">
+        <a:defRPr sz="1800" kern="1200">
+          <a:solidFill>
+            <a:schemeClr val="tx1"/>
+          </a:solidFill>
+          <a:latin typeface="+mn-lt"/>
+          <a:ea typeface="+mn-ea"/>
+          <a:cs typeface="+mn-cs"/>
+        </a:defRPr>
+      </a:lvl9pPr>
+    </p:otherStyle>
+  </p:txStyles>
 </p:sldMaster>
 </file>
 
 <file path=ppt/slides/slide1.xml><?xml version="1.0" encoding="utf-8"?>
-<p:sld xmlns:a="http://schemas.openxmlformats.org/drawingml/2006/main" xmlns:p="http://schemas.openxmlformats.org/presentationml/2006/main" xmlns:r="http://schemas.openxmlformats.org/officeDocument/2006/relationships">
+<p:sld xmlns:a="http://schemas.openxmlformats.org/drawingml/2006/main" xmlns:r="http://schemas.openxmlformats.org/officeDocument/2006/relationships" xmlns:p="http://schemas.openxmlformats.org/presentationml/2006/main">
   <p:cSld>
     <p:spTree>
       <p:nvGrpSpPr>
@@ -3519,13 +4488,20 @@
           </a:ln>
         </p:spPr>
         <p:style>
-          <a:lnRef idx="0"/>
-          <a:fillRef idx="0"/>
-          <a:effectRef idx="0"/>
+          <a:lnRef idx="0">
+            <a:scrgbClr r="0" g="0" b="0"/>
+          </a:lnRef>
+          <a:fillRef idx="0">
+            <a:scrgbClr r="0" g="0" b="0"/>
+          </a:fillRef>
+          <a:effectRef idx="0">
+            <a:scrgbClr r="0" g="0" b="0"/>
+          </a:effectRef>
           <a:fontRef idx="minor"/>
         </p:style>
         <p:txBody>
-          <a:bodyPr lIns="90000" rIns="90000" tIns="45000" bIns="45000" anchor="b"/>
+          <a:bodyPr lIns="90000" tIns="45000" rIns="90000" bIns="45000" anchor="b"/>
+          <a:lstStyle/>
           <a:p>
             <a:pPr algn="ctr">
               <a:lnSpc>
@@ -3533,9 +4509,9 @@
               </a:lnSpc>
             </a:pPr>
             <a:r>
-              <a:rPr b="1" lang="en-US" sz="3600" strike="noStrike">
-                <a:solidFill>
-                  <a:srgbClr val="ff0000"/>
+              <a:rPr lang="en-US" sz="3600" b="1" strike="noStrike">
+                <a:solidFill>
+                  <a:srgbClr val="FF0000"/>
                 </a:solidFill>
                 <a:latin typeface="Calibri Light"/>
                 <a:ea typeface="DejaVu Sans"/>
@@ -3551,9 +4527,9 @@
               </a:lnSpc>
             </a:pPr>
             <a:r>
-              <a:rPr b="1" lang="en-US" sz="3600" strike="noStrike">
-                <a:solidFill>
-                  <a:srgbClr val="ff0000"/>
+              <a:rPr lang="en-US" sz="3600" b="1" strike="noStrike">
+                <a:solidFill>
+                  <a:srgbClr val="FF0000"/>
                 </a:solidFill>
                 <a:latin typeface="Calibri Light"/>
                 <a:ea typeface="DejaVu Sans"/>
@@ -3584,13 +4560,20 @@
           </a:ln>
         </p:spPr>
         <p:style>
-          <a:lnRef idx="0"/>
-          <a:fillRef idx="0"/>
-          <a:effectRef idx="0"/>
+          <a:lnRef idx="0">
+            <a:scrgbClr r="0" g="0" b="0"/>
+          </a:lnRef>
+          <a:fillRef idx="0">
+            <a:scrgbClr r="0" g="0" b="0"/>
+          </a:fillRef>
+          <a:effectRef idx="0">
+            <a:scrgbClr r="0" g="0" b="0"/>
+          </a:effectRef>
           <a:fontRef idx="minor"/>
         </p:style>
         <p:txBody>
-          <a:bodyPr lIns="90000" rIns="90000" tIns="45000" bIns="45000"/>
+          <a:bodyPr lIns="90000" tIns="45000" rIns="90000" bIns="45000"/>
+          <a:lstStyle/>
           <a:p>
             <a:pPr algn="ctr">
               <a:lnSpc>
@@ -3647,12 +4630,12 @@
       </p:sp>
       <p:pic>
         <p:nvPicPr>
-          <p:cNvPr id="79" name="Picture 2" descr=""/>
+          <p:cNvPr id="79" name="Picture 2"/>
           <p:cNvPicPr/>
           <p:nvPr/>
         </p:nvPicPr>
         <p:blipFill>
-          <a:blip r:embed="rId1"/>
+          <a:blip r:embed="rId2"/>
           <a:stretch/>
         </p:blipFill>
         <p:spPr>
@@ -3670,6 +4653,9 @@
       </p:pic>
     </p:spTree>
   </p:cSld>
+  <p:clrMapOvr>
+    <a:masterClrMapping/>
+  </p:clrMapOvr>
   <p:timing>
     <p:tnLst>
       <p:par>
@@ -3678,14 +4664,14 @@
             <p:seq>
               <p:cTn id="2" nodeType="mainSeq"/>
               <p:prevCondLst>
-                <p:cond delay="0" evt="onPrev">
+                <p:cond evt="onPrev" delay="0">
                   <p:tgtEl>
                     <p:sldTgt/>
                   </p:tgtEl>
                 </p:cond>
               </p:prevCondLst>
               <p:nextCondLst>
-                <p:cond delay="0" evt="onNext">
+                <p:cond evt="onNext" delay="0">
                   <p:tgtEl>
                     <p:sldTgt/>
                   </p:tgtEl>
@@ -3701,7 +4687,7 @@
 </file>
 
 <file path=ppt/slides/slide2.xml><?xml version="1.0" encoding="utf-8"?>
-<p:sld xmlns:a="http://schemas.openxmlformats.org/drawingml/2006/main" xmlns:p="http://schemas.openxmlformats.org/presentationml/2006/main" xmlns:r="http://schemas.openxmlformats.org/officeDocument/2006/relationships">
+<p:sld xmlns:a="http://schemas.openxmlformats.org/drawingml/2006/main" xmlns:r="http://schemas.openxmlformats.org/officeDocument/2006/relationships" xmlns:p="http://schemas.openxmlformats.org/presentationml/2006/main">
   <p:cSld>
     <p:spTree>
       <p:nvGrpSpPr>
@@ -3737,13 +4723,20 @@
           </a:ln>
         </p:spPr>
         <p:style>
-          <a:lnRef idx="0"/>
-          <a:fillRef idx="0"/>
-          <a:effectRef idx="0"/>
+          <a:lnRef idx="0">
+            <a:scrgbClr r="0" g="0" b="0"/>
+          </a:lnRef>
+          <a:fillRef idx="0">
+            <a:scrgbClr r="0" g="0" b="0"/>
+          </a:fillRef>
+          <a:effectRef idx="0">
+            <a:scrgbClr r="0" g="0" b="0"/>
+          </a:effectRef>
           <a:fontRef idx="minor"/>
         </p:style>
         <p:txBody>
-          <a:bodyPr lIns="90000" rIns="90000" tIns="45000" bIns="45000" anchor="ctr"/>
+          <a:bodyPr lIns="90000" tIns="45000" rIns="90000" bIns="45000" anchor="ctr"/>
+          <a:lstStyle/>
           <a:p>
             <a:pPr>
               <a:lnSpc>
@@ -3751,9 +4744,9 @@
               </a:lnSpc>
             </a:pPr>
             <a:r>
-              <a:rPr b="1" lang="en-US" sz="4400" strike="noStrike">
-                <a:solidFill>
-                  <a:srgbClr val="ff0000"/>
+              <a:rPr lang="en-US" sz="4400" b="1" strike="noStrike">
+                <a:solidFill>
+                  <a:srgbClr val="FF0000"/>
                 </a:solidFill>
                 <a:latin typeface="Calibri Light"/>
                 <a:ea typeface="DejaVu Sans"/>
@@ -3784,149 +4777,189 @@
           </a:ln>
         </p:spPr>
         <p:style>
-          <a:lnRef idx="0"/>
-          <a:fillRef idx="0"/>
-          <a:effectRef idx="0"/>
+          <a:lnRef idx="0">
+            <a:scrgbClr r="0" g="0" b="0"/>
+          </a:lnRef>
+          <a:fillRef idx="0">
+            <a:scrgbClr r="0" g="0" b="0"/>
+          </a:fillRef>
+          <a:effectRef idx="0">
+            <a:scrgbClr r="0" g="0" b="0"/>
+          </a:effectRef>
           <a:fontRef idx="minor"/>
         </p:style>
         <p:txBody>
-          <a:bodyPr lIns="90000" rIns="90000" tIns="45000" bIns="45000"/>
+          <a:bodyPr lIns="90000" tIns="45000" rIns="90000" bIns="45000"/>
+          <a:lstStyle/>
+          <a:p>
+            <a:pPr marL="457200" indent="-457200">
+              <a:lnSpc>
+                <a:spcPct val="90000"/>
+              </a:lnSpc>
+              <a:buFont typeface="Wingdings" panose="05000000000000000000" pitchFamily="2" charset="2"/>
+              <a:buChar char="§"/>
+            </a:pPr>
+            <a:r>
+              <a:rPr lang="en-US" sz="2800" strike="noStrike" dirty="0">
+                <a:solidFill>
+                  <a:srgbClr val="000000"/>
+                </a:solidFill>
+                <a:latin typeface="Calibri"/>
+                <a:ea typeface="DejaVu Sans"/>
+              </a:rPr>
+              <a:t>Programming Assignment 1 </a:t>
+            </a:r>
+            <a:endParaRPr dirty="0"/>
+          </a:p>
+          <a:p>
+            <a:pPr marL="457200" indent="-457200">
+              <a:lnSpc>
+                <a:spcPct val="90000"/>
+              </a:lnSpc>
+              <a:buFont typeface="Wingdings" panose="05000000000000000000" pitchFamily="2" charset="2"/>
+              <a:buChar char="§"/>
+            </a:pPr>
+            <a:r>
+              <a:rPr lang="en-US" sz="2800" strike="noStrike" dirty="0">
+                <a:solidFill>
+                  <a:srgbClr val="000000"/>
+                </a:solidFill>
+                <a:latin typeface="Calibri"/>
+                <a:ea typeface="DejaVu Sans"/>
+              </a:rPr>
+              <a:t>Tar and </a:t>
+            </a:r>
+            <a:r>
+              <a:rPr lang="en-US" sz="2800" strike="noStrike" dirty="0" err="1">
+                <a:solidFill>
+                  <a:srgbClr val="000000"/>
+                </a:solidFill>
+                <a:latin typeface="Calibri"/>
+                <a:ea typeface="DejaVu Sans"/>
+              </a:rPr>
+              <a:t>Untar</a:t>
+            </a:r>
+            <a:r>
+              <a:rPr lang="en-US" sz="2800" strike="noStrike" dirty="0">
+                <a:solidFill>
+                  <a:srgbClr val="000000"/>
+                </a:solidFill>
+                <a:latin typeface="Calibri"/>
+                <a:ea typeface="DejaVu Sans"/>
+              </a:rPr>
+              <a:t> a file/directory</a:t>
+            </a:r>
+            <a:endParaRPr dirty="0"/>
+          </a:p>
+          <a:p>
+            <a:pPr marL="457200" indent="-457200">
+              <a:lnSpc>
+                <a:spcPct val="90000"/>
+              </a:lnSpc>
+              <a:buFont typeface="Wingdings" panose="05000000000000000000" pitchFamily="2" charset="2"/>
+              <a:buChar char="§"/>
+            </a:pPr>
+            <a:r>
+              <a:rPr lang="en-US" sz="2800" strike="noStrike" dirty="0" err="1">
+                <a:solidFill>
+                  <a:srgbClr val="000000"/>
+                </a:solidFill>
+                <a:latin typeface="Calibri"/>
+                <a:ea typeface="DejaVu Sans"/>
+              </a:rPr>
+              <a:t>Makefile</a:t>
+            </a:r>
+            <a:endParaRPr dirty="0"/>
+          </a:p>
+          <a:p>
+            <a:pPr marL="457200" indent="-457200">
+              <a:lnSpc>
+                <a:spcPct val="90000"/>
+              </a:lnSpc>
+              <a:buFont typeface="Wingdings" panose="05000000000000000000" pitchFamily="2" charset="2"/>
+              <a:buChar char="§"/>
+            </a:pPr>
+            <a:r>
+              <a:rPr lang="en-US" sz="2800" strike="noStrike" dirty="0" err="1">
+                <a:solidFill>
+                  <a:srgbClr val="000000"/>
+                </a:solidFill>
+                <a:latin typeface="Calibri"/>
+                <a:ea typeface="DejaVu Sans"/>
+              </a:rPr>
+              <a:t>Autograder</a:t>
+            </a:r>
+            <a:r>
+              <a:rPr lang="en-US" sz="2800" strike="noStrike" dirty="0">
+                <a:solidFill>
+                  <a:srgbClr val="000000"/>
+                </a:solidFill>
+                <a:latin typeface="Calibri"/>
+                <a:ea typeface="DejaVu Sans"/>
+              </a:rPr>
+              <a:t>  </a:t>
+            </a:r>
+            <a:endParaRPr dirty="0"/>
+          </a:p>
+          <a:p>
+            <a:pPr marL="457200" indent="-457200">
+              <a:lnSpc>
+                <a:spcPct val="90000"/>
+              </a:lnSpc>
+              <a:buFont typeface="Wingdings" panose="05000000000000000000" pitchFamily="2" charset="2"/>
+              <a:buChar char="§"/>
+            </a:pPr>
+            <a:r>
+              <a:rPr lang="en-US" sz="2800" strike="noStrike" dirty="0">
+                <a:solidFill>
+                  <a:srgbClr val="000000"/>
+                </a:solidFill>
+                <a:latin typeface="Calibri"/>
+                <a:ea typeface="DejaVu Sans"/>
+              </a:rPr>
+              <a:t>Submission on Sakai</a:t>
+            </a:r>
+            <a:endParaRPr dirty="0"/>
+          </a:p>
           <a:p>
             <a:pPr>
               <a:lnSpc>
-                <a:spcPct val="90000"/>
-              </a:lnSpc>
-              <a:buFont typeface="Arial"/>
-              <a:buChar char="•"/>
-            </a:pPr>
-            <a:r>
-              <a:rPr lang="en-US" sz="2800" strike="noStrike">
-                <a:solidFill>
-                  <a:srgbClr val="000000"/>
-                </a:solidFill>
-                <a:latin typeface="Calibri"/>
-                <a:ea typeface="DejaVu Sans"/>
-              </a:rPr>
-              <a:t>Programming Assignment 1 </a:t>
-            </a:r>
-            <a:endParaRPr/>
+                <a:spcPct val="100000"/>
+              </a:lnSpc>
+            </a:pPr>
+            <a:endParaRPr dirty="0"/>
           </a:p>
           <a:p>
             <a:pPr>
               <a:lnSpc>
                 <a:spcPct val="90000"/>
               </a:lnSpc>
-              <a:buFont typeface="Arial"/>
-              <a:buChar char="•"/>
-            </a:pPr>
-            <a:r>
-              <a:rPr lang="en-US" sz="2800" strike="noStrike">
-                <a:solidFill>
-                  <a:srgbClr val="000000"/>
-                </a:solidFill>
-                <a:latin typeface="Calibri"/>
-                <a:ea typeface="DejaVu Sans"/>
-              </a:rPr>
-              <a:t>Tar and Untar a file/directory</a:t>
-            </a:r>
-            <a:endParaRPr/>
-          </a:p>
-          <a:p>
-            <a:pPr>
-              <a:lnSpc>
-                <a:spcPct val="90000"/>
-              </a:lnSpc>
-              <a:buFont typeface="Arial"/>
-              <a:buChar char="•"/>
-            </a:pPr>
-            <a:r>
-              <a:rPr lang="en-US" sz="2800" strike="noStrike">
-                <a:solidFill>
-                  <a:srgbClr val="000000"/>
-                </a:solidFill>
-                <a:latin typeface="Calibri"/>
-                <a:ea typeface="DejaVu Sans"/>
-              </a:rPr>
-              <a:t>Makefile</a:t>
-            </a:r>
-            <a:endParaRPr/>
-          </a:p>
-          <a:p>
-            <a:pPr>
-              <a:lnSpc>
-                <a:spcPct val="90000"/>
-              </a:lnSpc>
-              <a:buFont typeface="Arial"/>
-              <a:buChar char="•"/>
-            </a:pPr>
-            <a:r>
-              <a:rPr lang="en-US" sz="2800" strike="noStrike">
-                <a:solidFill>
-                  <a:srgbClr val="000000"/>
-                </a:solidFill>
-                <a:latin typeface="Calibri"/>
-                <a:ea typeface="DejaVu Sans"/>
-              </a:rPr>
-              <a:t>Autograder  </a:t>
-            </a:r>
-            <a:endParaRPr/>
-          </a:p>
-          <a:p>
-            <a:pPr>
-              <a:lnSpc>
-                <a:spcPct val="90000"/>
-              </a:lnSpc>
-              <a:buFont typeface="Arial"/>
-              <a:buChar char="•"/>
-            </a:pPr>
-            <a:r>
-              <a:rPr lang="en-US" sz="2800" strike="noStrike">
-                <a:solidFill>
-                  <a:srgbClr val="000000"/>
-                </a:solidFill>
-                <a:latin typeface="Calibri"/>
-                <a:ea typeface="DejaVu Sans"/>
-              </a:rPr>
-              <a:t>Submission on Sakai</a:t>
-            </a:r>
-            <a:endParaRPr/>
-          </a:p>
-          <a:p>
-            <a:pPr>
-              <a:lnSpc>
-                <a:spcPct val="100000"/>
-              </a:lnSpc>
-            </a:pPr>
-            <a:endParaRPr/>
-          </a:p>
-          <a:p>
-            <a:pPr>
-              <a:lnSpc>
-                <a:spcPct val="90000"/>
-              </a:lnSpc>
-            </a:pPr>
-            <a:endParaRPr/>
+            </a:pPr>
+            <a:endParaRPr dirty="0"/>
           </a:p>
         </p:txBody>
       </p:sp>
     </p:spTree>
   </p:cSld>
+  <p:clrMapOvr>
+    <a:masterClrMapping/>
+  </p:clrMapOvr>
   <p:timing>
     <p:tnLst>
       <p:par>
-        <p:cTn id="3" dur="indefinite" restart="never" nodeType="tmRoot">
+        <p:cTn id="1" dur="indefinite" restart="never" nodeType="tmRoot">
           <p:childTnLst>
             <p:seq>
-              <p:cTn id="4" nodeType="mainSeq"/>
+              <p:cTn id="2" nodeType="mainSeq"/>
               <p:prevCondLst>
-                <p:cond delay="0" evt="onPrev">
+                <p:cond evt="onPrev" delay="0">
                   <p:tgtEl>
                     <p:sldTgt/>
                   </p:tgtEl>
                 </p:cond>
               </p:prevCondLst>
               <p:nextCondLst>
-                <p:cond delay="0" evt="onNext">
+                <p:cond evt="onNext" delay="0">
                   <p:tgtEl>
                     <p:sldTgt/>
                   </p:tgtEl>
@@ -3942,7 +4975,7 @@
 </file>
 
 <file path=ppt/slides/slide3.xml><?xml version="1.0" encoding="utf-8"?>
-<p:sld xmlns:a="http://schemas.openxmlformats.org/drawingml/2006/main" xmlns:p="http://schemas.openxmlformats.org/presentationml/2006/main" xmlns:r="http://schemas.openxmlformats.org/officeDocument/2006/relationships">
+<p:sld xmlns:a="http://schemas.openxmlformats.org/drawingml/2006/main" xmlns:r="http://schemas.openxmlformats.org/officeDocument/2006/relationships" xmlns:p="http://schemas.openxmlformats.org/presentationml/2006/main">
   <p:cSld>
     <p:spTree>
       <p:nvGrpSpPr>
@@ -3978,13 +5011,20 @@
           </a:ln>
         </p:spPr>
         <p:style>
-          <a:lnRef idx="0"/>
-          <a:fillRef idx="0"/>
-          <a:effectRef idx="0"/>
+          <a:lnRef idx="0">
+            <a:scrgbClr r="0" g="0" b="0"/>
+          </a:lnRef>
+          <a:fillRef idx="0">
+            <a:scrgbClr r="0" g="0" b="0"/>
+          </a:fillRef>
+          <a:effectRef idx="0">
+            <a:scrgbClr r="0" g="0" b="0"/>
+          </a:effectRef>
           <a:fontRef idx="minor"/>
         </p:style>
         <p:txBody>
-          <a:bodyPr lIns="90000" rIns="90000" tIns="45000" bIns="45000" anchor="ctr"/>
+          <a:bodyPr lIns="90000" tIns="45000" rIns="90000" bIns="45000" anchor="ctr"/>
+          <a:lstStyle/>
           <a:p>
             <a:pPr>
               <a:lnSpc>
@@ -3992,9 +5032,9 @@
               </a:lnSpc>
             </a:pPr>
             <a:r>
-              <a:rPr b="1" lang="en-US" sz="3600" strike="noStrike">
-                <a:solidFill>
-                  <a:srgbClr val="ff0000"/>
+              <a:rPr lang="en-US" sz="3600" b="1" strike="noStrike">
+                <a:solidFill>
+                  <a:srgbClr val="FF0000"/>
                 </a:solidFill>
                 <a:latin typeface="Calibri Light"/>
                 <a:ea typeface="DejaVu Sans"/>
@@ -4025,20 +5065,27 @@
           </a:ln>
         </p:spPr>
         <p:style>
-          <a:lnRef idx="0"/>
-          <a:fillRef idx="0"/>
-          <a:effectRef idx="0"/>
+          <a:lnRef idx="0">
+            <a:scrgbClr r="0" g="0" b="0"/>
+          </a:lnRef>
+          <a:fillRef idx="0">
+            <a:scrgbClr r="0" g="0" b="0"/>
+          </a:fillRef>
+          <a:effectRef idx="0">
+            <a:scrgbClr r="0" g="0" b="0"/>
+          </a:effectRef>
           <a:fontRef idx="minor"/>
         </p:style>
         <p:txBody>
-          <a:bodyPr lIns="90000" rIns="90000" tIns="45000" bIns="45000"/>
+          <a:bodyPr lIns="90000" tIns="45000" rIns="90000" bIns="45000"/>
+          <a:lstStyle/>
           <a:p>
             <a:pPr>
               <a:lnSpc>
                 <a:spcPct val="90000"/>
               </a:lnSpc>
             </a:pPr>
-            <a:endParaRPr/>
+            <a:endParaRPr dirty="0"/>
           </a:p>
           <a:p>
             <a:pPr>
@@ -4047,7 +5094,7 @@
               </a:lnSpc>
             </a:pPr>
             <a:r>
-              <a:rPr b="1" lang="en-US" sz="2400" strike="noStrike">
+              <a:rPr lang="en-US" sz="2400" b="1" strike="noStrike" dirty="0">
                 <a:solidFill>
                   <a:srgbClr val="000000"/>
                 </a:solidFill>
@@ -4056,91 +5103,247 @@
               </a:rPr>
               <a:t>How to tar:</a:t>
             </a:r>
-            <a:endParaRPr/>
+            <a:endParaRPr dirty="0"/>
+          </a:p>
+          <a:p>
+            <a:pPr marL="342900" indent="-342900">
+              <a:lnSpc>
+                <a:spcPct val="90000"/>
+              </a:lnSpc>
+              <a:buSzPct val="45000"/>
+              <a:buFont typeface="Wingdings" panose="05000000000000000000" pitchFamily="2" charset="2"/>
+              <a:buChar char="§"/>
+            </a:pPr>
+            <a:r>
+              <a:rPr lang="en-US" sz="2400" strike="noStrike" dirty="0">
+                <a:solidFill>
+                  <a:srgbClr val="000000"/>
+                </a:solidFill>
+                <a:latin typeface="Calibri"/>
+                <a:ea typeface="DejaVu Sans"/>
+              </a:rPr>
+              <a:t>Go to the parent directory of pa1</a:t>
+            </a:r>
+            <a:endParaRPr dirty="0"/>
+          </a:p>
+          <a:p>
+            <a:pPr marL="800100" lvl="1" indent="-342900">
+              <a:lnSpc>
+                <a:spcPct val="90000"/>
+              </a:lnSpc>
+              <a:buSzPct val="45000"/>
+              <a:buFont typeface="Wingdings" panose="05000000000000000000" pitchFamily="2" charset="2"/>
+              <a:buChar char="§"/>
+            </a:pPr>
+            <a:r>
+              <a:rPr lang="en-US" sz="2400" strike="noStrike" dirty="0">
+                <a:solidFill>
+                  <a:srgbClr val="000000"/>
+                </a:solidFill>
+                <a:latin typeface="Calibri"/>
+                <a:ea typeface="DejaVu Sans"/>
+              </a:rPr>
+              <a:t>$ tar </a:t>
+            </a:r>
+            <a:r>
+              <a:rPr lang="en-US" sz="2400" strike="noStrike" dirty="0" err="1">
+                <a:solidFill>
+                  <a:srgbClr val="000000"/>
+                </a:solidFill>
+                <a:latin typeface="Calibri"/>
+                <a:ea typeface="DejaVu Sans"/>
+              </a:rPr>
+              <a:t>cvf</a:t>
+            </a:r>
+            <a:r>
+              <a:rPr lang="en-US" sz="2400" strike="noStrike" dirty="0">
+                <a:solidFill>
+                  <a:srgbClr val="000000"/>
+                </a:solidFill>
+                <a:latin typeface="Calibri"/>
+                <a:ea typeface="DejaVu Sans"/>
+              </a:rPr>
+              <a:t> pa1.tar pa1</a:t>
+            </a:r>
+            <a:endParaRPr dirty="0"/>
+          </a:p>
+          <a:p>
+            <a:pPr marL="342900" indent="-342900">
+              <a:lnSpc>
+                <a:spcPct val="90000"/>
+              </a:lnSpc>
+              <a:buSzPct val="45000"/>
+              <a:buFont typeface="Wingdings" panose="05000000000000000000" pitchFamily="2" charset="2"/>
+              <a:buChar char="§"/>
+            </a:pPr>
+            <a:r>
+              <a:rPr lang="en-US" sz="2400" strike="noStrike" dirty="0">
+                <a:solidFill>
+                  <a:srgbClr val="000000"/>
+                </a:solidFill>
+                <a:latin typeface="Calibri"/>
+                <a:ea typeface="DejaVu Sans"/>
+              </a:rPr>
+              <a:t>Another example</a:t>
+            </a:r>
+            <a:endParaRPr dirty="0"/>
+          </a:p>
+          <a:p>
+            <a:pPr marL="800100" lvl="1" indent="-342900">
+              <a:lnSpc>
+                <a:spcPct val="90000"/>
+              </a:lnSpc>
+              <a:buSzPct val="45000"/>
+              <a:buFont typeface="Wingdings" panose="05000000000000000000" pitchFamily="2" charset="2"/>
+              <a:buChar char="§"/>
+            </a:pPr>
+            <a:r>
+              <a:rPr lang="en-US" sz="2400" strike="noStrike" dirty="0">
+                <a:solidFill>
+                  <a:srgbClr val="000000"/>
+                </a:solidFill>
+                <a:latin typeface="Calibri"/>
+                <a:ea typeface="DejaVu Sans"/>
+              </a:rPr>
+              <a:t>$ tar </a:t>
+            </a:r>
+            <a:r>
+              <a:rPr lang="en-US" sz="2400" strike="noStrike" dirty="0" err="1">
+                <a:solidFill>
+                  <a:srgbClr val="000000"/>
+                </a:solidFill>
+                <a:latin typeface="Calibri"/>
+                <a:ea typeface="DejaVu Sans"/>
+              </a:rPr>
+              <a:t>cvf</a:t>
+            </a:r>
+            <a:r>
+              <a:rPr lang="en-US" sz="2400" strike="noStrike" dirty="0">
+                <a:solidFill>
+                  <a:srgbClr val="000000"/>
+                </a:solidFill>
+                <a:latin typeface="Calibri"/>
+                <a:ea typeface="DejaVu Sans"/>
+              </a:rPr>
+              <a:t> myfiles.tar dir1 dir2 file1 file2</a:t>
+            </a:r>
+            <a:endParaRPr dirty="0"/>
           </a:p>
           <a:p>
             <a:pPr>
               <a:lnSpc>
                 <a:spcPct val="90000"/>
               </a:lnSpc>
+            </a:pPr>
+            <a:endParaRPr dirty="0"/>
+          </a:p>
+          <a:p>
+            <a:pPr>
+              <a:lnSpc>
+                <a:spcPct val="90000"/>
+              </a:lnSpc>
+            </a:pPr>
+            <a:r>
+              <a:rPr lang="en-US" sz="2400" b="1" strike="noStrike" dirty="0">
+                <a:solidFill>
+                  <a:srgbClr val="000000"/>
+                </a:solidFill>
+                <a:latin typeface="Calibri"/>
+                <a:ea typeface="DejaVu Sans"/>
+              </a:rPr>
+              <a:t>How to </a:t>
+            </a:r>
+            <a:r>
+              <a:rPr lang="en-US" sz="2400" b="1" strike="noStrike" dirty="0" err="1">
+                <a:solidFill>
+                  <a:srgbClr val="000000"/>
+                </a:solidFill>
+                <a:latin typeface="Calibri"/>
+                <a:ea typeface="DejaVu Sans"/>
+              </a:rPr>
+              <a:t>untar</a:t>
+            </a:r>
+            <a:r>
+              <a:rPr lang="en-US" sz="2400" b="1" strike="noStrike" dirty="0">
+                <a:solidFill>
+                  <a:srgbClr val="000000"/>
+                </a:solidFill>
+                <a:latin typeface="Calibri"/>
+                <a:ea typeface="DejaVu Sans"/>
+              </a:rPr>
+              <a:t>:</a:t>
+            </a:r>
+            <a:endParaRPr dirty="0"/>
+          </a:p>
+          <a:p>
+            <a:pPr marL="342900" indent="-342900">
+              <a:lnSpc>
+                <a:spcPct val="90000"/>
+              </a:lnSpc>
               <a:buSzPct val="45000"/>
-              <a:buFont typeface="StarSymbol"/>
-              <a:buChar char=""/>
-            </a:pPr>
-            <a:r>
-              <a:rPr lang="en-US" sz="2400" strike="noStrike">
-                <a:solidFill>
-                  <a:srgbClr val="000000"/>
-                </a:solidFill>
-                <a:latin typeface="Calibri"/>
-                <a:ea typeface="DejaVu Sans"/>
-              </a:rPr>
-              <a:t>Go to the parent directory of pa1</a:t>
-            </a:r>
-            <a:endParaRPr/>
-          </a:p>
-          <a:p>
-            <a:pPr lvl="1">
+              <a:buFont typeface="Wingdings" panose="05000000000000000000" pitchFamily="2" charset="2"/>
+              <a:buChar char="§"/>
+            </a:pPr>
+            <a:r>
+              <a:rPr lang="en-US" sz="2400" strike="noStrike" dirty="0">
+                <a:solidFill>
+                  <a:srgbClr val="000000"/>
+                </a:solidFill>
+                <a:latin typeface="Calibri"/>
+                <a:ea typeface="DejaVu Sans"/>
+              </a:rPr>
+              <a:t>Go to the directory where you have .tar file</a:t>
+            </a:r>
+            <a:endParaRPr dirty="0"/>
+          </a:p>
+          <a:p>
+            <a:pPr marL="800100" lvl="1" indent="-342900">
               <a:lnSpc>
                 <a:spcPct val="90000"/>
               </a:lnSpc>
               <a:buSzPct val="45000"/>
-              <a:buFont typeface="StarSymbol"/>
-              <a:buChar char=""/>
-            </a:pPr>
-            <a:r>
-              <a:rPr lang="en-US" sz="2400" strike="noStrike">
-                <a:solidFill>
-                  <a:srgbClr val="000000"/>
-                </a:solidFill>
-                <a:latin typeface="Calibri"/>
-                <a:ea typeface="DejaVu Sans"/>
-              </a:rPr>
-              <a:t>$ tar cvf pa1.tar pa1</a:t>
-            </a:r>
-            <a:endParaRPr/>
+              <a:buFont typeface="Wingdings" panose="05000000000000000000" pitchFamily="2" charset="2"/>
+              <a:buChar char="§"/>
+            </a:pPr>
+            <a:r>
+              <a:rPr lang="en-US" sz="2400" strike="noStrike" dirty="0">
+                <a:solidFill>
+                  <a:srgbClr val="000000"/>
+                </a:solidFill>
+                <a:latin typeface="Calibri"/>
+                <a:ea typeface="DejaVu Sans"/>
+              </a:rPr>
+              <a:t>$ tar </a:t>
+            </a:r>
+            <a:r>
+              <a:rPr lang="en-US" sz="2400" strike="noStrike" dirty="0" err="1">
+                <a:solidFill>
+                  <a:srgbClr val="000000"/>
+                </a:solidFill>
+                <a:latin typeface="Calibri"/>
+                <a:ea typeface="DejaVu Sans"/>
+              </a:rPr>
+              <a:t>xvf</a:t>
+            </a:r>
+            <a:r>
+              <a:rPr lang="en-US" sz="2400" strike="noStrike" dirty="0">
+                <a:solidFill>
+                  <a:srgbClr val="000000"/>
+                </a:solidFill>
+                <a:latin typeface="Calibri"/>
+                <a:ea typeface="DejaVu Sans"/>
+              </a:rPr>
+              <a:t> pa1.tar</a:t>
+            </a:r>
+            <a:endParaRPr dirty="0"/>
           </a:p>
           <a:p>
             <a:pPr>
               <a:lnSpc>
                 <a:spcPct val="90000"/>
               </a:lnSpc>
-              <a:buSzPct val="45000"/>
-              <a:buFont typeface="StarSymbol"/>
-              <a:buChar char=""/>
-            </a:pPr>
-            <a:r>
-              <a:rPr lang="en-US" sz="2400" strike="noStrike">
-                <a:solidFill>
-                  <a:srgbClr val="000000"/>
-                </a:solidFill>
-                <a:latin typeface="Calibri"/>
-                <a:ea typeface="DejaVu Sans"/>
-              </a:rPr>
-              <a:t>Another example</a:t>
-            </a:r>
-            <a:endParaRPr/>
-          </a:p>
-          <a:p>
-            <a:pPr lvl="1">
-              <a:lnSpc>
-                <a:spcPct val="90000"/>
-              </a:lnSpc>
-              <a:buSzPct val="45000"/>
-              <a:buFont typeface="StarSymbol"/>
-              <a:buChar char=""/>
-            </a:pPr>
-            <a:r>
-              <a:rPr lang="en-US" sz="2400" strike="noStrike">
-                <a:solidFill>
-                  <a:srgbClr val="000000"/>
-                </a:solidFill>
-                <a:latin typeface="Calibri"/>
-                <a:ea typeface="DejaVu Sans"/>
-              </a:rPr>
-              <a:t>$ tar cvf myfiles.tar dir1 dir2 file1 file2</a:t>
-            </a:r>
-            <a:endParaRPr/>
+            </a:pPr>
+            <a:endParaRPr dirty="0"/>
           </a:p>
           <a:p>
             <a:pPr>
@@ -4148,7 +5351,17 @@
                 <a:spcPct val="90000"/>
               </a:lnSpc>
             </a:pPr>
-            <a:endParaRPr/>
+            <a:r>
+              <a:rPr lang="en-US" sz="2000" strike="noStrike" dirty="0">
+                <a:solidFill>
+                  <a:srgbClr val="800000"/>
+                </a:solidFill>
+                <a:latin typeface="Calibri"/>
+                <a:ea typeface="DejaVu Sans"/>
+              </a:rPr>
+              <a:t>c: Create archive</a:t>
+            </a:r>
+            <a:endParaRPr dirty="0"/>
           </a:p>
           <a:p>
             <a:pPr>
@@ -4157,58 +5370,74 @@
               </a:lnSpc>
             </a:pPr>
             <a:r>
-              <a:rPr b="1" lang="en-US" sz="2400" strike="noStrike">
-                <a:solidFill>
-                  <a:srgbClr val="000000"/>
-                </a:solidFill>
-                <a:latin typeface="Calibri"/>
-                <a:ea typeface="DejaVu Sans"/>
-              </a:rPr>
-              <a:t>How to untar:</a:t>
-            </a:r>
-            <a:endParaRPr/>
+              <a:rPr lang="en-US" sz="2000" strike="noStrike" dirty="0">
+                <a:solidFill>
+                  <a:srgbClr val="800000"/>
+                </a:solidFill>
+                <a:latin typeface="Calibri"/>
+                <a:ea typeface="DejaVu Sans"/>
+              </a:rPr>
+              <a:t>v: Verbose </a:t>
+            </a:r>
+            <a:r>
+              <a:rPr lang="en-US" sz="2000" strike="noStrike" dirty="0" err="1">
+                <a:solidFill>
+                  <a:srgbClr val="800000"/>
+                </a:solidFill>
+                <a:latin typeface="Calibri"/>
+                <a:ea typeface="DejaVu Sans"/>
+              </a:rPr>
+              <a:t>i.e</a:t>
+            </a:r>
+            <a:r>
+              <a:rPr lang="en-US" sz="2000" strike="noStrike" dirty="0">
+                <a:solidFill>
+                  <a:srgbClr val="800000"/>
+                </a:solidFill>
+                <a:latin typeface="Calibri"/>
+                <a:ea typeface="DejaVu Sans"/>
+              </a:rPr>
+              <a:t> display progress while creating archive</a:t>
+            </a:r>
+            <a:endParaRPr dirty="0"/>
           </a:p>
           <a:p>
             <a:pPr>
               <a:lnSpc>
                 <a:spcPct val="90000"/>
               </a:lnSpc>
-              <a:buSzPct val="45000"/>
-              <a:buFont typeface="StarSymbol"/>
-              <a:buChar char=""/>
-            </a:pPr>
-            <a:r>
-              <a:rPr lang="en-US" sz="2400" strike="noStrike">
-                <a:solidFill>
-                  <a:srgbClr val="000000"/>
-                </a:solidFill>
-                <a:latin typeface="Calibri"/>
-                <a:ea typeface="DejaVu Sans"/>
-              </a:rPr>
-              <a:t>Go to the directory where you have .tar file</a:t>
-            </a:r>
-            <a:endParaRPr/>
-          </a:p>
-          <a:p>
-            <a:pPr lvl="1">
-              <a:lnSpc>
-                <a:spcPct val="90000"/>
-              </a:lnSpc>
-              <a:buSzPct val="45000"/>
-              <a:buFont typeface="StarSymbol"/>
-              <a:buChar char=""/>
-            </a:pPr>
-            <a:r>
-              <a:rPr lang="en-US" sz="2400" strike="noStrike">
-                <a:solidFill>
-                  <a:srgbClr val="000000"/>
-                </a:solidFill>
-                <a:latin typeface="Calibri"/>
-                <a:ea typeface="DejaVu Sans"/>
-              </a:rPr>
-              <a:t>$ tar xvf pa1.tar</a:t>
-            </a:r>
-            <a:endParaRPr/>
+            </a:pPr>
+            <a:r>
+              <a:rPr lang="en-US" sz="2000" strike="noStrike" dirty="0">
+                <a:solidFill>
+                  <a:srgbClr val="800000"/>
+                </a:solidFill>
+                <a:latin typeface="Calibri"/>
+                <a:ea typeface="DejaVu Sans"/>
+              </a:rPr>
+              <a:t>f: Archive File name </a:t>
+            </a:r>
+            <a:r>
+              <a:rPr lang="en-US" sz="2000" strike="noStrike" dirty="0" err="1">
+                <a:solidFill>
+                  <a:srgbClr val="800000"/>
+                </a:solidFill>
+                <a:latin typeface="Calibri"/>
+                <a:ea typeface="DejaVu Sans"/>
+              </a:rPr>
+              <a:t>i.e</a:t>
+            </a:r>
+            <a:r>
+              <a:rPr lang="en-US" sz="2000" strike="noStrike" dirty="0">
+                <a:solidFill>
+                  <a:srgbClr val="800000"/>
+                </a:solidFill>
+                <a:latin typeface="Calibri"/>
+                <a:ea typeface="DejaVu Sans"/>
+              </a:rPr>
+              <a:t> the name of the archive file</a:t>
+            </a:r>
+            <a:endParaRPr dirty="0"/>
           </a:p>
           <a:p>
             <a:pPr>
@@ -4216,7 +5445,17 @@
                 <a:spcPct val="90000"/>
               </a:lnSpc>
             </a:pPr>
-            <a:endParaRPr/>
+            <a:r>
+              <a:rPr lang="en-US" sz="2000" strike="noStrike" dirty="0">
+                <a:solidFill>
+                  <a:srgbClr val="800000"/>
+                </a:solidFill>
+                <a:latin typeface="Calibri"/>
+                <a:ea typeface="DejaVu Sans"/>
+              </a:rPr>
+              <a:t>x: means extract files from the archive</a:t>
+            </a:r>
+            <a:endParaRPr dirty="0"/>
           </a:p>
           <a:p>
             <a:pPr>
@@ -4225,109 +5464,60 @@
               </a:lnSpc>
             </a:pPr>
             <a:r>
-              <a:rPr lang="en-US" sz="2000" strike="noStrike">
+              <a:rPr lang="en-US" sz="2000" strike="noStrike" dirty="0">
                 <a:solidFill>
                   <a:srgbClr val="800000"/>
                 </a:solidFill>
                 <a:latin typeface="Calibri"/>
                 <a:ea typeface="DejaVu Sans"/>
               </a:rPr>
-              <a:t>c: Create archive</a:t>
-            </a:r>
-            <a:endParaRPr/>
-          </a:p>
-          <a:p>
-            <a:pPr>
-              <a:lnSpc>
-                <a:spcPct val="90000"/>
-              </a:lnSpc>
-            </a:pPr>
-            <a:r>
-              <a:rPr lang="en-US" sz="2000" strike="noStrike">
+              <a:t>z : Compress archive using </a:t>
+            </a:r>
+            <a:r>
+              <a:rPr lang="en-US" sz="2000" strike="noStrike" dirty="0" err="1">
                 <a:solidFill>
                   <a:srgbClr val="800000"/>
                 </a:solidFill>
                 <a:latin typeface="Calibri"/>
                 <a:ea typeface="DejaVu Sans"/>
               </a:rPr>
-              <a:t>v: Verbose i.e display progress while creating archive</a:t>
-            </a:r>
-            <a:endParaRPr/>
-          </a:p>
-          <a:p>
-            <a:pPr>
-              <a:lnSpc>
-                <a:spcPct val="90000"/>
-              </a:lnSpc>
-            </a:pPr>
-            <a:r>
-              <a:rPr lang="en-US" sz="2000" strike="noStrike">
+              <a:t>gzip</a:t>
+            </a:r>
+            <a:r>
+              <a:rPr lang="en-US" sz="2000" strike="noStrike" dirty="0">
                 <a:solidFill>
                   <a:srgbClr val="800000"/>
                 </a:solidFill>
                 <a:latin typeface="Calibri"/>
                 <a:ea typeface="DejaVu Sans"/>
               </a:rPr>
-              <a:t>f: Archive File name i.e the name of the archive file</a:t>
-            </a:r>
-            <a:endParaRPr/>
-          </a:p>
-          <a:p>
-            <a:pPr>
-              <a:lnSpc>
-                <a:spcPct val="90000"/>
-              </a:lnSpc>
-            </a:pPr>
-            <a:r>
-              <a:rPr lang="en-US" sz="2000" strike="noStrike">
-                <a:solidFill>
-                  <a:srgbClr val="800000"/>
-                </a:solidFill>
-                <a:latin typeface="Calibri"/>
-                <a:ea typeface="DejaVu Sans"/>
-              </a:rPr>
-              <a:t>x: means extract files from the archive</a:t>
-            </a:r>
-            <a:endParaRPr/>
-          </a:p>
-          <a:p>
-            <a:pPr>
-              <a:lnSpc>
-                <a:spcPct val="90000"/>
-              </a:lnSpc>
-            </a:pPr>
-            <a:r>
-              <a:rPr lang="en-US" sz="2000" strike="noStrike">
-                <a:solidFill>
-                  <a:srgbClr val="800000"/>
-                </a:solidFill>
-                <a:latin typeface="Calibri"/>
-                <a:ea typeface="DejaVu Sans"/>
-              </a:rPr>
-              <a:t>z : Compress archive using gzip program</a:t>
-            </a:r>
-            <a:endParaRPr/>
+              <a:t> program</a:t>
+            </a:r>
+            <a:endParaRPr dirty="0"/>
           </a:p>
         </p:txBody>
       </p:sp>
     </p:spTree>
   </p:cSld>
+  <p:clrMapOvr>
+    <a:masterClrMapping/>
+  </p:clrMapOvr>
   <p:timing>
     <p:tnLst>
       <p:par>
-        <p:cTn id="5" dur="indefinite" restart="never" nodeType="tmRoot">
+        <p:cTn id="1" dur="indefinite" restart="never" nodeType="tmRoot">
           <p:childTnLst>
             <p:seq>
-              <p:cTn id="6" nodeType="mainSeq"/>
+              <p:cTn id="2" nodeType="mainSeq"/>
               <p:prevCondLst>
-                <p:cond delay="0" evt="onPrev">
+                <p:cond evt="onPrev" delay="0">
                   <p:tgtEl>
                     <p:sldTgt/>
                   </p:tgtEl>
                 </p:cond>
               </p:prevCondLst>
               <p:nextCondLst>
-                <p:cond delay="0" evt="onNext">
+                <p:cond evt="onNext" delay="0">
                   <p:tgtEl>
                     <p:sldTgt/>
                   </p:tgtEl>
@@ -4343,7 +5533,7 @@
 </file>
 
 <file path=ppt/slides/slide4.xml><?xml version="1.0" encoding="utf-8"?>
-<p:sld xmlns:a="http://schemas.openxmlformats.org/drawingml/2006/main" xmlns:p="http://schemas.openxmlformats.org/presentationml/2006/main" xmlns:r="http://schemas.openxmlformats.org/officeDocument/2006/relationships">
+<p:sld xmlns:a="http://schemas.openxmlformats.org/drawingml/2006/main" xmlns:r="http://schemas.openxmlformats.org/officeDocument/2006/relationships" xmlns:p="http://schemas.openxmlformats.org/presentationml/2006/main">
   <p:cSld>
     <p:spTree>
       <p:nvGrpSpPr>
@@ -4379,13 +5569,20 @@
           </a:ln>
         </p:spPr>
         <p:style>
-          <a:lnRef idx="0"/>
-          <a:fillRef idx="0"/>
-          <a:effectRef idx="0"/>
+          <a:lnRef idx="0">
+            <a:scrgbClr r="0" g="0" b="0"/>
+          </a:lnRef>
+          <a:fillRef idx="0">
+            <a:scrgbClr r="0" g="0" b="0"/>
+          </a:fillRef>
+          <a:effectRef idx="0">
+            <a:scrgbClr r="0" g="0" b="0"/>
+          </a:effectRef>
           <a:fontRef idx="minor"/>
         </p:style>
         <p:txBody>
-          <a:bodyPr lIns="90000" rIns="90000" tIns="45000" bIns="45000" anchor="ctr"/>
+          <a:bodyPr lIns="90000" tIns="45000" rIns="90000" bIns="45000" anchor="ctr"/>
+          <a:lstStyle/>
           <a:p>
             <a:pPr>
               <a:lnSpc>
@@ -4393,9 +5590,9 @@
               </a:lnSpc>
             </a:pPr>
             <a:r>
-              <a:rPr b="1" lang="en-US" sz="4400" strike="noStrike">
-                <a:solidFill>
-                  <a:srgbClr val="dc2300"/>
+              <a:rPr lang="en-US" sz="4400" b="1" strike="noStrike">
+                <a:solidFill>
+                  <a:srgbClr val="DC2300"/>
                 </a:solidFill>
                 <a:latin typeface="Calibri Light"/>
                 <a:ea typeface="DejaVu Sans"/>
@@ -4426,13 +5623,20 @@
           </a:ln>
         </p:spPr>
         <p:style>
-          <a:lnRef idx="0"/>
-          <a:fillRef idx="0"/>
-          <a:effectRef idx="0"/>
+          <a:lnRef idx="0">
+            <a:scrgbClr r="0" g="0" b="0"/>
+          </a:lnRef>
+          <a:fillRef idx="0">
+            <a:scrgbClr r="0" g="0" b="0"/>
+          </a:fillRef>
+          <a:effectRef idx="0">
+            <a:scrgbClr r="0" g="0" b="0"/>
+          </a:effectRef>
           <a:fontRef idx="minor"/>
         </p:style>
         <p:txBody>
-          <a:bodyPr lIns="90000" rIns="90000" tIns="45000" bIns="45000"/>
+          <a:bodyPr lIns="90000" tIns="45000" rIns="90000" bIns="45000"/>
+          <a:lstStyle/>
           <a:p>
             <a:pPr>
               <a:lnSpc>
@@ -4440,16 +5644,26 @@
               </a:lnSpc>
             </a:pPr>
             <a:r>
-              <a:rPr lang="en-US" sz="2400" strike="noStrike">
-                <a:solidFill>
-                  <a:srgbClr val="000000"/>
-                </a:solidFill>
-                <a:latin typeface="Calibri"/>
-                <a:ea typeface="DejaVu Sans"/>
-              </a:rPr>
-              <a:t>Run a makefile</a:t>
-            </a:r>
-            <a:endParaRPr/>
+              <a:rPr lang="en-US" sz="2400" strike="noStrike" dirty="0">
+                <a:solidFill>
+                  <a:srgbClr val="000000"/>
+                </a:solidFill>
+                <a:latin typeface="Calibri"/>
+                <a:ea typeface="DejaVu Sans"/>
+              </a:rPr>
+              <a:t>Run a </a:t>
+            </a:r>
+            <a:r>
+              <a:rPr lang="en-US" sz="2400" strike="noStrike" dirty="0" err="1">
+                <a:solidFill>
+                  <a:srgbClr val="000000"/>
+                </a:solidFill>
+                <a:latin typeface="Calibri"/>
+                <a:ea typeface="DejaVu Sans"/>
+              </a:rPr>
+              <a:t>makefile</a:t>
+            </a:r>
+            <a:endParaRPr dirty="0"/>
           </a:p>
           <a:p>
             <a:pPr>
@@ -4458,7 +5672,239 @@
               </a:lnSpc>
             </a:pPr>
             <a:r>
-              <a:rPr lang="en-US" sz="2400" strike="noStrike">
+              <a:rPr lang="en-US" sz="2400" strike="noStrike" dirty="0">
+                <a:solidFill>
+                  <a:srgbClr val="000000"/>
+                </a:solidFill>
+                <a:latin typeface="Calibri"/>
+                <a:ea typeface="DejaVu Sans"/>
+              </a:rPr>
+              <a:t>	$ make</a:t>
+            </a:r>
+            <a:endParaRPr dirty="0"/>
+          </a:p>
+          <a:p>
+            <a:pPr>
+              <a:lnSpc>
+                <a:spcPct val="90000"/>
+              </a:lnSpc>
+            </a:pPr>
+            <a:r>
+              <a:rPr lang="en-US" sz="2400" strike="noStrike" dirty="0">
+                <a:solidFill>
+                  <a:srgbClr val="000000"/>
+                </a:solidFill>
+                <a:latin typeface="Calibri"/>
+                <a:ea typeface="DejaVu Sans"/>
+              </a:rPr>
+              <a:t>Clean a </a:t>
+            </a:r>
+            <a:r>
+              <a:rPr lang="en-US" sz="2400" strike="noStrike" dirty="0" err="1">
+                <a:solidFill>
+                  <a:srgbClr val="000000"/>
+                </a:solidFill>
+                <a:latin typeface="Calibri"/>
+                <a:ea typeface="DejaVu Sans"/>
+              </a:rPr>
+              <a:t>makefile</a:t>
+            </a:r>
+            <a:endParaRPr dirty="0"/>
+          </a:p>
+          <a:p>
+            <a:pPr>
+              <a:lnSpc>
+                <a:spcPct val="90000"/>
+              </a:lnSpc>
+            </a:pPr>
+            <a:r>
+              <a:rPr lang="en-US" sz="2400" strike="noStrike" dirty="0">
+                <a:solidFill>
+                  <a:srgbClr val="000000"/>
+                </a:solidFill>
+                <a:latin typeface="Calibri"/>
+                <a:ea typeface="DejaVu Sans"/>
+              </a:rPr>
+              <a:t>	$ make clean</a:t>
+            </a:r>
+            <a:endParaRPr dirty="0"/>
+          </a:p>
+          <a:p>
+            <a:pPr>
+              <a:lnSpc>
+                <a:spcPct val="90000"/>
+              </a:lnSpc>
+            </a:pPr>
+            <a:r>
+              <a:rPr lang="en-US" sz="2400" strike="noStrike" dirty="0">
+                <a:solidFill>
+                  <a:srgbClr val="000000"/>
+                </a:solidFill>
+                <a:latin typeface="Calibri"/>
+                <a:ea typeface="DejaVu Sans"/>
+              </a:rPr>
+              <a:t>If you have several make files</a:t>
+            </a:r>
+            <a:endParaRPr dirty="0"/>
+          </a:p>
+          <a:p>
+            <a:pPr>
+              <a:lnSpc>
+                <a:spcPct val="90000"/>
+              </a:lnSpc>
+            </a:pPr>
+            <a:r>
+              <a:rPr lang="en-US" sz="2400" strike="noStrike" dirty="0">
+                <a:solidFill>
+                  <a:srgbClr val="000000"/>
+                </a:solidFill>
+                <a:latin typeface="Calibri"/>
+                <a:ea typeface="DejaVu Sans"/>
+              </a:rPr>
+              <a:t>	$ make -f </a:t>
+            </a:r>
+            <a:r>
+              <a:rPr lang="en-US" sz="2400" strike="noStrike" dirty="0" err="1">
+                <a:solidFill>
+                  <a:srgbClr val="000000"/>
+                </a:solidFill>
+                <a:latin typeface="Calibri"/>
+                <a:ea typeface="DejaVu Sans"/>
+              </a:rPr>
+              <a:t>YourMakeFile</a:t>
+            </a:r>
+            <a:endParaRPr dirty="0"/>
+          </a:p>
+          <a:p>
+            <a:pPr>
+              <a:lnSpc>
+                <a:spcPct val="90000"/>
+              </a:lnSpc>
+            </a:pPr>
+            <a:endParaRPr dirty="0"/>
+          </a:p>
+          <a:p>
+            <a:pPr>
+              <a:lnSpc>
+                <a:spcPct val="90000"/>
+              </a:lnSpc>
+            </a:pPr>
+            <a:r>
+              <a:rPr lang="en-US" sz="2400" strike="noStrike" dirty="0">
+                <a:solidFill>
+                  <a:srgbClr val="000000"/>
+                </a:solidFill>
+                <a:latin typeface="Calibri"/>
+                <a:ea typeface="DejaVu Sans"/>
+              </a:rPr>
+              <a:t>Basics of </a:t>
+            </a:r>
+            <a:r>
+              <a:rPr lang="en-US" sz="2400" strike="noStrike" dirty="0" err="1">
+                <a:solidFill>
+                  <a:srgbClr val="000000"/>
+                </a:solidFill>
+                <a:latin typeface="Calibri"/>
+                <a:ea typeface="DejaVu Sans"/>
+              </a:rPr>
+              <a:t>Makefile</a:t>
+            </a:r>
+            <a:endParaRPr dirty="0"/>
+          </a:p>
+          <a:p>
+            <a:pPr marL="342900" indent="-342900">
+              <a:lnSpc>
+                <a:spcPct val="90000"/>
+              </a:lnSpc>
+              <a:buSzPct val="45000"/>
+              <a:buFont typeface="Wingdings" panose="05000000000000000000" pitchFamily="2" charset="2"/>
+              <a:buChar char="§"/>
+            </a:pPr>
+            <a:r>
+              <a:rPr lang="en-US" sz="2400" strike="noStrike" dirty="0">
+                <a:solidFill>
+                  <a:srgbClr val="000000"/>
+                </a:solidFill>
+                <a:latin typeface="Calibri"/>
+                <a:ea typeface="DejaVu Sans"/>
+              </a:rPr>
+              <a:t>target: dependencies</a:t>
+            </a:r>
+            <a:endParaRPr dirty="0"/>
+          </a:p>
+          <a:p>
+            <a:pPr marL="342900" indent="-342900">
+              <a:lnSpc>
+                <a:spcPct val="90000"/>
+              </a:lnSpc>
+              <a:buSzPct val="45000"/>
+              <a:buFont typeface="Wingdings" panose="05000000000000000000" pitchFamily="2" charset="2"/>
+              <a:buChar char="§"/>
+            </a:pPr>
+            <a:r>
+              <a:rPr lang="en-US" sz="2400" strike="noStrike" dirty="0">
+                <a:solidFill>
+                  <a:srgbClr val="000000"/>
+                </a:solidFill>
+                <a:latin typeface="Calibri"/>
+                <a:ea typeface="DejaVu Sans"/>
+              </a:rPr>
+              <a:t>[tab] system command</a:t>
+            </a:r>
+            <a:endParaRPr dirty="0"/>
+          </a:p>
+          <a:p>
+            <a:pPr>
+              <a:lnSpc>
+                <a:spcPct val="90000"/>
+              </a:lnSpc>
+            </a:pPr>
+            <a:endParaRPr dirty="0"/>
+          </a:p>
+          <a:p>
+            <a:pPr>
+              <a:lnSpc>
+                <a:spcPct val="90000"/>
+              </a:lnSpc>
+            </a:pPr>
+            <a:r>
+              <a:rPr lang="en-US" sz="2400" strike="noStrike" dirty="0">
+                <a:solidFill>
+                  <a:srgbClr val="000000"/>
+                </a:solidFill>
+                <a:latin typeface="Calibri"/>
+                <a:ea typeface="DejaVu Sans"/>
+              </a:rPr>
+              <a:t>Example</a:t>
+            </a:r>
+            <a:endParaRPr dirty="0"/>
+          </a:p>
+          <a:p>
+            <a:pPr>
+              <a:lnSpc>
+                <a:spcPct val="90000"/>
+              </a:lnSpc>
+            </a:pPr>
+            <a:r>
+              <a:rPr lang="en-US" sz="2400" strike="noStrike" dirty="0">
+                <a:solidFill>
+                  <a:srgbClr val="000000"/>
+                </a:solidFill>
+                <a:latin typeface="Calibri"/>
+                <a:ea typeface="DejaVu Sans"/>
+              </a:rPr>
+              <a:t>all: </a:t>
+            </a:r>
+            <a:endParaRPr dirty="0"/>
+          </a:p>
+          <a:p>
+            <a:pPr>
+              <a:lnSpc>
+                <a:spcPct val="90000"/>
+              </a:lnSpc>
+            </a:pPr>
+            <a:r>
+              <a:rPr lang="en-US" sz="2400" strike="noStrike" dirty="0">
                 <a:solidFill>
                   <a:srgbClr val="000000"/>
                 </a:solidFill>
@@ -4468,16 +5914,86 @@
               <a:t>	</a:t>
             </a:r>
             <a:r>
-              <a:rPr lang="en-US" sz="2400" strike="noStrike">
-                <a:solidFill>
-                  <a:srgbClr val="000000"/>
-                </a:solidFill>
-                <a:latin typeface="Calibri"/>
-                <a:ea typeface="DejaVu Sans"/>
-              </a:rPr>
-              <a:t>$ make</a:t>
-            </a:r>
-            <a:endParaRPr/>
+              <a:rPr lang="en-US" sz="2400" strike="noStrike" dirty="0" err="1">
+                <a:solidFill>
+                  <a:srgbClr val="000000"/>
+                </a:solidFill>
+                <a:latin typeface="Calibri"/>
+                <a:ea typeface="DejaVu Sans"/>
+              </a:rPr>
+              <a:t>gcc</a:t>
+            </a:r>
+            <a:r>
+              <a:rPr lang="en-US" sz="2400" strike="noStrike" dirty="0">
+                <a:solidFill>
+                  <a:srgbClr val="000000"/>
+                </a:solidFill>
+                <a:latin typeface="Calibri"/>
+                <a:ea typeface="DejaVu Sans"/>
+              </a:rPr>
+              <a:t> -Wall -</a:t>
+            </a:r>
+            <a:r>
+              <a:rPr lang="en-US" sz="2400" strike="noStrike" dirty="0" err="1">
+                <a:solidFill>
+                  <a:srgbClr val="000000"/>
+                </a:solidFill>
+                <a:latin typeface="Calibri"/>
+                <a:ea typeface="DejaVu Sans"/>
+              </a:rPr>
+              <a:t>Werror</a:t>
+            </a:r>
+            <a:r>
+              <a:rPr lang="en-US" sz="2400" strike="noStrike" dirty="0">
+                <a:solidFill>
+                  <a:srgbClr val="000000"/>
+                </a:solidFill>
+                <a:latin typeface="Calibri"/>
+                <a:ea typeface="DejaVu Sans"/>
+              </a:rPr>
+              <a:t> -</a:t>
+            </a:r>
+            <a:r>
+              <a:rPr lang="en-US" sz="2400" strike="noStrike" dirty="0" err="1">
+                <a:solidFill>
+                  <a:srgbClr val="000000"/>
+                </a:solidFill>
+                <a:latin typeface="Calibri"/>
+                <a:ea typeface="DejaVu Sans"/>
+              </a:rPr>
+              <a:t>fsanitize</a:t>
+            </a:r>
+            <a:r>
+              <a:rPr lang="en-US" sz="2400" strike="noStrike" dirty="0">
+                <a:solidFill>
+                  <a:srgbClr val="000000"/>
+                </a:solidFill>
+                <a:latin typeface="Calibri"/>
+                <a:ea typeface="DejaVu Sans"/>
+              </a:rPr>
+              <a:t>=address </a:t>
+            </a:r>
+            <a:r>
+              <a:rPr lang="en-US" sz="2400" strike="noStrike" dirty="0" err="1">
+                <a:solidFill>
+                  <a:srgbClr val="000000"/>
+                </a:solidFill>
+                <a:latin typeface="Calibri"/>
+                <a:ea typeface="DejaVu Sans"/>
+              </a:rPr>
+              <a:t>first.c</a:t>
+            </a:r>
+            <a:r>
+              <a:rPr lang="en-US" sz="2400" strike="noStrike" dirty="0">
+                <a:solidFill>
+                  <a:srgbClr val="000000"/>
+                </a:solidFill>
+                <a:latin typeface="Calibri"/>
+                <a:ea typeface="DejaVu Sans"/>
+              </a:rPr>
+              <a:t> -o first</a:t>
+            </a:r>
+            <a:endParaRPr dirty="0"/>
           </a:p>
           <a:p>
             <a:pPr>
@@ -4485,260 +6001,31 @@
                 <a:spcPct val="90000"/>
               </a:lnSpc>
             </a:pPr>
-            <a:r>
-              <a:rPr lang="en-US" sz="2400" strike="noStrike">
-                <a:solidFill>
-                  <a:srgbClr val="000000"/>
-                </a:solidFill>
-                <a:latin typeface="Calibri"/>
-                <a:ea typeface="DejaVu Sans"/>
-              </a:rPr>
-              <a:t>Clean a makefile</a:t>
-            </a:r>
-            <a:endParaRPr/>
-          </a:p>
-          <a:p>
-            <a:pPr>
-              <a:lnSpc>
-                <a:spcPct val="90000"/>
-              </a:lnSpc>
-            </a:pPr>
-            <a:r>
-              <a:rPr lang="en-US" sz="2400" strike="noStrike">
-                <a:solidFill>
-                  <a:srgbClr val="000000"/>
-                </a:solidFill>
-                <a:latin typeface="Calibri"/>
-                <a:ea typeface="DejaVu Sans"/>
-              </a:rPr>
-              <a:t>	</a:t>
-            </a:r>
-            <a:r>
-              <a:rPr lang="en-US" sz="2400" strike="noStrike">
-                <a:solidFill>
-                  <a:srgbClr val="000000"/>
-                </a:solidFill>
-                <a:latin typeface="Calibri"/>
-                <a:ea typeface="DejaVu Sans"/>
-              </a:rPr>
-              <a:t>$ make clean</a:t>
-            </a:r>
-            <a:endParaRPr/>
-          </a:p>
-          <a:p>
-            <a:pPr>
-              <a:lnSpc>
-                <a:spcPct val="90000"/>
-              </a:lnSpc>
-            </a:pPr>
-            <a:r>
-              <a:rPr lang="en-US" sz="2400" strike="noStrike">
-                <a:solidFill>
-                  <a:srgbClr val="000000"/>
-                </a:solidFill>
-                <a:latin typeface="Calibri"/>
-                <a:ea typeface="DejaVu Sans"/>
-              </a:rPr>
-              <a:t>If you have several make files</a:t>
-            </a:r>
-            <a:endParaRPr/>
-          </a:p>
-          <a:p>
-            <a:pPr>
-              <a:lnSpc>
-                <a:spcPct val="90000"/>
-              </a:lnSpc>
-            </a:pPr>
-            <a:r>
-              <a:rPr lang="en-US" sz="2400" strike="noStrike">
-                <a:solidFill>
-                  <a:srgbClr val="000000"/>
-                </a:solidFill>
-                <a:latin typeface="Calibri"/>
-                <a:ea typeface="DejaVu Sans"/>
-              </a:rPr>
-              <a:t>	</a:t>
-            </a:r>
-            <a:r>
-              <a:rPr lang="en-US" sz="2400" strike="noStrike">
-                <a:solidFill>
-                  <a:srgbClr val="000000"/>
-                </a:solidFill>
-                <a:latin typeface="Calibri"/>
-                <a:ea typeface="DejaVu Sans"/>
-              </a:rPr>
-              <a:t>$ make -f YourMakeFile</a:t>
-            </a:r>
-            <a:endParaRPr/>
-          </a:p>
-          <a:p>
-            <a:pPr>
-              <a:lnSpc>
-                <a:spcPct val="90000"/>
-              </a:lnSpc>
-            </a:pPr>
-            <a:endParaRPr/>
-          </a:p>
-          <a:p>
-            <a:pPr>
-              <a:lnSpc>
-                <a:spcPct val="90000"/>
-              </a:lnSpc>
-            </a:pPr>
-            <a:r>
-              <a:rPr lang="en-US" sz="2400" strike="noStrike">
-                <a:solidFill>
-                  <a:srgbClr val="000000"/>
-                </a:solidFill>
-                <a:latin typeface="Calibri"/>
-                <a:ea typeface="DejaVu Sans"/>
-              </a:rPr>
-              <a:t>Basics of Makefile</a:t>
-            </a:r>
-            <a:endParaRPr/>
-          </a:p>
-          <a:p>
-            <a:pPr>
-              <a:lnSpc>
-                <a:spcPct val="90000"/>
-              </a:lnSpc>
-              <a:buSzPct val="45000"/>
-              <a:buFont typeface="StarSymbol"/>
-              <a:buChar char=""/>
-            </a:pPr>
-            <a:r>
-              <a:rPr lang="en-US" sz="2400" strike="noStrike">
-                <a:solidFill>
-                  <a:srgbClr val="000000"/>
-                </a:solidFill>
-                <a:latin typeface="Calibri"/>
-                <a:ea typeface="DejaVu Sans"/>
-              </a:rPr>
-              <a:t>target: dependencies</a:t>
-            </a:r>
-            <a:endParaRPr/>
-          </a:p>
-          <a:p>
-            <a:pPr>
-              <a:lnSpc>
-                <a:spcPct val="90000"/>
-              </a:lnSpc>
-              <a:buSzPct val="45000"/>
-              <a:buFont typeface="StarSymbol"/>
-              <a:buChar char=""/>
-            </a:pPr>
-            <a:r>
-              <a:rPr lang="en-US" sz="2400" strike="noStrike">
-                <a:solidFill>
-                  <a:srgbClr val="000000"/>
-                </a:solidFill>
-                <a:latin typeface="Calibri"/>
-                <a:ea typeface="DejaVu Sans"/>
-              </a:rPr>
-              <a:t>[tab] system command</a:t>
-            </a:r>
-            <a:endParaRPr/>
-          </a:p>
-          <a:p>
-            <a:pPr>
-              <a:lnSpc>
-                <a:spcPct val="90000"/>
-              </a:lnSpc>
-            </a:pPr>
-            <a:endParaRPr/>
-          </a:p>
-          <a:p>
-            <a:pPr>
-              <a:lnSpc>
-                <a:spcPct val="90000"/>
-              </a:lnSpc>
-            </a:pPr>
-            <a:r>
-              <a:rPr lang="en-US" sz="2400" strike="noStrike">
-                <a:solidFill>
-                  <a:srgbClr val="000000"/>
-                </a:solidFill>
-                <a:latin typeface="Calibri"/>
-                <a:ea typeface="DejaVu Sans"/>
-              </a:rPr>
-              <a:t>Example</a:t>
-            </a:r>
-            <a:endParaRPr/>
-          </a:p>
-          <a:p>
-            <a:pPr>
-              <a:lnSpc>
-                <a:spcPct val="90000"/>
-              </a:lnSpc>
-            </a:pPr>
-            <a:r>
-              <a:rPr lang="en-US" sz="2400" strike="noStrike">
-                <a:solidFill>
-                  <a:srgbClr val="000000"/>
-                </a:solidFill>
-                <a:latin typeface="Calibri"/>
-                <a:ea typeface="DejaVu Sans"/>
-              </a:rPr>
-              <a:t>all: </a:t>
-            </a:r>
-            <a:endParaRPr/>
-          </a:p>
-          <a:p>
-            <a:pPr>
-              <a:lnSpc>
-                <a:spcPct val="90000"/>
-              </a:lnSpc>
-            </a:pPr>
-            <a:r>
-              <a:rPr lang="en-US" sz="2400" strike="noStrike">
-                <a:solidFill>
-                  <a:srgbClr val="000000"/>
-                </a:solidFill>
-                <a:latin typeface="Calibri"/>
-                <a:ea typeface="DejaVu Sans"/>
-              </a:rPr>
-              <a:t>	</a:t>
-            </a:r>
-            <a:r>
-              <a:rPr lang="en-US" sz="2400" strike="noStrike">
-                <a:solidFill>
-                  <a:srgbClr val="000000"/>
-                </a:solidFill>
-                <a:latin typeface="Calibri"/>
-                <a:ea typeface="DejaVu Sans"/>
-              </a:rPr>
-              <a:t>gcc -Wall -Werror -fsanitize=address first.c -o first</a:t>
-            </a:r>
-            <a:endParaRPr/>
-          </a:p>
-          <a:p>
-            <a:pPr>
-              <a:lnSpc>
-                <a:spcPct val="90000"/>
-              </a:lnSpc>
-            </a:pPr>
-            <a:endParaRPr/>
+            <a:endParaRPr dirty="0"/>
           </a:p>
         </p:txBody>
       </p:sp>
     </p:spTree>
   </p:cSld>
+  <p:clrMapOvr>
+    <a:masterClrMapping/>
+  </p:clrMapOvr>
   <p:timing>
     <p:tnLst>
       <p:par>
-        <p:cTn id="7" dur="indefinite" restart="never" nodeType="tmRoot">
+        <p:cTn id="1" dur="indefinite" restart="never" nodeType="tmRoot">
           <p:childTnLst>
             <p:seq>
-              <p:cTn id="8" nodeType="mainSeq"/>
+              <p:cTn id="2" nodeType="mainSeq"/>
               <p:prevCondLst>
-                <p:cond delay="0" evt="onPrev">
+                <p:cond evt="onPrev" delay="0">
                   <p:tgtEl>
                     <p:sldTgt/>
                   </p:tgtEl>
                 </p:cond>
               </p:prevCondLst>
               <p:nextCondLst>
-                <p:cond delay="0" evt="onNext">
+                <p:cond evt="onNext" delay="0">
                   <p:tgtEl>
                     <p:sldTgt/>
                   </p:tgtEl>
@@ -4754,7 +6041,7 @@
 </file>
 
 <file path=ppt/slides/slide5.xml><?xml version="1.0" encoding="utf-8"?>
-<p:sld xmlns:a="http://schemas.openxmlformats.org/drawingml/2006/main" xmlns:p="http://schemas.openxmlformats.org/presentationml/2006/main" xmlns:r="http://schemas.openxmlformats.org/officeDocument/2006/relationships">
+<p:sld xmlns:a="http://schemas.openxmlformats.org/drawingml/2006/main" xmlns:r="http://schemas.openxmlformats.org/officeDocument/2006/relationships" xmlns:p="http://schemas.openxmlformats.org/presentationml/2006/main">
   <p:cSld>
     <p:spTree>
       <p:nvGrpSpPr>
@@ -4790,13 +6077,20 @@
           </a:ln>
         </p:spPr>
         <p:style>
-          <a:lnRef idx="0"/>
-          <a:fillRef idx="0"/>
-          <a:effectRef idx="0"/>
+          <a:lnRef idx="0">
+            <a:scrgbClr r="0" g="0" b="0"/>
+          </a:lnRef>
+          <a:fillRef idx="0">
+            <a:scrgbClr r="0" g="0" b="0"/>
+          </a:fillRef>
+          <a:effectRef idx="0">
+            <a:scrgbClr r="0" g="0" b="0"/>
+          </a:effectRef>
           <a:fontRef idx="minor"/>
         </p:style>
         <p:txBody>
-          <a:bodyPr lIns="90000" rIns="90000" tIns="45000" bIns="45000" anchor="ctr"/>
+          <a:bodyPr lIns="90000" tIns="45000" rIns="90000" bIns="45000" anchor="ctr"/>
+          <a:lstStyle/>
           <a:p>
             <a:pPr>
               <a:lnSpc>
@@ -4804,16 +6098,26 @@
               </a:lnSpc>
             </a:pPr>
             <a:r>
-              <a:rPr b="1" lang="en-US" sz="4400" strike="noStrike">
-                <a:solidFill>
-                  <a:srgbClr val="dc2300"/>
+              <a:rPr lang="en-US" sz="4400" b="1" strike="noStrike" dirty="0">
+                <a:solidFill>
+                  <a:srgbClr val="DC2300"/>
                 </a:solidFill>
                 <a:latin typeface="Calibri Light"/>
                 <a:ea typeface="DejaVu Sans"/>
               </a:rPr>
-              <a:t>Help on Makefile</a:t>
-            </a:r>
-            <a:endParaRPr/>
+              <a:t>Help on </a:t>
+            </a:r>
+            <a:r>
+              <a:rPr lang="en-US" sz="4400" b="1" strike="noStrike" dirty="0" err="1">
+                <a:solidFill>
+                  <a:srgbClr val="DC2300"/>
+                </a:solidFill>
+                <a:latin typeface="Calibri Light"/>
+                <a:ea typeface="DejaVu Sans"/>
+              </a:rPr>
+              <a:t>Makefile</a:t>
+            </a:r>
+            <a:endParaRPr dirty="0"/>
           </a:p>
         </p:txBody>
       </p:sp>
@@ -4837,13 +6141,20 @@
           </a:ln>
         </p:spPr>
         <p:style>
-          <a:lnRef idx="0"/>
-          <a:fillRef idx="0"/>
-          <a:effectRef idx="0"/>
+          <a:lnRef idx="0">
+            <a:scrgbClr r="0" g="0" b="0"/>
+          </a:lnRef>
+          <a:fillRef idx="0">
+            <a:scrgbClr r="0" g="0" b="0"/>
+          </a:fillRef>
+          <a:effectRef idx="0">
+            <a:scrgbClr r="0" g="0" b="0"/>
+          </a:effectRef>
           <a:fontRef idx="minor"/>
         </p:style>
         <p:txBody>
-          <a:bodyPr lIns="90000" rIns="90000" tIns="45000" bIns="45000"/>
+          <a:bodyPr lIns="90000" tIns="45000" rIns="90000" bIns="45000"/>
+          <a:lstStyle/>
           <a:p>
             <a:pPr>
               <a:lnSpc>
@@ -4851,16 +6162,26 @@
               </a:lnSpc>
             </a:pPr>
             <a:r>
-              <a:rPr lang="en-US" sz="2400" strike="noStrike">
-                <a:solidFill>
-                  <a:srgbClr val="000000"/>
-                </a:solidFill>
-                <a:latin typeface="Calibri"/>
-                <a:ea typeface="DejaVu Sans"/>
-              </a:rPr>
-              <a:t>Youtube : https://www.youtube.com/watch?v=kGGE8mtrbrM </a:t>
-            </a:r>
-            <a:endParaRPr/>
+              <a:rPr lang="en-US" sz="2400" strike="noStrike" dirty="0" err="1">
+                <a:solidFill>
+                  <a:srgbClr val="000000"/>
+                </a:solidFill>
+                <a:latin typeface="Calibri"/>
+                <a:ea typeface="DejaVu Sans"/>
+              </a:rPr>
+              <a:t>Youtube</a:t>
+            </a:r>
+            <a:r>
+              <a:rPr lang="en-US" sz="2400" strike="noStrike" dirty="0">
+                <a:solidFill>
+                  <a:srgbClr val="000000"/>
+                </a:solidFill>
+                <a:latin typeface="Calibri"/>
+                <a:ea typeface="DejaVu Sans"/>
+              </a:rPr>
+              <a:t> : https://www.youtube.com/watch?v=kGGE8mtrbrM </a:t>
+            </a:r>
+            <a:endParaRPr dirty="0"/>
           </a:p>
           <a:p>
             <a:pPr>
@@ -4869,7 +6190,7 @@
               </a:lnSpc>
             </a:pPr>
             <a:r>
-              <a:rPr lang="en-US" sz="2400" strike="noStrike">
+              <a:rPr lang="en-US" sz="2400" strike="noStrike" dirty="0">
                 <a:solidFill>
                   <a:srgbClr val="000000"/>
                 </a:solidFill>
@@ -4878,7 +6199,7 @@
               </a:rPr>
               <a:t>Blog : http://mrbook.org/blog/tutorials/make/</a:t>
             </a:r>
-            <a:endParaRPr/>
+            <a:endParaRPr dirty="0"/>
           </a:p>
           <a:p>
             <a:pPr>
@@ -4886,7 +6207,7 @@
                 <a:spcPct val="90000"/>
               </a:lnSpc>
             </a:pPr>
-            <a:endParaRPr/>
+            <a:endParaRPr dirty="0"/>
           </a:p>
           <a:p>
             <a:pPr>
@@ -4895,7 +6216,7 @@
               </a:lnSpc>
             </a:pPr>
             <a:r>
-              <a:rPr lang="en-US" strike="noStrike">
+              <a:rPr lang="en-US" strike="noStrike" dirty="0">
                 <a:solidFill>
                   <a:srgbClr val="000000"/>
                 </a:solidFill>
@@ -4904,7 +6225,109 @@
               </a:rPr>
               <a:t>Please remember the following tips:</a:t>
             </a:r>
-            <a:endParaRPr/>
+            <a:endParaRPr dirty="0"/>
+          </a:p>
+          <a:p>
+            <a:pPr marL="285750" indent="-285750">
+              <a:lnSpc>
+                <a:spcPct val="90000"/>
+              </a:lnSpc>
+              <a:buSzPct val="45000"/>
+              <a:buFont typeface="Wingdings" panose="05000000000000000000" pitchFamily="2" charset="2"/>
+              <a:buChar char="§"/>
+            </a:pPr>
+            <a:r>
+              <a:rPr lang="en-US" strike="noStrike" dirty="0" err="1">
+                <a:solidFill>
+                  <a:srgbClr val="000000"/>
+                </a:solidFill>
+                <a:latin typeface="Calibri"/>
+                <a:ea typeface="DejaVu Sans"/>
+              </a:rPr>
+              <a:t>Makefile</a:t>
+            </a:r>
+            <a:r>
+              <a:rPr lang="en-US" strike="noStrike" dirty="0">
+                <a:solidFill>
+                  <a:srgbClr val="000000"/>
+                </a:solidFill>
+                <a:latin typeface="Calibri"/>
+                <a:ea typeface="DejaVu Sans"/>
+              </a:rPr>
+              <a:t> doesn't have any </a:t>
+            </a:r>
+            <a:r>
+              <a:rPr lang="en-US" b="1" strike="noStrike" dirty="0">
+                <a:solidFill>
+                  <a:srgbClr val="FF0000"/>
+                </a:solidFill>
+                <a:latin typeface="Calibri"/>
+                <a:ea typeface="DejaVu Sans"/>
+              </a:rPr>
+              <a:t>file extension</a:t>
+            </a:r>
+            <a:endParaRPr dirty="0"/>
+          </a:p>
+          <a:p>
+            <a:pPr marL="285750" indent="-285750">
+              <a:lnSpc>
+                <a:spcPct val="90000"/>
+              </a:lnSpc>
+              <a:buSzPct val="45000"/>
+              <a:buFont typeface="Wingdings" panose="05000000000000000000" pitchFamily="2" charset="2"/>
+              <a:buChar char="§"/>
+            </a:pPr>
+            <a:r>
+              <a:rPr lang="en-US" strike="noStrike" dirty="0">
+                <a:solidFill>
+                  <a:srgbClr val="000000"/>
+                </a:solidFill>
+                <a:latin typeface="Calibri"/>
+                <a:ea typeface="DejaVu Sans"/>
+              </a:rPr>
+              <a:t>Default name of the </a:t>
+            </a:r>
+            <a:r>
+              <a:rPr lang="en-US" strike="noStrike" dirty="0" err="1">
+                <a:solidFill>
+                  <a:srgbClr val="000000"/>
+                </a:solidFill>
+                <a:latin typeface="Calibri"/>
+                <a:ea typeface="DejaVu Sans"/>
+              </a:rPr>
+              <a:t>Makefile</a:t>
+            </a:r>
+            <a:r>
+              <a:rPr lang="en-US" strike="noStrike" dirty="0">
+                <a:solidFill>
+                  <a:srgbClr val="000000"/>
+                </a:solidFill>
+                <a:latin typeface="Calibri"/>
+                <a:ea typeface="DejaVu Sans"/>
+              </a:rPr>
+              <a:t> for any project is </a:t>
+            </a:r>
+            <a:r>
+              <a:rPr lang="en-US" b="1" strike="noStrike" dirty="0" err="1">
+                <a:solidFill>
+                  <a:srgbClr val="DC2300"/>
+                </a:solidFill>
+                <a:latin typeface="Calibri"/>
+                <a:ea typeface="DejaVu Sans"/>
+              </a:rPr>
+              <a:t>Makefile</a:t>
+            </a:r>
+            <a:r>
+              <a:rPr lang="en-US" strike="noStrike" dirty="0">
+                <a:solidFill>
+                  <a:srgbClr val="000000"/>
+                </a:solidFill>
+                <a:latin typeface="Calibri"/>
+                <a:ea typeface="DejaVu Sans"/>
+              </a:rPr>
+              <a:t> (it is not strict but recommended)</a:t>
+            </a:r>
+            <a:endParaRPr dirty="0"/>
           </a:p>
           <a:p>
             <a:pPr>
@@ -4912,54 +6335,72 @@
                 <a:spcPct val="90000"/>
               </a:lnSpc>
               <a:buSzPct val="45000"/>
-              <a:buFont typeface="StarSymbol"/>
-              <a:buChar char=""/>
-            </a:pPr>
-            <a:r>
-              <a:rPr lang="en-US" strike="noStrike">
-                <a:solidFill>
-                  <a:srgbClr val="000000"/>
-                </a:solidFill>
-                <a:latin typeface="Calibri"/>
-                <a:ea typeface="DejaVu Sans"/>
-              </a:rPr>
-              <a:t>Makefile doesn't have any </a:t>
-            </a:r>
-            <a:r>
-              <a:rPr b="1" lang="en-US" strike="noStrike">
-                <a:solidFill>
-                  <a:srgbClr val="ff0000"/>
-                </a:solidFill>
-                <a:latin typeface="Calibri"/>
-                <a:ea typeface="DejaVu Sans"/>
-              </a:rPr>
-              <a:t>file extension</a:t>
-            </a:r>
-            <a:endParaRPr/>
-          </a:p>
-          <a:p>
-            <a:pPr>
+            </a:pPr>
+            <a:r>
+              <a:rPr lang="en-US" b="1" strike="noStrike" dirty="0">
+                <a:solidFill>
+                  <a:srgbClr val="DC2300"/>
+                </a:solidFill>
+                <a:latin typeface="Calibri"/>
+                <a:ea typeface="DejaVu Sans"/>
+              </a:rPr>
+              <a:t>TAB</a:t>
+            </a:r>
+            <a:r>
+              <a:rPr lang="en-US" strike="noStrike" dirty="0">
+                <a:solidFill>
+                  <a:srgbClr val="800000"/>
+                </a:solidFill>
+                <a:latin typeface="Calibri"/>
+                <a:ea typeface="DejaVu Sans"/>
+              </a:rPr>
+              <a:t> </a:t>
+            </a:r>
+            <a:r>
+              <a:rPr lang="en-US" strike="noStrike" dirty="0">
+                <a:solidFill>
+                  <a:srgbClr val="000000"/>
+                </a:solidFill>
+                <a:latin typeface="Calibri"/>
+                <a:ea typeface="DejaVu Sans"/>
+              </a:rPr>
+              <a:t>must be placed before each command written in </a:t>
+            </a:r>
+            <a:r>
+              <a:rPr lang="en-US" strike="noStrike" dirty="0" err="1">
+                <a:solidFill>
+                  <a:srgbClr val="000000"/>
+                </a:solidFill>
+                <a:latin typeface="Calibri"/>
+                <a:ea typeface="DejaVu Sans"/>
+              </a:rPr>
+              <a:t>Makefile</a:t>
+            </a:r>
+            <a:endParaRPr dirty="0"/>
+          </a:p>
+          <a:p>
+            <a:pPr marL="285750" indent="-285750">
               <a:lnSpc>
                 <a:spcPct val="90000"/>
               </a:lnSpc>
               <a:buSzPct val="45000"/>
-              <a:buFont typeface="StarSymbol"/>
-              <a:buChar char=""/>
-            </a:pPr>
-            <a:r>
-              <a:rPr lang="en-US" strike="noStrike">
-                <a:solidFill>
-                  <a:srgbClr val="000000"/>
-                </a:solidFill>
-                <a:latin typeface="Calibri"/>
-                <a:ea typeface="DejaVu Sans"/>
-              </a:rPr>
-              <a:t>Default name of the Makefile for any project is </a:t>
-            </a:r>
-            <a:r>
-              <a:rPr b="1" lang="en-US" strike="noStrike">
-                <a:solidFill>
-                  <a:srgbClr val="dc2300"/>
+              <a:buFont typeface="Wingdings" panose="05000000000000000000" pitchFamily="2" charset="2"/>
+              <a:buChar char="§"/>
+            </a:pPr>
+            <a:r>
+              <a:rPr lang="en-US" strike="noStrike" dirty="0">
+                <a:solidFill>
+                  <a:srgbClr val="000000"/>
+                </a:solidFill>
+                <a:latin typeface="Calibri"/>
+                <a:ea typeface="DejaVu Sans"/>
+              </a:rPr>
+              <a:t>If you do not place TAB correctly in your </a:t>
+            </a:r>
+            <a:r>
+              <a:rPr lang="en-US" strike="noStrike" dirty="0" err="1">
+                <a:solidFill>
+                  <a:srgbClr val="000000"/>
                 </a:solidFill>
                 <a:latin typeface="Calibri"/>
                 <a:ea typeface="DejaVu Sans"/>
@@ -4967,132 +6408,90 @@
               <a:t>Makefile</a:t>
             </a:r>
             <a:r>
-              <a:rPr lang="en-US" strike="noStrike">
-                <a:solidFill>
-                  <a:srgbClr val="000000"/>
-                </a:solidFill>
-                <a:latin typeface="Calibri"/>
-                <a:ea typeface="DejaVu Sans"/>
-              </a:rPr>
-              <a:t> (it is not strict but recommended)</a:t>
-            </a:r>
-            <a:endParaRPr/>
-          </a:p>
-          <a:p>
-            <a:pPr>
+              <a:rPr lang="en-US" strike="noStrike" dirty="0">
+                <a:solidFill>
+                  <a:srgbClr val="000000"/>
+                </a:solidFill>
+                <a:latin typeface="Calibri"/>
+                <a:ea typeface="DejaVu Sans"/>
+              </a:rPr>
+              <a:t>, you may encounter errors.</a:t>
+            </a:r>
+            <a:endParaRPr dirty="0"/>
+          </a:p>
+          <a:p>
+            <a:pPr marL="285750" indent="-285750">
               <a:lnSpc>
                 <a:spcPct val="90000"/>
               </a:lnSpc>
               <a:buSzPct val="45000"/>
-              <a:buFont typeface="StarSymbol"/>
-              <a:buChar char=""/>
-            </a:pPr>
-            <a:r>
-              <a:rPr b="1" lang="en-US" strike="noStrike">
-                <a:solidFill>
-                  <a:srgbClr val="dc2300"/>
-                </a:solidFill>
-                <a:latin typeface="Calibri"/>
-                <a:ea typeface="DejaVu Sans"/>
-              </a:rPr>
-              <a:t>TAB</a:t>
-            </a:r>
-            <a:r>
-              <a:rPr lang="en-US" strike="noStrike">
-                <a:solidFill>
-                  <a:srgbClr val="800000"/>
-                </a:solidFill>
-                <a:latin typeface="Calibri"/>
-                <a:ea typeface="DejaVu Sans"/>
-              </a:rPr>
-              <a:t> </a:t>
-            </a:r>
-            <a:r>
-              <a:rPr lang="en-US" strike="noStrike">
-                <a:solidFill>
-                  <a:srgbClr val="000000"/>
-                </a:solidFill>
-                <a:latin typeface="Calibri"/>
-                <a:ea typeface="DejaVu Sans"/>
-              </a:rPr>
-              <a:t>must be placed before each command written in Makefile</a:t>
-            </a:r>
-            <a:endParaRPr/>
-          </a:p>
-          <a:p>
-            <a:pPr>
+              <a:buFont typeface="Wingdings" panose="05000000000000000000" pitchFamily="2" charset="2"/>
+              <a:buChar char="§"/>
+            </a:pPr>
+            <a:r>
+              <a:rPr lang="en-US" strike="noStrike" dirty="0">
+                <a:solidFill>
+                  <a:srgbClr val="000000"/>
+                </a:solidFill>
+                <a:latin typeface="Calibri"/>
+                <a:ea typeface="DejaVu Sans"/>
+              </a:rPr>
+              <a:t>You can check the TAB key in any editor.</a:t>
+            </a:r>
+            <a:endParaRPr dirty="0"/>
+          </a:p>
+          <a:p>
+            <a:pPr marL="1200150" lvl="2" indent="-285750">
               <a:lnSpc>
                 <a:spcPct val="90000"/>
               </a:lnSpc>
               <a:buSzPct val="45000"/>
-              <a:buFont typeface="StarSymbol"/>
-              <a:buChar char=""/>
-            </a:pPr>
-            <a:r>
-              <a:rPr lang="en-US" strike="noStrike">
-                <a:solidFill>
-                  <a:srgbClr val="000000"/>
-                </a:solidFill>
-                <a:latin typeface="Calibri"/>
-                <a:ea typeface="DejaVu Sans"/>
-              </a:rPr>
-              <a:t>If you do not place TAB correctly in your Makefile, you may encounter errors.</a:t>
-            </a:r>
-            <a:endParaRPr/>
-          </a:p>
-          <a:p>
-            <a:pPr>
+              <a:buFont typeface="Wingdings" panose="05000000000000000000" pitchFamily="2" charset="2"/>
+              <a:buChar char="§"/>
+            </a:pPr>
+            <a:r>
+              <a:rPr lang="en-US" strike="noStrike" dirty="0">
+                <a:solidFill>
+                  <a:srgbClr val="000000"/>
+                </a:solidFill>
+                <a:latin typeface="Calibri"/>
+                <a:ea typeface="DejaVu Sans"/>
+              </a:rPr>
+              <a:t>In Linux/Mac, open your </a:t>
+            </a:r>
+            <a:r>
+              <a:rPr lang="en-US" strike="noStrike" dirty="0" err="1">
+                <a:solidFill>
+                  <a:srgbClr val="000000"/>
+                </a:solidFill>
+                <a:latin typeface="Calibri"/>
+                <a:ea typeface="DejaVu Sans"/>
+              </a:rPr>
+              <a:t>Makefile</a:t>
+            </a:r>
+            <a:r>
+              <a:rPr lang="en-US" strike="noStrike" dirty="0">
+                <a:solidFill>
+                  <a:srgbClr val="000000"/>
+                </a:solidFill>
+                <a:latin typeface="Calibri"/>
+                <a:ea typeface="DejaVu Sans"/>
+              </a:rPr>
+              <a:t> in vim editor then press ESC then type "set list" and hit ENTER. It should show the TAB as "^I". </a:t>
+            </a:r>
+            <a:endParaRPr dirty="0"/>
+          </a:p>
+          <a:p>
+            <a:pPr marL="1200150" lvl="2" indent="-285750">
               <a:lnSpc>
                 <a:spcPct val="90000"/>
               </a:lnSpc>
               <a:buSzPct val="45000"/>
-              <a:buFont typeface="StarSymbol"/>
-              <a:buChar char=""/>
-            </a:pPr>
-            <a:r>
-              <a:rPr lang="en-US" strike="noStrike">
-                <a:solidFill>
-                  <a:srgbClr val="000000"/>
-                </a:solidFill>
-                <a:latin typeface="Calibri"/>
-                <a:ea typeface="DejaVu Sans"/>
-              </a:rPr>
-              <a:t>You can check the TAB key in any editor.</a:t>
-            </a:r>
-            <a:endParaRPr/>
-          </a:p>
-          <a:p>
-            <a:pPr lvl="2">
-              <a:lnSpc>
-                <a:spcPct val="90000"/>
-              </a:lnSpc>
-              <a:buSzPct val="45000"/>
-              <a:buFont typeface="StarSymbol"/>
-              <a:buChar char=""/>
-            </a:pPr>
-            <a:r>
-              <a:rPr lang="en-US" strike="noStrike">
-                <a:solidFill>
-                  <a:srgbClr val="000000"/>
-                </a:solidFill>
-                <a:latin typeface="Calibri"/>
-                <a:ea typeface="DejaVu Sans"/>
-              </a:rPr>
-              <a:t>In Linux/Mac, open your Makefile in vim editor then press ESC then type "set list" and hit ENTER. It should show the TAB as "^I". </a:t>
-            </a:r>
-            <a:endParaRPr/>
-          </a:p>
-          <a:p>
-            <a:pPr lvl="2">
-              <a:lnSpc>
-                <a:spcPct val="90000"/>
-              </a:lnSpc>
-              <a:buSzPct val="45000"/>
-              <a:buFont typeface="StarSymbol"/>
-              <a:buChar char=""/>
-            </a:pPr>
-            <a:r>
-              <a:rPr lang="en-US" strike="noStrike">
+              <a:buFont typeface="Wingdings" panose="05000000000000000000" pitchFamily="2" charset="2"/>
+              <a:buChar char="§"/>
+            </a:pPr>
+            <a:r>
+              <a:rPr lang="en-US" strike="noStrike" dirty="0">
                 <a:solidFill>
                   <a:srgbClr val="000000"/>
                 </a:solidFill>
@@ -5101,28 +6500,31 @@
               </a:rPr>
               <a:t>In Windows, open your file using Notepad++ editor. Then go to View --&gt; Show Symbol --&gt; Show All Characters. In place of TAB, you should see "--------&gt;". If you don't see this characters in place of TAB, then you should correct your make file.</a:t>
             </a:r>
-            <a:endParaRPr/>
+            <a:endParaRPr dirty="0"/>
           </a:p>
         </p:txBody>
       </p:sp>
     </p:spTree>
   </p:cSld>
+  <p:clrMapOvr>
+    <a:masterClrMapping/>
+  </p:clrMapOvr>
   <p:timing>
     <p:tnLst>
       <p:par>
-        <p:cTn id="9" dur="indefinite" restart="never" nodeType="tmRoot">
+        <p:cTn id="1" dur="indefinite" restart="never" nodeType="tmRoot">
           <p:childTnLst>
             <p:seq>
-              <p:cTn id="10" nodeType="mainSeq"/>
+              <p:cTn id="2" nodeType="mainSeq"/>
               <p:prevCondLst>
-                <p:cond delay="0" evt="onPrev">
+                <p:cond evt="onPrev" delay="0">
                   <p:tgtEl>
                     <p:sldTgt/>
                   </p:tgtEl>
                 </p:cond>
               </p:prevCondLst>
               <p:nextCondLst>
-                <p:cond delay="0" evt="onNext">
+                <p:cond evt="onNext" delay="0">
                   <p:tgtEl>
                     <p:sldTgt/>
                   </p:tgtEl>
@@ -5138,7 +6540,7 @@
 </file>
 
 <file path=ppt/slides/slide6.xml><?xml version="1.0" encoding="utf-8"?>
-<p:sld xmlns:a="http://schemas.openxmlformats.org/drawingml/2006/main" xmlns:p="http://schemas.openxmlformats.org/presentationml/2006/main" xmlns:r="http://schemas.openxmlformats.org/officeDocument/2006/relationships">
+<p:sld xmlns:a="http://schemas.openxmlformats.org/drawingml/2006/main" xmlns:r="http://schemas.openxmlformats.org/officeDocument/2006/relationships" xmlns:p="http://schemas.openxmlformats.org/presentationml/2006/main">
   <p:cSld>
     <p:spTree>
       <p:nvGrpSpPr>
@@ -5174,13 +6576,20 @@
           </a:ln>
         </p:spPr>
         <p:style>
-          <a:lnRef idx="0"/>
-          <a:fillRef idx="0"/>
-          <a:effectRef idx="0"/>
+          <a:lnRef idx="0">
+            <a:scrgbClr r="0" g="0" b="0"/>
+          </a:lnRef>
+          <a:fillRef idx="0">
+            <a:scrgbClr r="0" g="0" b="0"/>
+          </a:fillRef>
+          <a:effectRef idx="0">
+            <a:scrgbClr r="0" g="0" b="0"/>
+          </a:effectRef>
           <a:fontRef idx="minor"/>
         </p:style>
         <p:txBody>
-          <a:bodyPr lIns="90000" rIns="90000" tIns="45000" bIns="45000" anchor="ctr"/>
+          <a:bodyPr lIns="90000" tIns="45000" rIns="90000" bIns="45000" anchor="ctr"/>
+          <a:lstStyle/>
           <a:p>
             <a:pPr>
               <a:lnSpc>
@@ -5188,16 +6597,16 @@
               </a:lnSpc>
             </a:pPr>
             <a:r>
-              <a:rPr b="1" lang="en-US" sz="4400" strike="noStrike">
-                <a:solidFill>
-                  <a:srgbClr val="dc2300"/>
+              <a:rPr lang="en-US" sz="4400" b="1" strike="noStrike" dirty="0">
+                <a:solidFill>
+                  <a:srgbClr val="DC2300"/>
                 </a:solidFill>
                 <a:latin typeface="Calibri Light"/>
                 <a:ea typeface="DejaVu Sans"/>
               </a:rPr>
               <a:t>Run Auto Grader - 1</a:t>
             </a:r>
-            <a:endParaRPr/>
+            <a:endParaRPr dirty="0"/>
           </a:p>
         </p:txBody>
       </p:sp>
@@ -5209,8 +6618,8 @@
         </p:nvSpPr>
         <p:spPr>
           <a:xfrm>
-            <a:off x="628560" y="1249560"/>
-            <a:ext cx="3577680" cy="4586040"/>
+            <a:off x="628560" y="1249559"/>
+            <a:ext cx="3577680" cy="5317495"/>
           </a:xfrm>
           <a:prstGeom prst="rect">
             <a:avLst/>
@@ -5218,18 +6627,25 @@
           <a:noFill/>
           <a:ln>
             <a:solidFill>
-              <a:srgbClr val="3465a4"/>
+              <a:srgbClr val="3465A4"/>
             </a:solidFill>
           </a:ln>
         </p:spPr>
         <p:style>
-          <a:lnRef idx="0"/>
-          <a:fillRef idx="0"/>
-          <a:effectRef idx="0"/>
+          <a:lnRef idx="0">
+            <a:scrgbClr r="0" g="0" b="0"/>
+          </a:lnRef>
+          <a:fillRef idx="0">
+            <a:scrgbClr r="0" g="0" b="0"/>
+          </a:fillRef>
+          <a:effectRef idx="0">
+            <a:scrgbClr r="0" g="0" b="0"/>
+          </a:effectRef>
           <a:fontRef idx="minor"/>
         </p:style>
         <p:txBody>
-          <a:bodyPr lIns="90000" rIns="90000" tIns="45000" bIns="45000"/>
+          <a:bodyPr lIns="90000" tIns="45000" rIns="90000" bIns="45000"/>
+          <a:lstStyle/>
           <a:p>
             <a:pPr>
               <a:lnSpc>
@@ -5237,7 +6653,7 @@
               </a:lnSpc>
             </a:pPr>
             <a:r>
-              <a:rPr lang="en-US" sz="2600" strike="noStrike">
+              <a:rPr lang="en-US" sz="2600" strike="noStrike" dirty="0">
                 <a:solidFill>
                   <a:srgbClr val="000000"/>
                 </a:solidFill>
@@ -5246,7 +6662,7 @@
               </a:rPr>
               <a:t>pa1</a:t>
             </a:r>
-            <a:endParaRPr/>
+            <a:endParaRPr dirty="0"/>
           </a:p>
           <a:p>
             <a:pPr>
@@ -5255,26 +6671,16 @@
               </a:lnSpc>
             </a:pPr>
             <a:r>
-              <a:rPr lang="en-US" strike="noStrike">
-                <a:solidFill>
-                  <a:srgbClr val="000000"/>
-                </a:solidFill>
-                <a:latin typeface="Calibri"/>
-                <a:ea typeface="DejaVu Sans"/>
-              </a:rPr>
-              <a:t>	</a:t>
-            </a:r>
-            <a:r>
-              <a:rPr lang="en-US" strike="noStrike">
-                <a:solidFill>
-                  <a:srgbClr val="000000"/>
-                </a:solidFill>
-                <a:latin typeface="Calibri"/>
-                <a:ea typeface="DejaVu Sans"/>
-              </a:rPr>
-              <a:t>|- first</a:t>
-            </a:r>
-            <a:endParaRPr/>
+              <a:rPr lang="en-US" strike="noStrike" dirty="0">
+                <a:solidFill>
+                  <a:srgbClr val="000000"/>
+                </a:solidFill>
+                <a:latin typeface="Calibri"/>
+                <a:ea typeface="DejaVu Sans"/>
+              </a:rPr>
+              <a:t>	|- first</a:t>
+            </a:r>
+            <a:endParaRPr dirty="0"/>
           </a:p>
           <a:p>
             <a:pPr>
@@ -5283,36 +6689,26 @@
               </a:lnSpc>
             </a:pPr>
             <a:r>
-              <a:rPr lang="en-US" strike="noStrike">
-                <a:solidFill>
-                  <a:srgbClr val="000000"/>
-                </a:solidFill>
-                <a:latin typeface="Calibri"/>
-                <a:ea typeface="DejaVu Sans"/>
-              </a:rPr>
-              <a:t>	</a:t>
-            </a:r>
-            <a:r>
-              <a:rPr lang="en-US" strike="noStrike">
-                <a:solidFill>
-                  <a:srgbClr val="000000"/>
-                </a:solidFill>
-                <a:latin typeface="Calibri"/>
-                <a:ea typeface="DejaVu Sans"/>
-              </a:rPr>
-              <a:t>	</a:t>
-            </a:r>
-            <a:r>
-              <a:rPr lang="en-US" strike="noStrike">
-                <a:solidFill>
-                  <a:srgbClr val="000000"/>
-                </a:solidFill>
-                <a:latin typeface="Calibri"/>
-                <a:ea typeface="DejaVu Sans"/>
-              </a:rPr>
-              <a:t>|-- first.c</a:t>
-            </a:r>
-            <a:endParaRPr/>
+              <a:rPr lang="en-US" strike="noStrike" dirty="0">
+                <a:solidFill>
+                  <a:srgbClr val="000000"/>
+                </a:solidFill>
+                <a:latin typeface="Calibri"/>
+                <a:ea typeface="DejaVu Sans"/>
+              </a:rPr>
+              <a:t>		|-- </a:t>
+            </a:r>
+            <a:r>
+              <a:rPr lang="en-US" strike="noStrike" dirty="0" err="1">
+                <a:solidFill>
+                  <a:srgbClr val="000000"/>
+                </a:solidFill>
+                <a:latin typeface="Calibri"/>
+                <a:ea typeface="DejaVu Sans"/>
+              </a:rPr>
+              <a:t>first.c</a:t>
+            </a:r>
+            <a:endParaRPr dirty="0"/>
           </a:p>
           <a:p>
             <a:pPr>
@@ -5321,36 +6717,36 @@
               </a:lnSpc>
             </a:pPr>
             <a:r>
-              <a:rPr lang="en-US" strike="noStrike">
-                <a:solidFill>
-                  <a:srgbClr val="000000"/>
-                </a:solidFill>
-                <a:latin typeface="Calibri"/>
-                <a:ea typeface="DejaVu Sans"/>
-              </a:rPr>
-              <a:t>	</a:t>
-            </a:r>
-            <a:r>
-              <a:rPr lang="en-US" strike="noStrike">
-                <a:solidFill>
-                  <a:srgbClr val="000000"/>
-                </a:solidFill>
-                <a:latin typeface="Calibri"/>
-                <a:ea typeface="DejaVu Sans"/>
-              </a:rPr>
-              <a:t>	</a:t>
-            </a:r>
-            <a:r>
-              <a:rPr lang="en-US" strike="noStrike">
-                <a:solidFill>
-                  <a:srgbClr val="000000"/>
-                </a:solidFill>
-                <a:latin typeface="Calibri"/>
-                <a:ea typeface="DejaVu Sans"/>
-              </a:rPr>
-              <a:t>|-- first.h (if used)</a:t>
-            </a:r>
-            <a:endParaRPr/>
+              <a:rPr lang="en-US" strike="noStrike" dirty="0">
+                <a:solidFill>
+                  <a:srgbClr val="000000"/>
+                </a:solidFill>
+                <a:latin typeface="Calibri"/>
+                <a:ea typeface="DejaVu Sans"/>
+              </a:rPr>
+              <a:t>		|-- </a:t>
+            </a:r>
+            <a:r>
+              <a:rPr lang="en-US" strike="noStrike" dirty="0" err="1">
+                <a:solidFill>
+                  <a:srgbClr val="000000"/>
+                </a:solidFill>
+                <a:latin typeface="Calibri"/>
+                <a:ea typeface="DejaVu Sans"/>
+              </a:rPr>
+              <a:t>first.h</a:t>
+            </a:r>
+            <a:r>
+              <a:rPr lang="en-US" strike="noStrike" dirty="0">
+                <a:solidFill>
+                  <a:srgbClr val="000000"/>
+                </a:solidFill>
+                <a:latin typeface="Calibri"/>
+                <a:ea typeface="DejaVu Sans"/>
+              </a:rPr>
+              <a:t> (if used)</a:t>
+            </a:r>
+            <a:endParaRPr dirty="0"/>
           </a:p>
           <a:p>
             <a:pPr>
@@ -5359,36 +6755,26 @@
               </a:lnSpc>
             </a:pPr>
             <a:r>
-              <a:rPr lang="en-US" strike="noStrike">
-                <a:solidFill>
-                  <a:srgbClr val="000000"/>
-                </a:solidFill>
-                <a:latin typeface="Calibri"/>
-                <a:ea typeface="DejaVu Sans"/>
-              </a:rPr>
-              <a:t>	</a:t>
-            </a:r>
-            <a:r>
-              <a:rPr lang="en-US" strike="noStrike">
-                <a:solidFill>
-                  <a:srgbClr val="000000"/>
-                </a:solidFill>
-                <a:latin typeface="Calibri"/>
-                <a:ea typeface="DejaVu Sans"/>
-              </a:rPr>
-              <a:t>	</a:t>
-            </a:r>
-            <a:r>
-              <a:rPr lang="en-US" strike="noStrike">
-                <a:solidFill>
-                  <a:srgbClr val="000000"/>
-                </a:solidFill>
-                <a:latin typeface="Calibri"/>
-                <a:ea typeface="DejaVu Sans"/>
-              </a:rPr>
-              <a:t>|-- Makefile</a:t>
-            </a:r>
-            <a:endParaRPr/>
+              <a:rPr lang="en-US" strike="noStrike" dirty="0">
+                <a:solidFill>
+                  <a:srgbClr val="000000"/>
+                </a:solidFill>
+                <a:latin typeface="Calibri"/>
+                <a:ea typeface="DejaVu Sans"/>
+              </a:rPr>
+              <a:t>		|-- </a:t>
+            </a:r>
+            <a:r>
+              <a:rPr lang="en-US" strike="noStrike" dirty="0" err="1">
+                <a:solidFill>
+                  <a:srgbClr val="000000"/>
+                </a:solidFill>
+                <a:latin typeface="Calibri"/>
+                <a:ea typeface="DejaVu Sans"/>
+              </a:rPr>
+              <a:t>Makefile</a:t>
+            </a:r>
+            <a:endParaRPr dirty="0"/>
           </a:p>
           <a:p>
             <a:pPr>
@@ -5397,26 +6783,16 @@
               </a:lnSpc>
             </a:pPr>
             <a:r>
-              <a:rPr lang="en-US" strike="noStrike">
-                <a:solidFill>
-                  <a:srgbClr val="000000"/>
-                </a:solidFill>
-                <a:latin typeface="Calibri"/>
-                <a:ea typeface="DejaVu Sans"/>
-              </a:rPr>
-              <a:t>	</a:t>
-            </a:r>
-            <a:r>
-              <a:rPr lang="en-US" strike="noStrike">
-                <a:solidFill>
-                  <a:srgbClr val="000000"/>
-                </a:solidFill>
-                <a:latin typeface="Calibri"/>
-                <a:ea typeface="DejaVu Sans"/>
-              </a:rPr>
-              <a:t>|- second</a:t>
-            </a:r>
-            <a:endParaRPr/>
+              <a:rPr lang="en-US" strike="noStrike" dirty="0">
+                <a:solidFill>
+                  <a:srgbClr val="000000"/>
+                </a:solidFill>
+                <a:latin typeface="Calibri"/>
+                <a:ea typeface="DejaVu Sans"/>
+              </a:rPr>
+              <a:t>	|- second</a:t>
+            </a:r>
+            <a:endParaRPr dirty="0"/>
           </a:p>
           <a:p>
             <a:pPr>
@@ -5425,36 +6801,26 @@
               </a:lnSpc>
             </a:pPr>
             <a:r>
-              <a:rPr lang="en-US" strike="noStrike">
-                <a:solidFill>
-                  <a:srgbClr val="000000"/>
-                </a:solidFill>
-                <a:latin typeface="Calibri"/>
-                <a:ea typeface="DejaVu Sans"/>
-              </a:rPr>
-              <a:t>	</a:t>
-            </a:r>
-            <a:r>
-              <a:rPr lang="en-US" strike="noStrike">
-                <a:solidFill>
-                  <a:srgbClr val="000000"/>
-                </a:solidFill>
-                <a:latin typeface="Calibri"/>
-                <a:ea typeface="DejaVu Sans"/>
-              </a:rPr>
-              <a:t>	</a:t>
-            </a:r>
-            <a:r>
-              <a:rPr lang="en-US" strike="noStrike">
-                <a:solidFill>
-                  <a:srgbClr val="000000"/>
-                </a:solidFill>
-                <a:latin typeface="Calibri"/>
-                <a:ea typeface="DejaVu Sans"/>
-              </a:rPr>
-              <a:t>|-- second.c</a:t>
-            </a:r>
-            <a:endParaRPr/>
+              <a:rPr lang="en-US" strike="noStrike" dirty="0">
+                <a:solidFill>
+                  <a:srgbClr val="000000"/>
+                </a:solidFill>
+                <a:latin typeface="Calibri"/>
+                <a:ea typeface="DejaVu Sans"/>
+              </a:rPr>
+              <a:t>		|-- </a:t>
+            </a:r>
+            <a:r>
+              <a:rPr lang="en-US" strike="noStrike" dirty="0" err="1">
+                <a:solidFill>
+                  <a:srgbClr val="000000"/>
+                </a:solidFill>
+                <a:latin typeface="Calibri"/>
+                <a:ea typeface="DejaVu Sans"/>
+              </a:rPr>
+              <a:t>second.c</a:t>
+            </a:r>
+            <a:endParaRPr dirty="0"/>
           </a:p>
           <a:p>
             <a:pPr>
@@ -5463,36 +6829,36 @@
               </a:lnSpc>
             </a:pPr>
             <a:r>
-              <a:rPr lang="en-US" strike="noStrike">
-                <a:solidFill>
-                  <a:srgbClr val="000000"/>
-                </a:solidFill>
-                <a:latin typeface="Calibri"/>
-                <a:ea typeface="DejaVu Sans"/>
-              </a:rPr>
-              <a:t>	</a:t>
-            </a:r>
-            <a:r>
-              <a:rPr lang="en-US" strike="noStrike">
-                <a:solidFill>
-                  <a:srgbClr val="000000"/>
-                </a:solidFill>
-                <a:latin typeface="Calibri"/>
-                <a:ea typeface="DejaVu Sans"/>
-              </a:rPr>
-              <a:t>	</a:t>
-            </a:r>
-            <a:r>
-              <a:rPr lang="en-US" strike="noStrike">
-                <a:solidFill>
-                  <a:srgbClr val="000000"/>
-                </a:solidFill>
-                <a:latin typeface="Calibri"/>
-                <a:ea typeface="DejaVu Sans"/>
-              </a:rPr>
-              <a:t>|-- second.h (if used)</a:t>
-            </a:r>
-            <a:endParaRPr/>
+              <a:rPr lang="en-US" strike="noStrike" dirty="0">
+                <a:solidFill>
+                  <a:srgbClr val="000000"/>
+                </a:solidFill>
+                <a:latin typeface="Calibri"/>
+                <a:ea typeface="DejaVu Sans"/>
+              </a:rPr>
+              <a:t>		|-- </a:t>
+            </a:r>
+            <a:r>
+              <a:rPr lang="en-US" strike="noStrike" dirty="0" err="1">
+                <a:solidFill>
+                  <a:srgbClr val="000000"/>
+                </a:solidFill>
+                <a:latin typeface="Calibri"/>
+                <a:ea typeface="DejaVu Sans"/>
+              </a:rPr>
+              <a:t>second.h</a:t>
+            </a:r>
+            <a:r>
+              <a:rPr lang="en-US" strike="noStrike" dirty="0">
+                <a:solidFill>
+                  <a:srgbClr val="000000"/>
+                </a:solidFill>
+                <a:latin typeface="Calibri"/>
+                <a:ea typeface="DejaVu Sans"/>
+              </a:rPr>
+              <a:t> (if used)</a:t>
+            </a:r>
+            <a:endParaRPr dirty="0"/>
           </a:p>
           <a:p>
             <a:pPr>
@@ -5501,36 +6867,26 @@
               </a:lnSpc>
             </a:pPr>
             <a:r>
-              <a:rPr lang="en-US" strike="noStrike">
-                <a:solidFill>
-                  <a:srgbClr val="000000"/>
-                </a:solidFill>
-                <a:latin typeface="Calibri"/>
-                <a:ea typeface="DejaVu Sans"/>
-              </a:rPr>
-              <a:t>	</a:t>
-            </a:r>
-            <a:r>
-              <a:rPr lang="en-US" strike="noStrike">
-                <a:solidFill>
-                  <a:srgbClr val="000000"/>
-                </a:solidFill>
-                <a:latin typeface="Calibri"/>
-                <a:ea typeface="DejaVu Sans"/>
-              </a:rPr>
-              <a:t>	</a:t>
-            </a:r>
-            <a:r>
-              <a:rPr lang="en-US" strike="noStrike">
-                <a:solidFill>
-                  <a:srgbClr val="000000"/>
-                </a:solidFill>
-                <a:latin typeface="Calibri"/>
-                <a:ea typeface="DejaVu Sans"/>
-              </a:rPr>
-              <a:t>|-- Makefile</a:t>
-            </a:r>
-            <a:endParaRPr/>
+              <a:rPr lang="en-US" strike="noStrike" dirty="0">
+                <a:solidFill>
+                  <a:srgbClr val="000000"/>
+                </a:solidFill>
+                <a:latin typeface="Calibri"/>
+                <a:ea typeface="DejaVu Sans"/>
+              </a:rPr>
+              <a:t>		|-- </a:t>
+            </a:r>
+            <a:r>
+              <a:rPr lang="en-US" strike="noStrike" dirty="0" err="1">
+                <a:solidFill>
+                  <a:srgbClr val="000000"/>
+                </a:solidFill>
+                <a:latin typeface="Calibri"/>
+                <a:ea typeface="DejaVu Sans"/>
+              </a:rPr>
+              <a:t>Makefile</a:t>
+            </a:r>
+            <a:endParaRPr dirty="0"/>
           </a:p>
           <a:p>
             <a:pPr>
@@ -5539,26 +6895,16 @@
               </a:lnSpc>
             </a:pPr>
             <a:r>
-              <a:rPr lang="en-US" sz="2400" strike="noStrike">
-                <a:solidFill>
-                  <a:srgbClr val="000000"/>
-                </a:solidFill>
-                <a:latin typeface="Calibri"/>
-                <a:ea typeface="DejaVu Sans"/>
-              </a:rPr>
-              <a:t>	</a:t>
-            </a:r>
-            <a:r>
-              <a:rPr lang="en-US" sz="2400" strike="noStrike">
-                <a:solidFill>
-                  <a:srgbClr val="000000"/>
-                </a:solidFill>
-                <a:latin typeface="Calibri"/>
-                <a:ea typeface="DejaVu Sans"/>
-              </a:rPr>
-              <a:t>.</a:t>
-            </a:r>
-            <a:endParaRPr/>
+              <a:rPr lang="en-US" strike="noStrike" dirty="0">
+                <a:solidFill>
+                  <a:srgbClr val="000000"/>
+                </a:solidFill>
+                <a:latin typeface="Calibri"/>
+                <a:ea typeface="DejaVu Sans"/>
+              </a:rPr>
+              <a:t>	|- ninth</a:t>
+            </a:r>
+            <a:endParaRPr dirty="0"/>
           </a:p>
           <a:p>
             <a:pPr>
@@ -5567,26 +6913,26 @@
               </a:lnSpc>
             </a:pPr>
             <a:r>
-              <a:rPr lang="en-US" sz="2400" strike="noStrike">
-                <a:solidFill>
-                  <a:srgbClr val="000000"/>
-                </a:solidFill>
-                <a:latin typeface="Calibri"/>
-                <a:ea typeface="DejaVu Sans"/>
-              </a:rPr>
-              <a:t>	</a:t>
-            </a:r>
-            <a:r>
-              <a:rPr lang="en-US" sz="2400" strike="noStrike">
-                <a:solidFill>
-                  <a:srgbClr val="000000"/>
-                </a:solidFill>
-                <a:latin typeface="Calibri"/>
-                <a:ea typeface="DejaVu Sans"/>
-              </a:rPr>
-              <a:t>.</a:t>
-            </a:r>
-            <a:endParaRPr/>
+              <a:rPr lang="en-US" strike="noStrike" dirty="0">
+                <a:solidFill>
+                  <a:srgbClr val="000000"/>
+                </a:solidFill>
+                <a:latin typeface="Calibri"/>
+                <a:ea typeface="DejaVu Sans"/>
+              </a:rPr>
+              <a:t>		|-- </a:t>
+            </a:r>
+            <a:r>
+              <a:rPr lang="en-US" strike="noStrike" dirty="0" err="1">
+                <a:solidFill>
+                  <a:srgbClr val="000000"/>
+                </a:solidFill>
+                <a:latin typeface="Calibri"/>
+                <a:ea typeface="DejaVu Sans"/>
+              </a:rPr>
+              <a:t>ninth.c</a:t>
+            </a:r>
+            <a:endParaRPr dirty="0"/>
           </a:p>
           <a:p>
             <a:pPr>
@@ -5595,26 +6941,36 @@
               </a:lnSpc>
             </a:pPr>
             <a:r>
-              <a:rPr lang="en-US" strike="noStrike">
-                <a:solidFill>
-                  <a:srgbClr val="000000"/>
-                </a:solidFill>
-                <a:latin typeface="Calibri"/>
-                <a:ea typeface="DejaVu Sans"/>
-              </a:rPr>
-              <a:t>	</a:t>
-            </a:r>
-            <a:r>
-              <a:rPr lang="en-US" strike="noStrike">
-                <a:solidFill>
-                  <a:srgbClr val="000000"/>
-                </a:solidFill>
-                <a:latin typeface="Calibri"/>
-                <a:ea typeface="DejaVu Sans"/>
-              </a:rPr>
-              <a:t>.</a:t>
-            </a:r>
-            <a:endParaRPr/>
+              <a:rPr lang="en-US" strike="noStrike" dirty="0">
+                <a:solidFill>
+                  <a:srgbClr val="000000"/>
+                </a:solidFill>
+                <a:latin typeface="Calibri"/>
+                <a:ea typeface="DejaVu Sans"/>
+              </a:rPr>
+              <a:t>		|-- </a:t>
+            </a:r>
+            <a:r>
+              <a:rPr lang="en-US" strike="noStrike" dirty="0" err="1">
+                <a:solidFill>
+                  <a:srgbClr val="000000"/>
+                </a:solidFill>
+                <a:latin typeface="Calibri"/>
+                <a:ea typeface="DejaVu Sans"/>
+              </a:rPr>
+              <a:t>ninth.h</a:t>
+            </a:r>
+            <a:r>
+              <a:rPr lang="en-US" strike="noStrike" dirty="0">
+                <a:solidFill>
+                  <a:srgbClr val="000000"/>
+                </a:solidFill>
+                <a:latin typeface="Calibri"/>
+                <a:ea typeface="DejaVu Sans"/>
+              </a:rPr>
+              <a:t> (if used)</a:t>
+            </a:r>
+            <a:endParaRPr dirty="0"/>
           </a:p>
           <a:p>
             <a:pPr>
@@ -5623,140 +6979,26 @@
               </a:lnSpc>
             </a:pPr>
             <a:r>
-              <a:rPr lang="en-US" strike="noStrike">
-                <a:solidFill>
-                  <a:srgbClr val="000000"/>
-                </a:solidFill>
-                <a:latin typeface="Calibri"/>
-                <a:ea typeface="DejaVu Sans"/>
-              </a:rPr>
-              <a:t>	</a:t>
-            </a:r>
-            <a:r>
-              <a:rPr lang="en-US" strike="noStrike">
-                <a:solidFill>
-                  <a:srgbClr val="000000"/>
-                </a:solidFill>
-                <a:latin typeface="Calibri"/>
-                <a:ea typeface="DejaVu Sans"/>
-              </a:rPr>
-              <a:t>|- ninth</a:t>
-            </a:r>
-            <a:endParaRPr/>
-          </a:p>
-          <a:p>
-            <a:pPr>
-              <a:lnSpc>
-                <a:spcPct val="90000"/>
-              </a:lnSpc>
-            </a:pPr>
-            <a:r>
-              <a:rPr lang="en-US" strike="noStrike">
-                <a:solidFill>
-                  <a:srgbClr val="000000"/>
-                </a:solidFill>
-                <a:latin typeface="Calibri"/>
-                <a:ea typeface="DejaVu Sans"/>
-              </a:rPr>
-              <a:t>	</a:t>
-            </a:r>
-            <a:r>
-              <a:rPr lang="en-US" strike="noStrike">
-                <a:solidFill>
-                  <a:srgbClr val="000000"/>
-                </a:solidFill>
-                <a:latin typeface="Calibri"/>
-                <a:ea typeface="DejaVu Sans"/>
-              </a:rPr>
-              <a:t>	</a:t>
-            </a:r>
-            <a:r>
-              <a:rPr lang="en-US" strike="noStrike">
-                <a:solidFill>
-                  <a:srgbClr val="000000"/>
-                </a:solidFill>
-                <a:latin typeface="Calibri"/>
-                <a:ea typeface="DejaVu Sans"/>
-              </a:rPr>
-              <a:t>|-- ninth.c</a:t>
-            </a:r>
-            <a:endParaRPr/>
-          </a:p>
-          <a:p>
-            <a:pPr>
-              <a:lnSpc>
-                <a:spcPct val="90000"/>
-              </a:lnSpc>
-            </a:pPr>
-            <a:r>
-              <a:rPr lang="en-US" strike="noStrike">
-                <a:solidFill>
-                  <a:srgbClr val="000000"/>
-                </a:solidFill>
-                <a:latin typeface="Calibri"/>
-                <a:ea typeface="DejaVu Sans"/>
-              </a:rPr>
-              <a:t>	</a:t>
-            </a:r>
-            <a:r>
-              <a:rPr lang="en-US" strike="noStrike">
-                <a:solidFill>
-                  <a:srgbClr val="000000"/>
-                </a:solidFill>
-                <a:latin typeface="Calibri"/>
-                <a:ea typeface="DejaVu Sans"/>
-              </a:rPr>
-              <a:t>	</a:t>
-            </a:r>
-            <a:r>
-              <a:rPr lang="en-US" strike="noStrike">
-                <a:solidFill>
-                  <a:srgbClr val="000000"/>
-                </a:solidFill>
-                <a:latin typeface="Calibri"/>
-                <a:ea typeface="DejaVu Sans"/>
-              </a:rPr>
-              <a:t>|-- ninth.h (if used)</a:t>
-            </a:r>
-            <a:endParaRPr/>
-          </a:p>
-          <a:p>
-            <a:pPr>
-              <a:lnSpc>
-                <a:spcPct val="90000"/>
-              </a:lnSpc>
-            </a:pPr>
-            <a:r>
-              <a:rPr lang="en-US" strike="noStrike">
-                <a:solidFill>
-                  <a:srgbClr val="000000"/>
-                </a:solidFill>
-                <a:latin typeface="Calibri"/>
-                <a:ea typeface="DejaVu Sans"/>
-              </a:rPr>
-              <a:t>	</a:t>
-            </a:r>
-            <a:r>
-              <a:rPr lang="en-US" strike="noStrike">
-                <a:solidFill>
-                  <a:srgbClr val="000000"/>
-                </a:solidFill>
-                <a:latin typeface="Calibri"/>
-                <a:ea typeface="DejaVu Sans"/>
-              </a:rPr>
-              <a:t>	</a:t>
-            </a:r>
-            <a:r>
-              <a:rPr lang="en-US" strike="noStrike">
-                <a:solidFill>
-                  <a:srgbClr val="000000"/>
-                </a:solidFill>
-                <a:latin typeface="Calibri"/>
-                <a:ea typeface="DejaVu Sans"/>
-              </a:rPr>
-              <a:t>|-- Makefile</a:t>
-            </a:r>
-            <a:endParaRPr/>
+              <a:rPr lang="en-US" strike="noStrike" dirty="0">
+                <a:solidFill>
+                  <a:srgbClr val="000000"/>
+                </a:solidFill>
+                <a:latin typeface="Calibri"/>
+                <a:ea typeface="DejaVu Sans"/>
+              </a:rPr>
+              <a:t>		|-- </a:t>
+            </a:r>
+            <a:r>
+              <a:rPr lang="en-US" strike="noStrike" dirty="0" err="1">
+                <a:solidFill>
+                  <a:srgbClr val="000000"/>
+                </a:solidFill>
+                <a:latin typeface="Calibri"/>
+                <a:ea typeface="DejaVu Sans"/>
+              </a:rPr>
+              <a:t>Makefile</a:t>
+            </a:r>
+            <a:endParaRPr dirty="0"/>
           </a:p>
         </p:txBody>
       </p:sp>
@@ -5768,8 +7010,8 @@
         </p:nvSpPr>
         <p:spPr>
           <a:xfrm>
-            <a:off x="4500720" y="1267920"/>
-            <a:ext cx="3577680" cy="4531680"/>
+            <a:off x="5433593" y="847080"/>
+            <a:ext cx="3577680" cy="5867756"/>
           </a:xfrm>
           <a:prstGeom prst="rect">
             <a:avLst/>
@@ -5777,18 +7019,25 @@
           <a:noFill/>
           <a:ln>
             <a:solidFill>
-              <a:srgbClr val="3465a4"/>
+              <a:srgbClr val="3465A4"/>
             </a:solidFill>
           </a:ln>
         </p:spPr>
         <p:style>
-          <a:lnRef idx="0"/>
-          <a:fillRef idx="0"/>
-          <a:effectRef idx="0"/>
+          <a:lnRef idx="0">
+            <a:scrgbClr r="0" g="0" b="0"/>
+          </a:lnRef>
+          <a:fillRef idx="0">
+            <a:scrgbClr r="0" g="0" b="0"/>
+          </a:fillRef>
+          <a:effectRef idx="0">
+            <a:scrgbClr r="0" g="0" b="0"/>
+          </a:effectRef>
           <a:fontRef idx="minor"/>
         </p:style>
         <p:txBody>
-          <a:bodyPr lIns="90000" rIns="90000" tIns="45000" bIns="45000"/>
+          <a:bodyPr lIns="90000" tIns="45000" rIns="90000" bIns="45000"/>
+          <a:lstStyle/>
           <a:p>
             <a:pPr>
               <a:lnSpc>
@@ -5796,7 +7045,7 @@
               </a:lnSpc>
             </a:pPr>
             <a:r>
-              <a:rPr lang="en-US" sz="2600" strike="noStrike">
+              <a:rPr lang="en-US" sz="2600" strike="noStrike" dirty="0" err="1">
                 <a:solidFill>
                   <a:srgbClr val="000000"/>
                 </a:solidFill>
@@ -5805,7 +7054,7 @@
               </a:rPr>
               <a:t>autograder</a:t>
             </a:r>
-            <a:endParaRPr/>
+            <a:endParaRPr dirty="0"/>
           </a:p>
           <a:p>
             <a:pPr>
@@ -5814,17 +7063,7 @@
               </a:lnSpc>
             </a:pPr>
             <a:r>
-              <a:rPr lang="en-US" sz="2600" strike="noStrike">
-                <a:solidFill>
-                  <a:srgbClr val="000000"/>
-                </a:solidFill>
-                <a:latin typeface="Calibri"/>
-                <a:ea typeface="DejaVu Sans"/>
-              </a:rPr>
-              <a:t>	</a:t>
-            </a:r>
-            <a:r>
-              <a:rPr lang="en-US" strike="noStrike">
+              <a:rPr lang="en-US" strike="noStrike" dirty="0">
                 <a:solidFill>
                   <a:srgbClr val="000000"/>
                 </a:solidFill>
@@ -5833,7 +7072,7 @@
               </a:rPr>
               <a:t>pa1</a:t>
             </a:r>
-            <a:endParaRPr/>
+            <a:endParaRPr dirty="0"/>
           </a:p>
           <a:p>
             <a:pPr>
@@ -5842,36 +7081,16 @@
               </a:lnSpc>
             </a:pPr>
             <a:r>
-              <a:rPr lang="en-US" strike="noStrike">
-                <a:solidFill>
-                  <a:srgbClr val="000000"/>
-                </a:solidFill>
-                <a:latin typeface="Calibri"/>
-                <a:ea typeface="DejaVu Sans"/>
-              </a:rPr>
-              <a:t>	</a:t>
-            </a:r>
-            <a:r>
-              <a:rPr lang="en-US" strike="noStrike">
-                <a:solidFill>
-                  <a:srgbClr val="000000"/>
-                </a:solidFill>
-                <a:latin typeface="Calibri"/>
-                <a:ea typeface="DejaVu Sans"/>
-              </a:rPr>
-              <a:t>	</a:t>
-            </a:r>
-            <a:r>
-              <a:rPr lang="en-US" strike="noStrike">
-                <a:solidFill>
-                  <a:srgbClr val="000000"/>
-                </a:solidFill>
-                <a:latin typeface="Calibri"/>
-                <a:ea typeface="DejaVu Sans"/>
-              </a:rPr>
-              <a:t>|- first</a:t>
-            </a:r>
-            <a:endParaRPr/>
+              <a:rPr lang="en-US" strike="noStrike" dirty="0">
+                <a:solidFill>
+                  <a:srgbClr val="000000"/>
+                </a:solidFill>
+                <a:latin typeface="Calibri"/>
+                <a:ea typeface="DejaVu Sans"/>
+              </a:rPr>
+              <a:t>		|- first</a:t>
+            </a:r>
+            <a:endParaRPr dirty="0"/>
           </a:p>
           <a:p>
             <a:pPr>
@@ -5880,46 +7099,26 @@
               </a:lnSpc>
             </a:pPr>
             <a:r>
-              <a:rPr lang="en-US" strike="noStrike">
-                <a:solidFill>
-                  <a:srgbClr val="000000"/>
-                </a:solidFill>
-                <a:latin typeface="Calibri"/>
-                <a:ea typeface="DejaVu Sans"/>
-              </a:rPr>
-              <a:t>	</a:t>
-            </a:r>
-            <a:r>
-              <a:rPr lang="en-US" strike="noStrike">
-                <a:solidFill>
-                  <a:srgbClr val="000000"/>
-                </a:solidFill>
-                <a:latin typeface="Calibri"/>
-                <a:ea typeface="DejaVu Sans"/>
-              </a:rPr>
-              <a:t>	</a:t>
-            </a:r>
-            <a:r>
-              <a:rPr lang="en-US" strike="noStrike">
-                <a:solidFill>
-                  <a:srgbClr val="000000"/>
-                </a:solidFill>
-                <a:latin typeface="Calibri"/>
-                <a:ea typeface="DejaVu Sans"/>
-              </a:rPr>
-              <a:t>	</a:t>
-            </a:r>
-            <a:r>
-              <a:rPr lang="en-US" strike="noStrike">
-                <a:solidFill>
-                  <a:srgbClr val="000000"/>
-                </a:solidFill>
-                <a:latin typeface="Calibri"/>
-                <a:ea typeface="DejaVu Sans"/>
-              </a:rPr>
-              <a:t>|-- first.c</a:t>
-            </a:r>
-            <a:endParaRPr/>
+              <a:rPr lang="en-US" strike="noStrike" dirty="0">
+                <a:solidFill>
+                  <a:srgbClr val="000000"/>
+                </a:solidFill>
+                <a:latin typeface="Calibri"/>
+                <a:ea typeface="DejaVu Sans"/>
+              </a:rPr>
+              <a:t>			|-- </a:t>
+            </a:r>
+            <a:r>
+              <a:rPr lang="en-US" strike="noStrike" dirty="0" err="1">
+                <a:solidFill>
+                  <a:srgbClr val="000000"/>
+                </a:solidFill>
+                <a:latin typeface="Calibri"/>
+                <a:ea typeface="DejaVu Sans"/>
+              </a:rPr>
+              <a:t>first.c</a:t>
+            </a:r>
+            <a:endParaRPr dirty="0"/>
           </a:p>
           <a:p>
             <a:pPr>
@@ -5928,46 +7127,36 @@
               </a:lnSpc>
             </a:pPr>
             <a:r>
-              <a:rPr lang="en-US" strike="noStrike">
-                <a:solidFill>
-                  <a:srgbClr val="000000"/>
-                </a:solidFill>
-                <a:latin typeface="Calibri"/>
-                <a:ea typeface="DejaVu Sans"/>
-              </a:rPr>
-              <a:t>	</a:t>
-            </a:r>
-            <a:r>
-              <a:rPr lang="en-US" strike="noStrike">
-                <a:solidFill>
-                  <a:srgbClr val="000000"/>
-                </a:solidFill>
-                <a:latin typeface="Calibri"/>
-                <a:ea typeface="DejaVu Sans"/>
-              </a:rPr>
-              <a:t>	</a:t>
-            </a:r>
-            <a:r>
-              <a:rPr lang="en-US" strike="noStrike">
-                <a:solidFill>
-                  <a:srgbClr val="000000"/>
-                </a:solidFill>
-                <a:latin typeface="Calibri"/>
-                <a:ea typeface="DejaVu Sans"/>
-              </a:rPr>
-              <a:t>	</a:t>
-            </a:r>
-            <a:r>
-              <a:rPr lang="en-US" strike="noStrike">
-                <a:solidFill>
-                  <a:srgbClr val="000000"/>
-                </a:solidFill>
-                <a:latin typeface="Calibri"/>
-                <a:ea typeface="DejaVu Sans"/>
-              </a:rPr>
-              <a:t>|-- first.h (if used)</a:t>
-            </a:r>
-            <a:endParaRPr/>
+              <a:rPr lang="en-US" strike="noStrike" dirty="0">
+                <a:solidFill>
+                  <a:srgbClr val="000000"/>
+                </a:solidFill>
+                <a:latin typeface="Calibri"/>
+                <a:ea typeface="DejaVu Sans"/>
+              </a:rPr>
+              <a:t>			|-- </a:t>
+            </a:r>
+            <a:r>
+              <a:rPr lang="en-US" strike="noStrike" dirty="0" err="1">
+                <a:solidFill>
+                  <a:srgbClr val="000000"/>
+                </a:solidFill>
+                <a:latin typeface="Calibri"/>
+                <a:ea typeface="DejaVu Sans"/>
+              </a:rPr>
+              <a:t>first.h</a:t>
+            </a:r>
+            <a:r>
+              <a:rPr lang="en-US" strike="noStrike" dirty="0">
+                <a:solidFill>
+                  <a:srgbClr val="000000"/>
+                </a:solidFill>
+                <a:latin typeface="Calibri"/>
+                <a:ea typeface="DejaVu Sans"/>
+              </a:rPr>
+              <a:t> (if used)</a:t>
+            </a:r>
+            <a:endParaRPr dirty="0"/>
           </a:p>
           <a:p>
             <a:pPr>
@@ -5976,46 +7165,26 @@
               </a:lnSpc>
             </a:pPr>
             <a:r>
-              <a:rPr lang="en-US" strike="noStrike">
-                <a:solidFill>
-                  <a:srgbClr val="000000"/>
-                </a:solidFill>
-                <a:latin typeface="Calibri"/>
-                <a:ea typeface="DejaVu Sans"/>
-              </a:rPr>
-              <a:t>	</a:t>
-            </a:r>
-            <a:r>
-              <a:rPr lang="en-US" strike="noStrike">
-                <a:solidFill>
-                  <a:srgbClr val="000000"/>
-                </a:solidFill>
-                <a:latin typeface="Calibri"/>
-                <a:ea typeface="DejaVu Sans"/>
-              </a:rPr>
-              <a:t>	</a:t>
-            </a:r>
-            <a:r>
-              <a:rPr lang="en-US" strike="noStrike">
-                <a:solidFill>
-                  <a:srgbClr val="000000"/>
-                </a:solidFill>
-                <a:latin typeface="Calibri"/>
-                <a:ea typeface="DejaVu Sans"/>
-              </a:rPr>
-              <a:t>	</a:t>
-            </a:r>
-            <a:r>
-              <a:rPr lang="en-US" strike="noStrike">
-                <a:solidFill>
-                  <a:srgbClr val="000000"/>
-                </a:solidFill>
-                <a:latin typeface="Calibri"/>
-                <a:ea typeface="DejaVu Sans"/>
-              </a:rPr>
-              <a:t>|-- Makefile</a:t>
-            </a:r>
-            <a:endParaRPr/>
+              <a:rPr lang="en-US" strike="noStrike" dirty="0">
+                <a:solidFill>
+                  <a:srgbClr val="000000"/>
+                </a:solidFill>
+                <a:latin typeface="Calibri"/>
+                <a:ea typeface="DejaVu Sans"/>
+              </a:rPr>
+              <a:t>			|-- </a:t>
+            </a:r>
+            <a:r>
+              <a:rPr lang="en-US" strike="noStrike" dirty="0" err="1">
+                <a:solidFill>
+                  <a:srgbClr val="000000"/>
+                </a:solidFill>
+                <a:latin typeface="Calibri"/>
+                <a:ea typeface="DejaVu Sans"/>
+              </a:rPr>
+              <a:t>Makefile</a:t>
+            </a:r>
+            <a:endParaRPr dirty="0"/>
           </a:p>
           <a:p>
             <a:pPr>
@@ -6024,36 +7193,16 @@
               </a:lnSpc>
             </a:pPr>
             <a:r>
-              <a:rPr lang="en-US" strike="noStrike">
-                <a:solidFill>
-                  <a:srgbClr val="000000"/>
-                </a:solidFill>
-                <a:latin typeface="Calibri"/>
-                <a:ea typeface="DejaVu Sans"/>
-              </a:rPr>
-              <a:t>	</a:t>
-            </a:r>
-            <a:r>
-              <a:rPr lang="en-US" strike="noStrike">
-                <a:solidFill>
-                  <a:srgbClr val="000000"/>
-                </a:solidFill>
-                <a:latin typeface="Calibri"/>
-                <a:ea typeface="DejaVu Sans"/>
-              </a:rPr>
-              <a:t>	</a:t>
-            </a:r>
-            <a:r>
-              <a:rPr lang="en-US" strike="noStrike">
-                <a:solidFill>
-                  <a:srgbClr val="000000"/>
-                </a:solidFill>
-                <a:latin typeface="Calibri"/>
-                <a:ea typeface="DejaVu Sans"/>
-              </a:rPr>
-              <a:t>|- second</a:t>
-            </a:r>
-            <a:endParaRPr/>
+              <a:rPr lang="en-US" strike="noStrike" dirty="0">
+                <a:solidFill>
+                  <a:srgbClr val="000000"/>
+                </a:solidFill>
+                <a:latin typeface="Calibri"/>
+                <a:ea typeface="DejaVu Sans"/>
+              </a:rPr>
+              <a:t>		|- second</a:t>
+            </a:r>
+            <a:endParaRPr dirty="0"/>
           </a:p>
           <a:p>
             <a:pPr>
@@ -6062,46 +7211,26 @@
               </a:lnSpc>
             </a:pPr>
             <a:r>
-              <a:rPr lang="en-US" strike="noStrike">
-                <a:solidFill>
-                  <a:srgbClr val="000000"/>
-                </a:solidFill>
-                <a:latin typeface="Calibri"/>
-                <a:ea typeface="DejaVu Sans"/>
-              </a:rPr>
-              <a:t>	</a:t>
-            </a:r>
-            <a:r>
-              <a:rPr lang="en-US" strike="noStrike">
-                <a:solidFill>
-                  <a:srgbClr val="000000"/>
-                </a:solidFill>
-                <a:latin typeface="Calibri"/>
-                <a:ea typeface="DejaVu Sans"/>
-              </a:rPr>
-              <a:t>	</a:t>
-            </a:r>
-            <a:r>
-              <a:rPr lang="en-US" strike="noStrike">
-                <a:solidFill>
-                  <a:srgbClr val="000000"/>
-                </a:solidFill>
-                <a:latin typeface="Calibri"/>
-                <a:ea typeface="DejaVu Sans"/>
-              </a:rPr>
-              <a:t>	</a:t>
-            </a:r>
-            <a:r>
-              <a:rPr lang="en-US" strike="noStrike">
-                <a:solidFill>
-                  <a:srgbClr val="000000"/>
-                </a:solidFill>
-                <a:latin typeface="Calibri"/>
-                <a:ea typeface="DejaVu Sans"/>
-              </a:rPr>
-              <a:t>|-- second.c</a:t>
-            </a:r>
-            <a:endParaRPr/>
+              <a:rPr lang="en-US" strike="noStrike" dirty="0">
+                <a:solidFill>
+                  <a:srgbClr val="000000"/>
+                </a:solidFill>
+                <a:latin typeface="Calibri"/>
+                <a:ea typeface="DejaVu Sans"/>
+              </a:rPr>
+              <a:t>			|-- </a:t>
+            </a:r>
+            <a:r>
+              <a:rPr lang="en-US" strike="noStrike" dirty="0" err="1">
+                <a:solidFill>
+                  <a:srgbClr val="000000"/>
+                </a:solidFill>
+                <a:latin typeface="Calibri"/>
+                <a:ea typeface="DejaVu Sans"/>
+              </a:rPr>
+              <a:t>second.c</a:t>
+            </a:r>
+            <a:endParaRPr dirty="0"/>
           </a:p>
           <a:p>
             <a:pPr>
@@ -6110,46 +7239,36 @@
               </a:lnSpc>
             </a:pPr>
             <a:r>
-              <a:rPr lang="en-US" strike="noStrike">
-                <a:solidFill>
-                  <a:srgbClr val="000000"/>
-                </a:solidFill>
-                <a:latin typeface="Calibri"/>
-                <a:ea typeface="DejaVu Sans"/>
-              </a:rPr>
-              <a:t>	</a:t>
-            </a:r>
-            <a:r>
-              <a:rPr lang="en-US" strike="noStrike">
-                <a:solidFill>
-                  <a:srgbClr val="000000"/>
-                </a:solidFill>
-                <a:latin typeface="Calibri"/>
-                <a:ea typeface="DejaVu Sans"/>
-              </a:rPr>
-              <a:t>	</a:t>
-            </a:r>
-            <a:r>
-              <a:rPr lang="en-US" strike="noStrike">
-                <a:solidFill>
-                  <a:srgbClr val="000000"/>
-                </a:solidFill>
-                <a:latin typeface="Calibri"/>
-                <a:ea typeface="DejaVu Sans"/>
-              </a:rPr>
-              <a:t>	</a:t>
-            </a:r>
-            <a:r>
-              <a:rPr lang="en-US" strike="noStrike">
-                <a:solidFill>
-                  <a:srgbClr val="000000"/>
-                </a:solidFill>
-                <a:latin typeface="Calibri"/>
-                <a:ea typeface="DejaVu Sans"/>
-              </a:rPr>
-              <a:t>|-- second.h (if used)</a:t>
-            </a:r>
-            <a:endParaRPr/>
+              <a:rPr lang="en-US" strike="noStrike" dirty="0">
+                <a:solidFill>
+                  <a:srgbClr val="000000"/>
+                </a:solidFill>
+                <a:latin typeface="Calibri"/>
+                <a:ea typeface="DejaVu Sans"/>
+              </a:rPr>
+              <a:t>			|-- </a:t>
+            </a:r>
+            <a:r>
+              <a:rPr lang="en-US" strike="noStrike" dirty="0" err="1">
+                <a:solidFill>
+                  <a:srgbClr val="000000"/>
+                </a:solidFill>
+                <a:latin typeface="Calibri"/>
+                <a:ea typeface="DejaVu Sans"/>
+              </a:rPr>
+              <a:t>second.h</a:t>
+            </a:r>
+            <a:r>
+              <a:rPr lang="en-US" strike="noStrike" dirty="0">
+                <a:solidFill>
+                  <a:srgbClr val="000000"/>
+                </a:solidFill>
+                <a:latin typeface="Calibri"/>
+                <a:ea typeface="DejaVu Sans"/>
+              </a:rPr>
+              <a:t> (if used)</a:t>
+            </a:r>
+            <a:endParaRPr dirty="0"/>
           </a:p>
           <a:p>
             <a:pPr>
@@ -6158,46 +7277,26 @@
               </a:lnSpc>
             </a:pPr>
             <a:r>
-              <a:rPr lang="en-US" strike="noStrike">
-                <a:solidFill>
-                  <a:srgbClr val="000000"/>
-                </a:solidFill>
-                <a:latin typeface="Calibri"/>
-                <a:ea typeface="DejaVu Sans"/>
-              </a:rPr>
-              <a:t>	</a:t>
-            </a:r>
-            <a:r>
-              <a:rPr lang="en-US" strike="noStrike">
-                <a:solidFill>
-                  <a:srgbClr val="000000"/>
-                </a:solidFill>
-                <a:latin typeface="Calibri"/>
-                <a:ea typeface="DejaVu Sans"/>
-              </a:rPr>
-              <a:t>	</a:t>
-            </a:r>
-            <a:r>
-              <a:rPr lang="en-US" strike="noStrike">
-                <a:solidFill>
-                  <a:srgbClr val="000000"/>
-                </a:solidFill>
-                <a:latin typeface="Calibri"/>
-                <a:ea typeface="DejaVu Sans"/>
-              </a:rPr>
-              <a:t>	</a:t>
-            </a:r>
-            <a:r>
-              <a:rPr lang="en-US" strike="noStrike">
-                <a:solidFill>
-                  <a:srgbClr val="000000"/>
-                </a:solidFill>
-                <a:latin typeface="Calibri"/>
-                <a:ea typeface="DejaVu Sans"/>
-              </a:rPr>
-              <a:t>|-- Makefile</a:t>
-            </a:r>
-            <a:endParaRPr/>
+              <a:rPr lang="en-US" strike="noStrike" dirty="0">
+                <a:solidFill>
+                  <a:srgbClr val="000000"/>
+                </a:solidFill>
+                <a:latin typeface="Calibri"/>
+                <a:ea typeface="DejaVu Sans"/>
+              </a:rPr>
+              <a:t>			|-- </a:t>
+            </a:r>
+            <a:r>
+              <a:rPr lang="en-US" strike="noStrike" dirty="0" err="1">
+                <a:solidFill>
+                  <a:srgbClr val="000000"/>
+                </a:solidFill>
+                <a:latin typeface="Calibri"/>
+                <a:ea typeface="DejaVu Sans"/>
+              </a:rPr>
+              <a:t>Makefile</a:t>
+            </a:r>
+            <a:endParaRPr dirty="0"/>
           </a:p>
           <a:p>
             <a:pPr>
@@ -6206,36 +7305,16 @@
               </a:lnSpc>
             </a:pPr>
             <a:r>
-              <a:rPr lang="en-US" strike="noStrike">
-                <a:solidFill>
-                  <a:srgbClr val="000000"/>
-                </a:solidFill>
-                <a:latin typeface="Calibri"/>
-                <a:ea typeface="DejaVu Sans"/>
-              </a:rPr>
-              <a:t>	</a:t>
-            </a:r>
-            <a:r>
-              <a:rPr lang="en-US" strike="noStrike">
-                <a:solidFill>
-                  <a:srgbClr val="000000"/>
-                </a:solidFill>
-                <a:latin typeface="Calibri"/>
-                <a:ea typeface="DejaVu Sans"/>
-              </a:rPr>
-              <a:t>	</a:t>
-            </a:r>
-            <a:r>
-              <a:rPr lang="en-US" strike="noStrike">
-                <a:solidFill>
-                  <a:srgbClr val="000000"/>
-                </a:solidFill>
-                <a:latin typeface="Calibri"/>
-                <a:ea typeface="DejaVu Sans"/>
-              </a:rPr>
-              <a:t>.</a:t>
-            </a:r>
-            <a:endParaRPr/>
+              <a:rPr lang="en-US" strike="noStrike" dirty="0">
+                <a:solidFill>
+                  <a:srgbClr val="000000"/>
+                </a:solidFill>
+                <a:latin typeface="Calibri"/>
+                <a:ea typeface="DejaVu Sans"/>
+              </a:rPr>
+              <a:t>		|- ninth</a:t>
+            </a:r>
+            <a:endParaRPr dirty="0"/>
           </a:p>
           <a:p>
             <a:pPr>
@@ -6244,36 +7323,26 @@
               </a:lnSpc>
             </a:pPr>
             <a:r>
-              <a:rPr lang="en-US" strike="noStrike">
-                <a:solidFill>
-                  <a:srgbClr val="000000"/>
-                </a:solidFill>
-                <a:latin typeface="Calibri"/>
-                <a:ea typeface="DejaVu Sans"/>
-              </a:rPr>
-              <a:t>	</a:t>
-            </a:r>
-            <a:r>
-              <a:rPr lang="en-US" strike="noStrike">
-                <a:solidFill>
-                  <a:srgbClr val="000000"/>
-                </a:solidFill>
-                <a:latin typeface="Calibri"/>
-                <a:ea typeface="DejaVu Sans"/>
-              </a:rPr>
-              <a:t>	</a:t>
-            </a:r>
-            <a:r>
-              <a:rPr lang="en-US" strike="noStrike">
-                <a:solidFill>
-                  <a:srgbClr val="000000"/>
-                </a:solidFill>
-                <a:latin typeface="Calibri"/>
-                <a:ea typeface="DejaVu Sans"/>
-              </a:rPr>
-              <a:t>.</a:t>
-            </a:r>
-            <a:endParaRPr/>
+              <a:rPr lang="en-US" strike="noStrike" dirty="0">
+                <a:solidFill>
+                  <a:srgbClr val="000000"/>
+                </a:solidFill>
+                <a:latin typeface="Calibri"/>
+                <a:ea typeface="DejaVu Sans"/>
+              </a:rPr>
+              <a:t>			|-</a:t>
+            </a:r>
+            <a:r>
+              <a:rPr lang="en-US" strike="noStrike" dirty="0" err="1">
+                <a:solidFill>
+                  <a:srgbClr val="000000"/>
+                </a:solidFill>
+                <a:latin typeface="Calibri"/>
+                <a:ea typeface="DejaVu Sans"/>
+              </a:rPr>
+              <a:t>ninth.c</a:t>
+            </a:r>
+            <a:endParaRPr dirty="0"/>
           </a:p>
           <a:p>
             <a:pPr>
@@ -6282,36 +7351,36 @@
               </a:lnSpc>
             </a:pPr>
             <a:r>
-              <a:rPr lang="en-US" strike="noStrike">
-                <a:solidFill>
-                  <a:srgbClr val="000000"/>
-                </a:solidFill>
-                <a:latin typeface="Calibri"/>
-                <a:ea typeface="DejaVu Sans"/>
-              </a:rPr>
-              <a:t>	</a:t>
-            </a:r>
-            <a:r>
-              <a:rPr lang="en-US" strike="noStrike">
-                <a:solidFill>
-                  <a:srgbClr val="000000"/>
-                </a:solidFill>
-                <a:latin typeface="Calibri"/>
-                <a:ea typeface="DejaVu Sans"/>
-              </a:rPr>
-              <a:t>	</a:t>
-            </a:r>
-            <a:r>
-              <a:rPr lang="en-US" strike="noStrike">
-                <a:solidFill>
-                  <a:srgbClr val="000000"/>
-                </a:solidFill>
-                <a:latin typeface="Calibri"/>
-                <a:ea typeface="DejaVu Sans"/>
-              </a:rPr>
-              <a:t>.</a:t>
-            </a:r>
-            <a:endParaRPr/>
+              <a:rPr lang="en-US" strike="noStrike" dirty="0">
+                <a:solidFill>
+                  <a:srgbClr val="000000"/>
+                </a:solidFill>
+                <a:latin typeface="Calibri"/>
+                <a:ea typeface="DejaVu Sans"/>
+              </a:rPr>
+              <a:t>			|-- </a:t>
+            </a:r>
+            <a:r>
+              <a:rPr lang="en-US" strike="noStrike" dirty="0" err="1">
+                <a:solidFill>
+                  <a:srgbClr val="000000"/>
+                </a:solidFill>
+                <a:latin typeface="Calibri"/>
+                <a:ea typeface="DejaVu Sans"/>
+              </a:rPr>
+              <a:t>ninth.h</a:t>
+            </a:r>
+            <a:r>
+              <a:rPr lang="en-US" strike="noStrike" dirty="0">
+                <a:solidFill>
+                  <a:srgbClr val="000000"/>
+                </a:solidFill>
+                <a:latin typeface="Calibri"/>
+                <a:ea typeface="DejaVu Sans"/>
+              </a:rPr>
+              <a:t> (if used)</a:t>
+            </a:r>
+            <a:endParaRPr dirty="0"/>
           </a:p>
           <a:p>
             <a:pPr>
@@ -6320,201 +7389,50 @@
               </a:lnSpc>
             </a:pPr>
             <a:r>
-              <a:rPr lang="en-US" strike="noStrike">
-                <a:solidFill>
-                  <a:srgbClr val="000000"/>
-                </a:solidFill>
-                <a:latin typeface="Calibri"/>
-                <a:ea typeface="DejaVu Sans"/>
-              </a:rPr>
-              <a:t>	</a:t>
-            </a:r>
-            <a:r>
-              <a:rPr lang="en-US" strike="noStrike">
-                <a:solidFill>
-                  <a:srgbClr val="000000"/>
-                </a:solidFill>
-                <a:latin typeface="Calibri"/>
-                <a:ea typeface="DejaVu Sans"/>
-              </a:rPr>
-              <a:t>	</a:t>
-            </a:r>
-            <a:r>
-              <a:rPr lang="en-US" strike="noStrike">
-                <a:solidFill>
-                  <a:srgbClr val="000000"/>
-                </a:solidFill>
-                <a:latin typeface="Calibri"/>
-                <a:ea typeface="DejaVu Sans"/>
-              </a:rPr>
-              <a:t>|- ninth</a:t>
-            </a:r>
-            <a:endParaRPr/>
-          </a:p>
-          <a:p>
-            <a:pPr>
-              <a:lnSpc>
-                <a:spcPct val="90000"/>
-              </a:lnSpc>
-            </a:pPr>
-            <a:r>
-              <a:rPr lang="en-US" strike="noStrike">
-                <a:solidFill>
-                  <a:srgbClr val="000000"/>
-                </a:solidFill>
-                <a:latin typeface="Calibri"/>
-                <a:ea typeface="DejaVu Sans"/>
-              </a:rPr>
-              <a:t>	</a:t>
-            </a:r>
-            <a:r>
-              <a:rPr lang="en-US" strike="noStrike">
-                <a:solidFill>
-                  <a:srgbClr val="000000"/>
-                </a:solidFill>
-                <a:latin typeface="Calibri"/>
-                <a:ea typeface="DejaVu Sans"/>
-              </a:rPr>
-              <a:t>	</a:t>
-            </a:r>
-            <a:r>
-              <a:rPr lang="en-US" strike="noStrike">
-                <a:solidFill>
-                  <a:srgbClr val="000000"/>
-                </a:solidFill>
-                <a:latin typeface="Calibri"/>
-                <a:ea typeface="DejaVu Sans"/>
-              </a:rPr>
-              <a:t>	</a:t>
-            </a:r>
-            <a:r>
-              <a:rPr lang="en-US" strike="noStrike">
-                <a:solidFill>
-                  <a:srgbClr val="000000"/>
-                </a:solidFill>
-                <a:latin typeface="Calibri"/>
-                <a:ea typeface="DejaVu Sans"/>
-              </a:rPr>
-              <a:t>|-- ninth.c</a:t>
-            </a:r>
-            <a:endParaRPr/>
-          </a:p>
-          <a:p>
-            <a:pPr>
-              <a:lnSpc>
-                <a:spcPct val="90000"/>
-              </a:lnSpc>
-            </a:pPr>
-            <a:r>
-              <a:rPr lang="en-US" strike="noStrike">
-                <a:solidFill>
-                  <a:srgbClr val="000000"/>
-                </a:solidFill>
-                <a:latin typeface="Calibri"/>
-                <a:ea typeface="DejaVu Sans"/>
-              </a:rPr>
-              <a:t>	</a:t>
-            </a:r>
-            <a:r>
-              <a:rPr lang="en-US" strike="noStrike">
-                <a:solidFill>
-                  <a:srgbClr val="000000"/>
-                </a:solidFill>
-                <a:latin typeface="Calibri"/>
-                <a:ea typeface="DejaVu Sans"/>
-              </a:rPr>
-              <a:t>	</a:t>
-            </a:r>
-            <a:r>
-              <a:rPr lang="en-US" strike="noStrike">
-                <a:solidFill>
-                  <a:srgbClr val="000000"/>
-                </a:solidFill>
-                <a:latin typeface="Calibri"/>
-                <a:ea typeface="DejaVu Sans"/>
-              </a:rPr>
-              <a:t>	</a:t>
-            </a:r>
-            <a:r>
-              <a:rPr lang="en-US" strike="noStrike">
-                <a:solidFill>
-                  <a:srgbClr val="000000"/>
-                </a:solidFill>
-                <a:latin typeface="Calibri"/>
-                <a:ea typeface="DejaVu Sans"/>
-              </a:rPr>
-              <a:t>|-- ninth.h (if used)</a:t>
-            </a:r>
-            <a:endParaRPr/>
-          </a:p>
-          <a:p>
-            <a:pPr>
-              <a:lnSpc>
-                <a:spcPct val="90000"/>
-              </a:lnSpc>
-            </a:pPr>
-            <a:r>
-              <a:rPr lang="en-US" strike="noStrike">
-                <a:solidFill>
-                  <a:srgbClr val="000000"/>
-                </a:solidFill>
-                <a:latin typeface="Calibri"/>
-                <a:ea typeface="DejaVu Sans"/>
-              </a:rPr>
-              <a:t>	</a:t>
-            </a:r>
-            <a:r>
-              <a:rPr lang="en-US" strike="noStrike">
-                <a:solidFill>
-                  <a:srgbClr val="000000"/>
-                </a:solidFill>
-                <a:latin typeface="Calibri"/>
-                <a:ea typeface="DejaVu Sans"/>
-              </a:rPr>
-              <a:t>	</a:t>
-            </a:r>
-            <a:r>
-              <a:rPr lang="en-US" strike="noStrike">
-                <a:solidFill>
-                  <a:srgbClr val="000000"/>
-                </a:solidFill>
-                <a:latin typeface="Calibri"/>
-                <a:ea typeface="DejaVu Sans"/>
-              </a:rPr>
-              <a:t>	</a:t>
-            </a:r>
-            <a:r>
-              <a:rPr lang="en-US" strike="noStrike">
-                <a:solidFill>
-                  <a:srgbClr val="000000"/>
-                </a:solidFill>
-                <a:latin typeface="Calibri"/>
-                <a:ea typeface="DejaVu Sans"/>
-              </a:rPr>
-              <a:t>|-- Makefile</a:t>
-            </a:r>
-            <a:endParaRPr/>
+              <a:rPr lang="en-US" strike="noStrike" dirty="0">
+                <a:solidFill>
+                  <a:srgbClr val="000000"/>
+                </a:solidFill>
+                <a:latin typeface="Calibri"/>
+                <a:ea typeface="DejaVu Sans"/>
+              </a:rPr>
+              <a:t>			|-- </a:t>
+            </a:r>
+            <a:r>
+              <a:rPr lang="en-US" strike="noStrike" dirty="0" err="1">
+                <a:solidFill>
+                  <a:srgbClr val="000000"/>
+                </a:solidFill>
+                <a:latin typeface="Calibri"/>
+                <a:ea typeface="DejaVu Sans"/>
+              </a:rPr>
+              <a:t>Makefile</a:t>
+            </a:r>
+            <a:endParaRPr dirty="0"/>
           </a:p>
         </p:txBody>
       </p:sp>
     </p:spTree>
   </p:cSld>
+  <p:clrMapOvr>
+    <a:masterClrMapping/>
+  </p:clrMapOvr>
   <p:timing>
     <p:tnLst>
       <p:par>
-        <p:cTn id="11" dur="indefinite" restart="never" nodeType="tmRoot">
+        <p:cTn id="1" dur="indefinite" restart="never" nodeType="tmRoot">
           <p:childTnLst>
             <p:seq>
-              <p:cTn id="12" nodeType="mainSeq"/>
+              <p:cTn id="2" nodeType="mainSeq"/>
               <p:prevCondLst>
-                <p:cond delay="0" evt="onPrev">
+                <p:cond evt="onPrev" delay="0">
                   <p:tgtEl>
                     <p:sldTgt/>
                   </p:tgtEl>
                 </p:cond>
               </p:prevCondLst>
               <p:nextCondLst>
-                <p:cond delay="0" evt="onNext">
+                <p:cond evt="onNext" delay="0">
                   <p:tgtEl>
                     <p:sldTgt/>
                   </p:tgtEl>
@@ -6530,7 +7448,7 @@
 </file>
 
 <file path=ppt/slides/slide7.xml><?xml version="1.0" encoding="utf-8"?>
-<p:sld xmlns:a="http://schemas.openxmlformats.org/drawingml/2006/main" xmlns:p="http://schemas.openxmlformats.org/presentationml/2006/main" xmlns:r="http://schemas.openxmlformats.org/officeDocument/2006/relationships">
+<p:sld xmlns:a="http://schemas.openxmlformats.org/drawingml/2006/main" xmlns:r="http://schemas.openxmlformats.org/officeDocument/2006/relationships" xmlns:p="http://schemas.openxmlformats.org/presentationml/2006/main">
   <p:cSld>
     <p:spTree>
       <p:nvGrpSpPr>
@@ -6566,13 +7484,20 @@
           </a:ln>
         </p:spPr>
         <p:style>
-          <a:lnRef idx="0"/>
-          <a:fillRef idx="0"/>
-          <a:effectRef idx="0"/>
+          <a:lnRef idx="0">
+            <a:scrgbClr r="0" g="0" b="0"/>
+          </a:lnRef>
+          <a:fillRef idx="0">
+            <a:scrgbClr r="0" g="0" b="0"/>
+          </a:fillRef>
+          <a:effectRef idx="0">
+            <a:scrgbClr r="0" g="0" b="0"/>
+          </a:effectRef>
           <a:fontRef idx="minor"/>
         </p:style>
         <p:txBody>
-          <a:bodyPr lIns="90000" rIns="90000" tIns="45000" bIns="45000" anchor="ctr"/>
+          <a:bodyPr lIns="90000" tIns="45000" rIns="90000" bIns="45000" anchor="ctr"/>
+          <a:lstStyle/>
           <a:p>
             <a:pPr>
               <a:lnSpc>
@@ -6580,9 +7505,9 @@
               </a:lnSpc>
             </a:pPr>
             <a:r>
-              <a:rPr b="1" lang="en-US" sz="4400" strike="noStrike">
-                <a:solidFill>
-                  <a:srgbClr val="dc2300"/>
+              <a:rPr lang="en-US" sz="4400" b="1" strike="noStrike">
+                <a:solidFill>
+                  <a:srgbClr val="DC2300"/>
                 </a:solidFill>
                 <a:latin typeface="Calibri Light"/>
                 <a:ea typeface="DejaVu Sans"/>
@@ -6613,13 +7538,20 @@
           </a:ln>
         </p:spPr>
         <p:style>
-          <a:lnRef idx="0"/>
-          <a:fillRef idx="0"/>
-          <a:effectRef idx="0"/>
+          <a:lnRef idx="0">
+            <a:scrgbClr r="0" g="0" b="0"/>
+          </a:lnRef>
+          <a:fillRef idx="0">
+            <a:scrgbClr r="0" g="0" b="0"/>
+          </a:fillRef>
+          <a:effectRef idx="0">
+            <a:scrgbClr r="0" g="0" b="0"/>
+          </a:effectRef>
           <a:fontRef idx="minor"/>
         </p:style>
         <p:txBody>
-          <a:bodyPr lIns="90000" rIns="90000" tIns="45000" bIns="45000"/>
+          <a:bodyPr lIns="90000" tIns="45000" rIns="90000" bIns="45000"/>
+          <a:lstStyle/>
           <a:p>
             <a:pPr>
               <a:lnSpc>
@@ -6627,16 +7559,26 @@
               </a:lnSpc>
             </a:pPr>
             <a:r>
-              <a:rPr lang="en-US" sz="2600" strike="noStrike">
-                <a:solidFill>
-                  <a:srgbClr val="000000"/>
-                </a:solidFill>
-                <a:latin typeface="Calibri"/>
-                <a:ea typeface="DejaVu Sans"/>
-              </a:rPr>
-              <a:t>Untar autograder.tar </a:t>
-            </a:r>
-            <a:endParaRPr/>
+              <a:rPr lang="en-US" sz="2600" strike="noStrike" dirty="0" err="1">
+                <a:solidFill>
+                  <a:srgbClr val="000000"/>
+                </a:solidFill>
+                <a:latin typeface="Calibri"/>
+                <a:ea typeface="DejaVu Sans"/>
+              </a:rPr>
+              <a:t>Untar</a:t>
+            </a:r>
+            <a:r>
+              <a:rPr lang="en-US" sz="2600" strike="noStrike" dirty="0">
+                <a:solidFill>
+                  <a:srgbClr val="000000"/>
+                </a:solidFill>
+                <a:latin typeface="Calibri"/>
+                <a:ea typeface="DejaVu Sans"/>
+              </a:rPr>
+              <a:t> autograder.tar </a:t>
+            </a:r>
+            <a:endParaRPr dirty="0"/>
           </a:p>
           <a:p>
             <a:pPr>
@@ -6645,7 +7587,285 @@
               </a:lnSpc>
             </a:pPr>
             <a:r>
-              <a:rPr lang="en-US" sz="2600" strike="noStrike">
+              <a:rPr lang="en-US" sz="2600" strike="noStrike" dirty="0">
+                <a:solidFill>
+                  <a:srgbClr val="000000"/>
+                </a:solidFill>
+                <a:latin typeface="Calibri"/>
+                <a:ea typeface="DejaVu Sans"/>
+              </a:rPr>
+              <a:t>	$ tar </a:t>
+            </a:r>
+            <a:r>
+              <a:rPr lang="en-US" sz="2600" strike="noStrike" dirty="0" err="1">
+                <a:solidFill>
+                  <a:srgbClr val="000000"/>
+                </a:solidFill>
+                <a:latin typeface="Calibri"/>
+                <a:ea typeface="DejaVu Sans"/>
+              </a:rPr>
+              <a:t>xvf</a:t>
+            </a:r>
+            <a:r>
+              <a:rPr lang="en-US" sz="2600" strike="noStrike" dirty="0">
+                <a:solidFill>
+                  <a:srgbClr val="000000"/>
+                </a:solidFill>
+                <a:latin typeface="Calibri"/>
+                <a:ea typeface="DejaVu Sans"/>
+              </a:rPr>
+              <a:t> autograder.tar</a:t>
+            </a:r>
+            <a:endParaRPr dirty="0"/>
+          </a:p>
+          <a:p>
+            <a:pPr>
+              <a:lnSpc>
+                <a:spcPct val="90000"/>
+              </a:lnSpc>
+            </a:pPr>
+            <a:endParaRPr dirty="0"/>
+          </a:p>
+          <a:p>
+            <a:pPr>
+              <a:lnSpc>
+                <a:spcPct val="90000"/>
+              </a:lnSpc>
+            </a:pPr>
+            <a:r>
+              <a:rPr lang="en-US" sz="2600" strike="noStrike" dirty="0">
+                <a:solidFill>
+                  <a:srgbClr val="000000"/>
+                </a:solidFill>
+                <a:latin typeface="Calibri"/>
+                <a:ea typeface="DejaVu Sans"/>
+              </a:rPr>
+              <a:t>Copy pa1 into </a:t>
+            </a:r>
+            <a:r>
+              <a:rPr lang="en-US" sz="2600" strike="noStrike" dirty="0" err="1">
+                <a:solidFill>
+                  <a:srgbClr val="000000"/>
+                </a:solidFill>
+                <a:latin typeface="Calibri"/>
+                <a:ea typeface="DejaVu Sans"/>
+              </a:rPr>
+              <a:t>autograder</a:t>
+            </a:r>
+            <a:r>
+              <a:rPr lang="en-US" sz="2600" strike="noStrike" dirty="0">
+                <a:solidFill>
+                  <a:srgbClr val="000000"/>
+                </a:solidFill>
+                <a:latin typeface="Calibri"/>
+                <a:ea typeface="DejaVu Sans"/>
+              </a:rPr>
+              <a:t> directory</a:t>
+            </a:r>
+            <a:endParaRPr dirty="0"/>
+          </a:p>
+          <a:p>
+            <a:pPr>
+              <a:lnSpc>
+                <a:spcPct val="90000"/>
+              </a:lnSpc>
+            </a:pPr>
+            <a:r>
+              <a:rPr lang="en-US" sz="2600" strike="noStrike" dirty="0">
+                <a:solidFill>
+                  <a:srgbClr val="000000"/>
+                </a:solidFill>
+                <a:latin typeface="Calibri"/>
+                <a:ea typeface="DejaVu Sans"/>
+              </a:rPr>
+              <a:t>	$ </a:t>
+            </a:r>
+            <a:r>
+              <a:rPr lang="en-US" sz="2600" strike="noStrike" dirty="0" err="1">
+                <a:solidFill>
+                  <a:srgbClr val="000000"/>
+                </a:solidFill>
+                <a:latin typeface="Calibri"/>
+                <a:ea typeface="DejaVu Sans"/>
+              </a:rPr>
+              <a:t>cp</a:t>
+            </a:r>
+            <a:r>
+              <a:rPr lang="en-US" sz="2600" strike="noStrike" dirty="0">
+                <a:solidFill>
+                  <a:srgbClr val="000000"/>
+                </a:solidFill>
+                <a:latin typeface="Calibri"/>
+                <a:ea typeface="DejaVu Sans"/>
+              </a:rPr>
+              <a:t> -r pa1 </a:t>
+            </a:r>
+            <a:r>
+              <a:rPr lang="en-US" sz="2600" strike="noStrike" dirty="0" err="1">
+                <a:solidFill>
+                  <a:srgbClr val="000000"/>
+                </a:solidFill>
+                <a:latin typeface="Calibri"/>
+                <a:ea typeface="DejaVu Sans"/>
+              </a:rPr>
+              <a:t>autograder</a:t>
+            </a:r>
+            <a:endParaRPr dirty="0"/>
+          </a:p>
+          <a:p>
+            <a:pPr>
+              <a:lnSpc>
+                <a:spcPct val="90000"/>
+              </a:lnSpc>
+            </a:pPr>
+            <a:endParaRPr dirty="0"/>
+          </a:p>
+          <a:p>
+            <a:pPr>
+              <a:lnSpc>
+                <a:spcPct val="90000"/>
+              </a:lnSpc>
+            </a:pPr>
+            <a:r>
+              <a:rPr lang="en-US" sz="2600" strike="noStrike" dirty="0">
+                <a:solidFill>
+                  <a:srgbClr val="000000"/>
+                </a:solidFill>
+                <a:latin typeface="Calibri"/>
+                <a:ea typeface="DejaVu Sans"/>
+              </a:rPr>
+              <a:t>Go to </a:t>
+            </a:r>
+            <a:r>
+              <a:rPr lang="en-US" sz="2600" strike="noStrike" dirty="0" err="1">
+                <a:solidFill>
+                  <a:srgbClr val="000000"/>
+                </a:solidFill>
+                <a:latin typeface="Calibri"/>
+                <a:ea typeface="DejaVu Sans"/>
+              </a:rPr>
+              <a:t>autograder</a:t>
+            </a:r>
+            <a:r>
+              <a:rPr lang="en-US" sz="2600" strike="noStrike" dirty="0">
+                <a:solidFill>
+                  <a:srgbClr val="000000"/>
+                </a:solidFill>
+                <a:latin typeface="Calibri"/>
+                <a:ea typeface="DejaVu Sans"/>
+              </a:rPr>
+              <a:t> directory</a:t>
+            </a:r>
+            <a:endParaRPr dirty="0"/>
+          </a:p>
+          <a:p>
+            <a:pPr>
+              <a:lnSpc>
+                <a:spcPct val="90000"/>
+              </a:lnSpc>
+            </a:pPr>
+            <a:r>
+              <a:rPr lang="en-US" sz="2600" strike="noStrike" dirty="0">
+                <a:solidFill>
+                  <a:srgbClr val="000000"/>
+                </a:solidFill>
+                <a:latin typeface="Calibri"/>
+                <a:ea typeface="DejaVu Sans"/>
+              </a:rPr>
+              <a:t>	$ cd </a:t>
+            </a:r>
+            <a:r>
+              <a:rPr lang="en-US" sz="2600" strike="noStrike" dirty="0" err="1">
+                <a:solidFill>
+                  <a:srgbClr val="000000"/>
+                </a:solidFill>
+                <a:latin typeface="Calibri"/>
+                <a:ea typeface="DejaVu Sans"/>
+              </a:rPr>
+              <a:t>autograder</a:t>
+            </a:r>
+            <a:endParaRPr dirty="0"/>
+          </a:p>
+          <a:p>
+            <a:pPr>
+              <a:lnSpc>
+                <a:spcPct val="90000"/>
+              </a:lnSpc>
+            </a:pPr>
+            <a:endParaRPr dirty="0"/>
+          </a:p>
+          <a:p>
+            <a:pPr>
+              <a:lnSpc>
+                <a:spcPct val="90000"/>
+              </a:lnSpc>
+            </a:pPr>
+            <a:r>
+              <a:rPr lang="en-US" sz="2600" strike="noStrike" dirty="0">
+                <a:solidFill>
+                  <a:srgbClr val="000000"/>
+                </a:solidFill>
+                <a:latin typeface="Calibri"/>
+                <a:ea typeface="DejaVu Sans"/>
+              </a:rPr>
+              <a:t>Run </a:t>
+            </a:r>
+            <a:r>
+              <a:rPr lang="en-US" sz="2600" strike="noStrike" dirty="0" err="1">
+                <a:solidFill>
+                  <a:srgbClr val="000000"/>
+                </a:solidFill>
+                <a:latin typeface="Calibri"/>
+                <a:ea typeface="DejaVu Sans"/>
+              </a:rPr>
+              <a:t>autograder</a:t>
+            </a:r>
+            <a:endParaRPr dirty="0"/>
+          </a:p>
+          <a:p>
+            <a:pPr>
+              <a:lnSpc>
+                <a:spcPct val="90000"/>
+              </a:lnSpc>
+            </a:pPr>
+            <a:r>
+              <a:rPr lang="en-US" sz="2600" strike="noStrike" dirty="0">
+                <a:solidFill>
+                  <a:srgbClr val="000000"/>
+                </a:solidFill>
+                <a:latin typeface="Calibri"/>
+                <a:ea typeface="DejaVu Sans"/>
+              </a:rPr>
+              <a:t>	$ python auto_grader.py</a:t>
+            </a:r>
+            <a:endParaRPr dirty="0"/>
+          </a:p>
+          <a:p>
+            <a:pPr>
+              <a:lnSpc>
+                <a:spcPct val="90000"/>
+              </a:lnSpc>
+            </a:pPr>
+            <a:r>
+              <a:rPr lang="en-US" sz="2600" strike="noStrike" dirty="0">
+                <a:solidFill>
+                  <a:srgbClr val="000000"/>
+                </a:solidFill>
+                <a:latin typeface="Calibri"/>
+                <a:ea typeface="DejaVu Sans"/>
+              </a:rPr>
+              <a:t> </a:t>
+            </a:r>
+            <a:endParaRPr dirty="0"/>
+          </a:p>
+          <a:p>
+            <a:pPr>
+              <a:lnSpc>
+                <a:spcPct val="90000"/>
+              </a:lnSpc>
+            </a:pPr>
+            <a:r>
+              <a:rPr lang="en-US" strike="noStrike" dirty="0">
                 <a:solidFill>
                   <a:srgbClr val="000000"/>
                 </a:solidFill>
@@ -6654,236 +7874,31 @@
               </a:rPr>
               <a:t>	</a:t>
             </a:r>
-            <a:r>
-              <a:rPr lang="en-US" sz="2600" strike="noStrike">
-                <a:solidFill>
-                  <a:srgbClr val="000000"/>
-                </a:solidFill>
-                <a:latin typeface="Calibri"/>
-                <a:ea typeface="DejaVu Sans"/>
-              </a:rPr>
-              <a:t>$ tar xvf autograder.tar</a:t>
-            </a:r>
-            <a:endParaRPr/>
-          </a:p>
-          <a:p>
-            <a:pPr>
-              <a:lnSpc>
-                <a:spcPct val="90000"/>
-              </a:lnSpc>
-            </a:pPr>
-            <a:endParaRPr/>
-          </a:p>
-          <a:p>
-            <a:pPr>
-              <a:lnSpc>
-                <a:spcPct val="90000"/>
-              </a:lnSpc>
-            </a:pPr>
-            <a:r>
-              <a:rPr lang="en-US" sz="2600" strike="noStrike">
-                <a:solidFill>
-                  <a:srgbClr val="000000"/>
-                </a:solidFill>
-                <a:latin typeface="Calibri"/>
-                <a:ea typeface="DejaVu Sans"/>
-              </a:rPr>
-              <a:t>Copy pa1 into autograder directory</a:t>
-            </a:r>
-            <a:endParaRPr/>
-          </a:p>
-          <a:p>
-            <a:pPr>
-              <a:lnSpc>
-                <a:spcPct val="90000"/>
-              </a:lnSpc>
-            </a:pPr>
-            <a:r>
-              <a:rPr lang="en-US" sz="2600" strike="noStrike">
-                <a:solidFill>
-                  <a:srgbClr val="000000"/>
-                </a:solidFill>
-                <a:latin typeface="Calibri"/>
-                <a:ea typeface="DejaVu Sans"/>
-              </a:rPr>
-              <a:t>	</a:t>
-            </a:r>
-            <a:r>
-              <a:rPr lang="en-US" sz="2600" strike="noStrike">
-                <a:solidFill>
-                  <a:srgbClr val="000000"/>
-                </a:solidFill>
-                <a:latin typeface="Calibri"/>
-                <a:ea typeface="DejaVu Sans"/>
-              </a:rPr>
-              <a:t>$ cp -r pa1 autograder</a:t>
-            </a:r>
-            <a:endParaRPr/>
-          </a:p>
-          <a:p>
-            <a:pPr>
-              <a:lnSpc>
-                <a:spcPct val="90000"/>
-              </a:lnSpc>
-            </a:pPr>
-            <a:endParaRPr/>
-          </a:p>
-          <a:p>
-            <a:pPr>
-              <a:lnSpc>
-                <a:spcPct val="90000"/>
-              </a:lnSpc>
-            </a:pPr>
-            <a:r>
-              <a:rPr lang="en-US" sz="2600" strike="noStrike">
-                <a:solidFill>
-                  <a:srgbClr val="000000"/>
-                </a:solidFill>
-                <a:latin typeface="Calibri"/>
-                <a:ea typeface="DejaVu Sans"/>
-              </a:rPr>
-              <a:t>Go to autograder directory</a:t>
-            </a:r>
-            <a:endParaRPr/>
-          </a:p>
-          <a:p>
-            <a:pPr>
-              <a:lnSpc>
-                <a:spcPct val="90000"/>
-              </a:lnSpc>
-            </a:pPr>
-            <a:r>
-              <a:rPr lang="en-US" sz="2600" strike="noStrike">
-                <a:solidFill>
-                  <a:srgbClr val="000000"/>
-                </a:solidFill>
-                <a:latin typeface="Calibri"/>
-                <a:ea typeface="DejaVu Sans"/>
-              </a:rPr>
-              <a:t>	</a:t>
-            </a:r>
-            <a:r>
-              <a:rPr lang="en-US" sz="2600" strike="noStrike">
-                <a:solidFill>
-                  <a:srgbClr val="000000"/>
-                </a:solidFill>
-                <a:latin typeface="Calibri"/>
-                <a:ea typeface="DejaVu Sans"/>
-              </a:rPr>
-              <a:t>$ cd autograder</a:t>
-            </a:r>
-            <a:endParaRPr/>
-          </a:p>
-          <a:p>
-            <a:pPr>
-              <a:lnSpc>
-                <a:spcPct val="90000"/>
-              </a:lnSpc>
-            </a:pPr>
-            <a:endParaRPr/>
-          </a:p>
-          <a:p>
-            <a:pPr>
-              <a:lnSpc>
-                <a:spcPct val="90000"/>
-              </a:lnSpc>
-            </a:pPr>
-            <a:r>
-              <a:rPr lang="en-US" sz="2600" strike="noStrike">
-                <a:solidFill>
-                  <a:srgbClr val="000000"/>
-                </a:solidFill>
-                <a:latin typeface="Calibri"/>
-                <a:ea typeface="DejaVu Sans"/>
-              </a:rPr>
-              <a:t>Run autograder</a:t>
-            </a:r>
-            <a:endParaRPr/>
-          </a:p>
-          <a:p>
-            <a:pPr>
-              <a:lnSpc>
-                <a:spcPct val="90000"/>
-              </a:lnSpc>
-            </a:pPr>
-            <a:r>
-              <a:rPr lang="en-US" sz="2600" strike="noStrike">
-                <a:solidFill>
-                  <a:srgbClr val="000000"/>
-                </a:solidFill>
-                <a:latin typeface="Calibri"/>
-                <a:ea typeface="DejaVu Sans"/>
-              </a:rPr>
-              <a:t>	</a:t>
-            </a:r>
-            <a:r>
-              <a:rPr lang="en-US" sz="2600" strike="noStrike">
-                <a:solidFill>
-                  <a:srgbClr val="000000"/>
-                </a:solidFill>
-                <a:latin typeface="Calibri"/>
-                <a:ea typeface="DejaVu Sans"/>
-              </a:rPr>
-              <a:t>$ python auto_grader.py</a:t>
-            </a:r>
-            <a:endParaRPr/>
-          </a:p>
-          <a:p>
-            <a:pPr>
-              <a:lnSpc>
-                <a:spcPct val="90000"/>
-              </a:lnSpc>
-            </a:pPr>
-            <a:r>
-              <a:rPr lang="en-US" sz="2600" strike="noStrike">
-                <a:solidFill>
-                  <a:srgbClr val="000000"/>
-                </a:solidFill>
-                <a:latin typeface="Calibri"/>
-                <a:ea typeface="DejaVu Sans"/>
-              </a:rPr>
-              <a:t> </a:t>
-            </a:r>
-            <a:endParaRPr/>
-          </a:p>
-          <a:p>
-            <a:pPr>
-              <a:lnSpc>
-                <a:spcPct val="90000"/>
-              </a:lnSpc>
-            </a:pPr>
-            <a:r>
-              <a:rPr lang="en-US" strike="noStrike">
-                <a:solidFill>
-                  <a:srgbClr val="000000"/>
-                </a:solidFill>
-                <a:latin typeface="Calibri"/>
-                <a:ea typeface="DejaVu Sans"/>
-              </a:rPr>
-              <a:t>	</a:t>
-            </a:r>
-            <a:endParaRPr/>
+            <a:endParaRPr dirty="0"/>
           </a:p>
         </p:txBody>
       </p:sp>
     </p:spTree>
   </p:cSld>
+  <p:clrMapOvr>
+    <a:masterClrMapping/>
+  </p:clrMapOvr>
   <p:timing>
     <p:tnLst>
       <p:par>
-        <p:cTn id="13" dur="indefinite" restart="never" nodeType="tmRoot">
+        <p:cTn id="1" dur="indefinite" restart="never" nodeType="tmRoot">
           <p:childTnLst>
             <p:seq>
-              <p:cTn id="14" nodeType="mainSeq"/>
+              <p:cTn id="2" nodeType="mainSeq"/>
               <p:prevCondLst>
-                <p:cond delay="0" evt="onPrev">
+                <p:cond evt="onPrev" delay="0">
                   <p:tgtEl>
                     <p:sldTgt/>
                   </p:tgtEl>
                 </p:cond>
               </p:prevCondLst>
               <p:nextCondLst>
-                <p:cond delay="0" evt="onNext">
+                <p:cond evt="onNext" delay="0">
                   <p:tgtEl>
                     <p:sldTgt/>
                   </p:tgtEl>
@@ -6899,7 +7914,7 @@
 </file>
 
 <file path=ppt/slides/slide8.xml><?xml version="1.0" encoding="utf-8"?>
-<p:sld xmlns:a="http://schemas.openxmlformats.org/drawingml/2006/main" xmlns:p="http://schemas.openxmlformats.org/presentationml/2006/main" xmlns:r="http://schemas.openxmlformats.org/officeDocument/2006/relationships">
+<p:sld xmlns:a="http://schemas.openxmlformats.org/drawingml/2006/main" xmlns:r="http://schemas.openxmlformats.org/officeDocument/2006/relationships" xmlns:p="http://schemas.openxmlformats.org/presentationml/2006/main">
   <p:cSld>
     <p:spTree>
       <p:nvGrpSpPr>
@@ -6935,13 +7950,20 @@
           </a:ln>
         </p:spPr>
         <p:style>
-          <a:lnRef idx="0"/>
-          <a:fillRef idx="0"/>
-          <a:effectRef idx="0"/>
+          <a:lnRef idx="0">
+            <a:scrgbClr r="0" g="0" b="0"/>
+          </a:lnRef>
+          <a:fillRef idx="0">
+            <a:scrgbClr r="0" g="0" b="0"/>
+          </a:fillRef>
+          <a:effectRef idx="0">
+            <a:scrgbClr r="0" g="0" b="0"/>
+          </a:effectRef>
           <a:fontRef idx="minor"/>
         </p:style>
         <p:txBody>
-          <a:bodyPr lIns="90000" rIns="90000" tIns="45000" bIns="45000" anchor="ctr"/>
+          <a:bodyPr lIns="90000" tIns="45000" rIns="90000" bIns="45000" anchor="ctr"/>
+          <a:lstStyle/>
           <a:p>
             <a:pPr>
               <a:lnSpc>
@@ -6949,9 +7971,9 @@
               </a:lnSpc>
             </a:pPr>
             <a:r>
-              <a:rPr b="1" lang="en-US" sz="4400" strike="noStrike">
-                <a:solidFill>
-                  <a:srgbClr val="dc2300"/>
+              <a:rPr lang="en-US" sz="4400" b="1" strike="noStrike">
+                <a:solidFill>
+                  <a:srgbClr val="DC2300"/>
                 </a:solidFill>
                 <a:latin typeface="Calibri Light"/>
                 <a:ea typeface="DejaVu Sans"/>
@@ -6982,13 +8004,20 @@
           </a:ln>
         </p:spPr>
         <p:style>
-          <a:lnRef idx="0"/>
-          <a:fillRef idx="0"/>
-          <a:effectRef idx="0"/>
+          <a:lnRef idx="0">
+            <a:scrgbClr r="0" g="0" b="0"/>
+          </a:lnRef>
+          <a:fillRef idx="0">
+            <a:scrgbClr r="0" g="0" b="0"/>
+          </a:fillRef>
+          <a:effectRef idx="0">
+            <a:scrgbClr r="0" g="0" b="0"/>
+          </a:effectRef>
           <a:fontRef idx="minor"/>
         </p:style>
         <p:txBody>
-          <a:bodyPr lIns="90000" rIns="90000" tIns="45000" bIns="45000"/>
+          <a:bodyPr lIns="90000" tIns="45000" rIns="90000" bIns="45000"/>
+          <a:lstStyle/>
           <a:p>
             <a:pPr algn="ctr">
               <a:lnSpc>
@@ -7053,22 +8082,25 @@
       </p:sp>
     </p:spTree>
   </p:cSld>
+  <p:clrMapOvr>
+    <a:masterClrMapping/>
+  </p:clrMapOvr>
   <p:timing>
     <p:tnLst>
       <p:par>
-        <p:cTn id="15" dur="indefinite" restart="never" nodeType="tmRoot">
+        <p:cTn id="1" dur="indefinite" restart="never" nodeType="tmRoot">
           <p:childTnLst>
             <p:seq>
-              <p:cTn id="16" nodeType="mainSeq"/>
+              <p:cTn id="2" nodeType="mainSeq"/>
               <p:prevCondLst>
-                <p:cond delay="0" evt="onPrev">
+                <p:cond evt="onPrev" delay="0">
                   <p:tgtEl>
                     <p:sldTgt/>
                   </p:tgtEl>
                 </p:cond>
               </p:prevCondLst>
               <p:nextCondLst>
-                <p:cond delay="0" evt="onNext">
+                <p:cond evt="onNext" delay="0">
                   <p:tgtEl>
                     <p:sldTgt/>
                   </p:tgtEl>
@@ -7303,6 +8335,8 @@
       </a:bgFillStyleLst>
     </a:fmtScheme>
   </a:themeElements>
+  <a:objectDefaults/>
+  <a:extraClrSchemeLst/>
 </a:theme>
 </file>
 
@@ -7526,6 +8560,8 @@
       </a:bgFillStyleLst>
     </a:fmtScheme>
   </a:themeElements>
+  <a:objectDefaults/>
+  <a:extraClrSchemeLst/>
 </a:theme>
 </file>
 
@@ -7749,5 +8785,7 @@
       </a:bgFillStyleLst>
     </a:fmtScheme>
   </a:themeElements>
+  <a:objectDefaults/>
+  <a:extraClrSchemeLst/>
 </a:theme>
 </file>